--- a/finpro data engineering batch 2 dibimbing.id.pptx
+++ b/finpro data engineering batch 2 dibimbing.id.pptx
@@ -1,26 +1,26 @@
 
 <file path=ppt/presentation.xml><?xml version="1.0" encoding="utf-8"?>
-<p:presentation xmlns:a="http://schemas.openxmlformats.org/drawingml/2006/main" xmlns:r="http://schemas.openxmlformats.org/officeDocument/2006/relationships" xmlns:mc="http://schemas.openxmlformats.org/markup-compatibility/2006" xmlns:mv="urn:schemas-microsoft-com:mac:vml" xmlns:p="http://schemas.openxmlformats.org/presentationml/2006/main" xmlns:c="http://schemas.openxmlformats.org/drawingml/2006/chart" xmlns:dgm="http://schemas.openxmlformats.org/drawingml/2006/diagram" xmlns:o="urn:schemas-microsoft-com:office:office" xmlns:v="urn:schemas-microsoft-com:vml" xmlns:pvml="urn:schemas-microsoft-com:office:powerpoint" xmlns:com="http://schemas.openxmlformats.org/drawingml/2006/compatibility" xmlns:p14="http://schemas.microsoft.com/office/powerpoint/2010/main" xmlns:p15="http://schemas.microsoft.com/office/powerpoint/2012/main" xmlns:ahyp="http://schemas.microsoft.com/office/drawing/2018/hyperlinkcolor" autoCompressPictures="0" strictFirstAndLastChars="0" saveSubsetFonts="1">
+<p:presentation xmlns:a="http://schemas.openxmlformats.org/drawingml/2006/main" xmlns:r="http://schemas.openxmlformats.org/officeDocument/2006/relationships" xmlns:p="http://schemas.openxmlformats.org/presentationml/2006/main" strictFirstAndLastChars="0" saveSubsetFonts="1" autoCompressPictures="0">
   <p:sldMasterIdLst>
-    <p:sldMasterId id="2147483659" r:id="rId4"/>
+    <p:sldMasterId id="2147483659" r:id="rId1"/>
   </p:sldMasterIdLst>
   <p:notesMasterIdLst>
-    <p:notesMasterId r:id="rId5"/>
+    <p:notesMasterId r:id="rId10"/>
   </p:notesMasterIdLst>
   <p:sldIdLst>
-    <p:sldId id="256" r:id="rId6"/>
-    <p:sldId id="257" r:id="rId7"/>
-    <p:sldId id="258" r:id="rId8"/>
-    <p:sldId id="259" r:id="rId9"/>
-    <p:sldId id="260" r:id="rId10"/>
-    <p:sldId id="261" r:id="rId11"/>
-    <p:sldId id="262" r:id="rId12"/>
-    <p:sldId id="263" r:id="rId13"/>
+    <p:sldId id="256" r:id="rId2"/>
+    <p:sldId id="257" r:id="rId3"/>
+    <p:sldId id="258" r:id="rId4"/>
+    <p:sldId id="259" r:id="rId5"/>
+    <p:sldId id="260" r:id="rId6"/>
+    <p:sldId id="261" r:id="rId7"/>
+    <p:sldId id="262" r:id="rId8"/>
+    <p:sldId id="263" r:id="rId9"/>
   </p:sldIdLst>
-  <p:sldSz cy="5143500" cx="9144000"/>
+  <p:sldSz cx="9144000" cy="5143500" type="screen16x9"/>
   <p:notesSz cx="6858000" cy="9144000"/>
   <p:defaultTextStyle>
-    <a:defPPr lvl="0" marR="0" rtl="0" algn="l">
+    <a:defPPr marR="0" lvl="0" algn="l" rtl="0">
       <a:lnSpc>
         <a:spcPct val="100000"/>
       </a:lnSpc>
@@ -31,7 +31,7 @@
         <a:spcPts val="0"/>
       </a:spcAft>
     </a:defPPr>
-    <a:lvl1pPr lvl="0" marR="0" rtl="0" algn="l">
+    <a:lvl1pPr marR="0" lvl="0" algn="l" rtl="0">
       <a:lnSpc>
         <a:spcPct val="100000"/>
       </a:lnSpc>
@@ -45,7 +45,7 @@
         <a:srgbClr val="000000"/>
       </a:buClr>
       <a:buFont typeface="Arial"/>
-      <a:defRPr b="0" i="0" sz="1400" u="none" cap="none" strike="noStrike">
+      <a:defRPr sz="1400" b="0" i="0" u="none" strike="noStrike" cap="none">
         <a:solidFill>
           <a:srgbClr val="000000"/>
         </a:solidFill>
@@ -55,7 +55,7 @@
         <a:sym typeface="Arial"/>
       </a:defRPr>
     </a:lvl1pPr>
-    <a:lvl2pPr lvl="1" marR="0" rtl="0" algn="l">
+    <a:lvl2pPr marR="0" lvl="1" algn="l" rtl="0">
       <a:lnSpc>
         <a:spcPct val="100000"/>
       </a:lnSpc>
@@ -69,7 +69,7 @@
         <a:srgbClr val="000000"/>
       </a:buClr>
       <a:buFont typeface="Arial"/>
-      <a:defRPr b="0" i="0" sz="1400" u="none" cap="none" strike="noStrike">
+      <a:defRPr sz="1400" b="0" i="0" u="none" strike="noStrike" cap="none">
         <a:solidFill>
           <a:srgbClr val="000000"/>
         </a:solidFill>
@@ -79,7 +79,7 @@
         <a:sym typeface="Arial"/>
       </a:defRPr>
     </a:lvl2pPr>
-    <a:lvl3pPr lvl="2" marR="0" rtl="0" algn="l">
+    <a:lvl3pPr marR="0" lvl="2" algn="l" rtl="0">
       <a:lnSpc>
         <a:spcPct val="100000"/>
       </a:lnSpc>
@@ -93,7 +93,7 @@
         <a:srgbClr val="000000"/>
       </a:buClr>
       <a:buFont typeface="Arial"/>
-      <a:defRPr b="0" i="0" sz="1400" u="none" cap="none" strike="noStrike">
+      <a:defRPr sz="1400" b="0" i="0" u="none" strike="noStrike" cap="none">
         <a:solidFill>
           <a:srgbClr val="000000"/>
         </a:solidFill>
@@ -103,7 +103,7 @@
         <a:sym typeface="Arial"/>
       </a:defRPr>
     </a:lvl3pPr>
-    <a:lvl4pPr lvl="3" marR="0" rtl="0" algn="l">
+    <a:lvl4pPr marR="0" lvl="3" algn="l" rtl="0">
       <a:lnSpc>
         <a:spcPct val="100000"/>
       </a:lnSpc>
@@ -117,7 +117,7 @@
         <a:srgbClr val="000000"/>
       </a:buClr>
       <a:buFont typeface="Arial"/>
-      <a:defRPr b="0" i="0" sz="1400" u="none" cap="none" strike="noStrike">
+      <a:defRPr sz="1400" b="0" i="0" u="none" strike="noStrike" cap="none">
         <a:solidFill>
           <a:srgbClr val="000000"/>
         </a:solidFill>
@@ -127,7 +127,7 @@
         <a:sym typeface="Arial"/>
       </a:defRPr>
     </a:lvl4pPr>
-    <a:lvl5pPr lvl="4" marR="0" rtl="0" algn="l">
+    <a:lvl5pPr marR="0" lvl="4" algn="l" rtl="0">
       <a:lnSpc>
         <a:spcPct val="100000"/>
       </a:lnSpc>
@@ -141,7 +141,7 @@
         <a:srgbClr val="000000"/>
       </a:buClr>
       <a:buFont typeface="Arial"/>
-      <a:defRPr b="0" i="0" sz="1400" u="none" cap="none" strike="noStrike">
+      <a:defRPr sz="1400" b="0" i="0" u="none" strike="noStrike" cap="none">
         <a:solidFill>
           <a:srgbClr val="000000"/>
         </a:solidFill>
@@ -151,7 +151,7 @@
         <a:sym typeface="Arial"/>
       </a:defRPr>
     </a:lvl5pPr>
-    <a:lvl6pPr lvl="5" marR="0" rtl="0" algn="l">
+    <a:lvl6pPr marR="0" lvl="5" algn="l" rtl="0">
       <a:lnSpc>
         <a:spcPct val="100000"/>
       </a:lnSpc>
@@ -165,7 +165,7 @@
         <a:srgbClr val="000000"/>
       </a:buClr>
       <a:buFont typeface="Arial"/>
-      <a:defRPr b="0" i="0" sz="1400" u="none" cap="none" strike="noStrike">
+      <a:defRPr sz="1400" b="0" i="0" u="none" strike="noStrike" cap="none">
         <a:solidFill>
           <a:srgbClr val="000000"/>
         </a:solidFill>
@@ -175,7 +175,7 @@
         <a:sym typeface="Arial"/>
       </a:defRPr>
     </a:lvl6pPr>
-    <a:lvl7pPr lvl="6" marR="0" rtl="0" algn="l">
+    <a:lvl7pPr marR="0" lvl="6" algn="l" rtl="0">
       <a:lnSpc>
         <a:spcPct val="100000"/>
       </a:lnSpc>
@@ -189,7 +189,7 @@
         <a:srgbClr val="000000"/>
       </a:buClr>
       <a:buFont typeface="Arial"/>
-      <a:defRPr b="0" i="0" sz="1400" u="none" cap="none" strike="noStrike">
+      <a:defRPr sz="1400" b="0" i="0" u="none" strike="noStrike" cap="none">
         <a:solidFill>
           <a:srgbClr val="000000"/>
         </a:solidFill>
@@ -199,7 +199,7 @@
         <a:sym typeface="Arial"/>
       </a:defRPr>
     </a:lvl7pPr>
-    <a:lvl8pPr lvl="7" marR="0" rtl="0" algn="l">
+    <a:lvl8pPr marR="0" lvl="7" algn="l" rtl="0">
       <a:lnSpc>
         <a:spcPct val="100000"/>
       </a:lnSpc>
@@ -213,7 +213,7 @@
         <a:srgbClr val="000000"/>
       </a:buClr>
       <a:buFont typeface="Arial"/>
-      <a:defRPr b="0" i="0" sz="1400" u="none" cap="none" strike="noStrike">
+      <a:defRPr sz="1400" b="0" i="0" u="none" strike="noStrike" cap="none">
         <a:solidFill>
           <a:srgbClr val="000000"/>
         </a:solidFill>
@@ -223,7 +223,7 @@
         <a:sym typeface="Arial"/>
       </a:defRPr>
     </a:lvl8pPr>
-    <a:lvl9pPr lvl="8" marR="0" rtl="0" algn="l">
+    <a:lvl9pPr marR="0" lvl="8" algn="l" rtl="0">
       <a:lnSpc>
         <a:spcPct val="100000"/>
       </a:lnSpc>
@@ -237,7 +237,7 @@
         <a:srgbClr val="000000"/>
       </a:buClr>
       <a:buFont typeface="Arial"/>
-      <a:defRPr b="0" i="0" sz="1400" u="none" cap="none" strike="noStrike">
+      <a:defRPr sz="1400" b="0" i="0" u="none" strike="noStrike" cap="none">
         <a:solidFill>
           <a:srgbClr val="000000"/>
         </a:solidFill>
@@ -250,7 +250,7 @@
   </p:defaultTextStyle>
   <p:extLst>
     <p:ext uri="{EFAFB233-063F-42B5-8137-9DF3F51BA10A}">
-      <p15:sldGuideLst>
+      <p15:sldGuideLst xmlns:p15="http://schemas.microsoft.com/office/powerpoint/2012/main">
         <p15:guide id="1" orient="horz" pos="1620">
           <p15:clr>
             <a:srgbClr val="747775"/>
@@ -268,11 +268,16 @@
 </file>
 
 <file path=ppt/notesMasters/notesMaster1.xml><?xml version="1.0" encoding="utf-8"?>
-<p:notesMaster xmlns:a="http://schemas.openxmlformats.org/drawingml/2006/main" xmlns:r="http://schemas.openxmlformats.org/officeDocument/2006/relationships" xmlns:mc="http://schemas.openxmlformats.org/markup-compatibility/2006" xmlns:mv="urn:schemas-microsoft-com:mac:vml" xmlns:p="http://schemas.openxmlformats.org/presentationml/2006/main" xmlns:c="http://schemas.openxmlformats.org/drawingml/2006/chart" xmlns:dgm="http://schemas.openxmlformats.org/drawingml/2006/diagram" xmlns:o="urn:schemas-microsoft-com:office:office" xmlns:v="urn:schemas-microsoft-com:vml" xmlns:pvml="urn:schemas-microsoft-com:office:powerpoint" xmlns:com="http://schemas.openxmlformats.org/drawingml/2006/compatibility" xmlns:p14="http://schemas.microsoft.com/office/powerpoint/2010/main" xmlns:p15="http://schemas.microsoft.com/office/powerpoint/2012/main" xmlns:ahyp="http://schemas.microsoft.com/office/drawing/2018/hyperlinkcolor">
+<p:notesMaster xmlns:a="http://schemas.openxmlformats.org/drawingml/2006/main" xmlns:r="http://schemas.openxmlformats.org/officeDocument/2006/relationships" xmlns:p="http://schemas.openxmlformats.org/presentationml/2006/main">
   <p:cSld>
+    <p:bg>
+      <p:bgRef idx="1001">
+        <a:schemeClr val="bg1"/>
+      </p:bgRef>
+    </p:bg>
     <p:spTree>
       <p:nvGrpSpPr>
-        <p:cNvPr id="2" name="Shape 2"/>
+        <p:cNvPr id="1" name="Shape 2"/>
         <p:cNvGrpSpPr/>
         <p:nvPr/>
       </p:nvGrpSpPr>
@@ -287,9 +292,11 @@
       <p:sp>
         <p:nvSpPr>
           <p:cNvPr id="3" name="Google Shape;3;n"/>
-          <p:cNvSpPr/>
+          <p:cNvSpPr>
+            <a:spLocks noGrp="1" noRot="1" noChangeAspect="1"/>
+          </p:cNvSpPr>
           <p:nvPr>
-            <p:ph idx="2" type="sldImg"/>
+            <p:ph type="sldImg" idx="2"/>
           </p:nvPr>
         </p:nvSpPr>
         <p:spPr>
@@ -298,9 +305,13 @@
             <a:ext cx="6096075" cy="3429000"/>
           </a:xfrm>
           <a:custGeom>
-            <a:rect b="b" l="l" r="r" t="t"/>
+            <a:avLst/>
+            <a:gdLst/>
+            <a:ahLst/>
+            <a:cxnLst/>
+            <a:rect l="l" t="t" r="r" b="b"/>
             <a:pathLst>
-              <a:path extrusionOk="0" h="120000" w="120000">
+              <a:path w="120000" h="120000" extrusionOk="0">
                 <a:moveTo>
                   <a:pt x="0" y="0"/>
                 </a:moveTo>
@@ -318,23 +329,25 @@
             </a:pathLst>
           </a:custGeom>
           <a:noFill/>
-          <a:ln cap="flat" cmpd="sng" w="9525">
+          <a:ln w="9525" cap="flat" cmpd="sng">
             <a:solidFill>
               <a:srgbClr val="000000"/>
             </a:solidFill>
             <a:prstDash val="solid"/>
             <a:round/>
-            <a:headEnd len="sm" w="sm" type="none"/>
-            <a:tailEnd len="sm" w="sm" type="none"/>
+            <a:headEnd type="none" w="sm" len="sm"/>
+            <a:tailEnd type="none" w="sm" len="sm"/>
           </a:ln>
         </p:spPr>
       </p:sp>
       <p:sp>
         <p:nvSpPr>
           <p:cNvPr id="4" name="Google Shape;4;n"/>
-          <p:cNvSpPr txBox="1"/>
+          <p:cNvSpPr txBox="1">
+            <a:spLocks noGrp="1"/>
+          </p:cNvSpPr>
           <p:nvPr>
-            <p:ph idx="1" type="body"/>
+            <p:ph type="body" idx="1"/>
           </p:nvPr>
         </p:nvSpPr>
         <p:spPr>
@@ -351,11 +364,11 @@
           </a:ln>
         </p:spPr>
         <p:txBody>
-          <a:bodyPr anchorCtr="0" anchor="t" bIns="91425" lIns="91425" spcFirstLastPara="1" rIns="91425" wrap="square" tIns="91425">
+          <a:bodyPr spcFirstLastPara="1" wrap="square" lIns="91425" tIns="91425" rIns="91425" bIns="91425" anchor="t" anchorCtr="0">
             <a:noAutofit/>
           </a:bodyPr>
           <a:lstStyle>
-            <a:lvl1pPr indent="-298450" lvl="0" marL="457200">
+            <a:lvl1pPr marL="457200" lvl="0" indent="-298450">
               <a:spcBef>
                 <a:spcPts val="0"/>
               </a:spcBef>
@@ -366,7 +379,7 @@
               <a:buChar char="●"/>
               <a:defRPr sz="1100"/>
             </a:lvl1pPr>
-            <a:lvl2pPr indent="-298450" lvl="1" marL="914400">
+            <a:lvl2pPr marL="914400" lvl="1" indent="-298450">
               <a:spcBef>
                 <a:spcPts val="0"/>
               </a:spcBef>
@@ -377,7 +390,7 @@
               <a:buChar char="○"/>
               <a:defRPr sz="1100"/>
             </a:lvl2pPr>
-            <a:lvl3pPr indent="-298450" lvl="2" marL="1371600">
+            <a:lvl3pPr marL="1371600" lvl="2" indent="-298450">
               <a:spcBef>
                 <a:spcPts val="0"/>
               </a:spcBef>
@@ -388,7 +401,7 @@
               <a:buChar char="■"/>
               <a:defRPr sz="1100"/>
             </a:lvl3pPr>
-            <a:lvl4pPr indent="-298450" lvl="3" marL="1828800">
+            <a:lvl4pPr marL="1828800" lvl="3" indent="-298450">
               <a:spcBef>
                 <a:spcPts val="0"/>
               </a:spcBef>
@@ -399,7 +412,7 @@
               <a:buChar char="●"/>
               <a:defRPr sz="1100"/>
             </a:lvl4pPr>
-            <a:lvl5pPr indent="-298450" lvl="4" marL="2286000">
+            <a:lvl5pPr marL="2286000" lvl="4" indent="-298450">
               <a:spcBef>
                 <a:spcPts val="0"/>
               </a:spcBef>
@@ -410,7 +423,7 @@
               <a:buChar char="○"/>
               <a:defRPr sz="1100"/>
             </a:lvl5pPr>
-            <a:lvl6pPr indent="-298450" lvl="5" marL="2743200">
+            <a:lvl6pPr marL="2743200" lvl="5" indent="-298450">
               <a:spcBef>
                 <a:spcPts val="0"/>
               </a:spcBef>
@@ -421,7 +434,7 @@
               <a:buChar char="■"/>
               <a:defRPr sz="1100"/>
             </a:lvl6pPr>
-            <a:lvl7pPr indent="-298450" lvl="6" marL="3200400">
+            <a:lvl7pPr marL="3200400" lvl="6" indent="-298450">
               <a:spcBef>
                 <a:spcPts val="0"/>
               </a:spcBef>
@@ -432,7 +445,7 @@
               <a:buChar char="●"/>
               <a:defRPr sz="1100"/>
             </a:lvl7pPr>
-            <a:lvl8pPr indent="-298450" lvl="7" marL="3657600">
+            <a:lvl8pPr marL="3657600" lvl="7" indent="-298450">
               <a:spcBef>
                 <a:spcPts val="0"/>
               </a:spcBef>
@@ -443,7 +456,7 @@
               <a:buChar char="○"/>
               <a:defRPr sz="1100"/>
             </a:lvl8pPr>
-            <a:lvl9pPr indent="-298450" lvl="8" marL="4114800">
+            <a:lvl9pPr marL="4114800" lvl="8" indent="-298450">
               <a:spcBef>
                 <a:spcPts val="0"/>
               </a:spcBef>
@@ -455,14 +468,16 @@
               <a:defRPr sz="1100"/>
             </a:lvl9pPr>
           </a:lstStyle>
-          <a:p/>
+          <a:p>
+            <a:endParaRPr/>
+          </a:p>
         </p:txBody>
       </p:sp>
     </p:spTree>
   </p:cSld>
-  <p:clrMap accent1="accent1" accent2="accent2" accent3="accent3" accent4="accent4" accent5="accent5" accent6="accent6" bg1="lt1" bg2="dk2" tx1="dk1" tx2="lt2" folHlink="folHlink" hlink="hlink"/>
+  <p:clrMap bg1="lt1" tx1="dk1" bg2="dk2" tx2="lt2" accent1="accent1" accent2="accent2" accent3="accent3" accent4="accent4" accent5="accent5" accent6="accent6" hlink="hlink" folHlink="folHlink"/>
   <p:notesStyle>
-    <a:defPPr lvl="0" marR="0" rtl="0" algn="l">
+    <a:defPPr marR="0" lvl="0" algn="l" rtl="0">
       <a:lnSpc>
         <a:spcPct val="100000"/>
       </a:lnSpc>
@@ -473,7 +488,7 @@
         <a:spcPts val="0"/>
       </a:spcAft>
     </a:defPPr>
-    <a:lvl1pPr lvl="0" marR="0" rtl="0" algn="l">
+    <a:lvl1pPr marR="0" lvl="0" algn="l" rtl="0">
       <a:lnSpc>
         <a:spcPct val="100000"/>
       </a:lnSpc>
@@ -487,7 +502,7 @@
         <a:srgbClr val="000000"/>
       </a:buClr>
       <a:buFont typeface="Arial"/>
-      <a:defRPr b="0" i="0" sz="1400" u="none" cap="none" strike="noStrike">
+      <a:defRPr sz="1400" b="0" i="0" u="none" strike="noStrike" cap="none">
         <a:solidFill>
           <a:srgbClr val="000000"/>
         </a:solidFill>
@@ -497,7 +512,7 @@
         <a:sym typeface="Arial"/>
       </a:defRPr>
     </a:lvl1pPr>
-    <a:lvl2pPr lvl="1" marR="0" rtl="0" algn="l">
+    <a:lvl2pPr marR="0" lvl="1" algn="l" rtl="0">
       <a:lnSpc>
         <a:spcPct val="100000"/>
       </a:lnSpc>
@@ -511,7 +526,7 @@
         <a:srgbClr val="000000"/>
       </a:buClr>
       <a:buFont typeface="Arial"/>
-      <a:defRPr b="0" i="0" sz="1400" u="none" cap="none" strike="noStrike">
+      <a:defRPr sz="1400" b="0" i="0" u="none" strike="noStrike" cap="none">
         <a:solidFill>
           <a:srgbClr val="000000"/>
         </a:solidFill>
@@ -521,7 +536,7 @@
         <a:sym typeface="Arial"/>
       </a:defRPr>
     </a:lvl2pPr>
-    <a:lvl3pPr lvl="2" marR="0" rtl="0" algn="l">
+    <a:lvl3pPr marR="0" lvl="2" algn="l" rtl="0">
       <a:lnSpc>
         <a:spcPct val="100000"/>
       </a:lnSpc>
@@ -535,7 +550,7 @@
         <a:srgbClr val="000000"/>
       </a:buClr>
       <a:buFont typeface="Arial"/>
-      <a:defRPr b="0" i="0" sz="1400" u="none" cap="none" strike="noStrike">
+      <a:defRPr sz="1400" b="0" i="0" u="none" strike="noStrike" cap="none">
         <a:solidFill>
           <a:srgbClr val="000000"/>
         </a:solidFill>
@@ -545,7 +560,7 @@
         <a:sym typeface="Arial"/>
       </a:defRPr>
     </a:lvl3pPr>
-    <a:lvl4pPr lvl="3" marR="0" rtl="0" algn="l">
+    <a:lvl4pPr marR="0" lvl="3" algn="l" rtl="0">
       <a:lnSpc>
         <a:spcPct val="100000"/>
       </a:lnSpc>
@@ -559,7 +574,7 @@
         <a:srgbClr val="000000"/>
       </a:buClr>
       <a:buFont typeface="Arial"/>
-      <a:defRPr b="0" i="0" sz="1400" u="none" cap="none" strike="noStrike">
+      <a:defRPr sz="1400" b="0" i="0" u="none" strike="noStrike" cap="none">
         <a:solidFill>
           <a:srgbClr val="000000"/>
         </a:solidFill>
@@ -569,7 +584,7 @@
         <a:sym typeface="Arial"/>
       </a:defRPr>
     </a:lvl4pPr>
-    <a:lvl5pPr lvl="4" marR="0" rtl="0" algn="l">
+    <a:lvl5pPr marR="0" lvl="4" algn="l" rtl="0">
       <a:lnSpc>
         <a:spcPct val="100000"/>
       </a:lnSpc>
@@ -583,7 +598,7 @@
         <a:srgbClr val="000000"/>
       </a:buClr>
       <a:buFont typeface="Arial"/>
-      <a:defRPr b="0" i="0" sz="1400" u="none" cap="none" strike="noStrike">
+      <a:defRPr sz="1400" b="0" i="0" u="none" strike="noStrike" cap="none">
         <a:solidFill>
           <a:srgbClr val="000000"/>
         </a:solidFill>
@@ -593,7 +608,7 @@
         <a:sym typeface="Arial"/>
       </a:defRPr>
     </a:lvl5pPr>
-    <a:lvl6pPr lvl="5" marR="0" rtl="0" algn="l">
+    <a:lvl6pPr marR="0" lvl="5" algn="l" rtl="0">
       <a:lnSpc>
         <a:spcPct val="100000"/>
       </a:lnSpc>
@@ -607,7 +622,7 @@
         <a:srgbClr val="000000"/>
       </a:buClr>
       <a:buFont typeface="Arial"/>
-      <a:defRPr b="0" i="0" sz="1400" u="none" cap="none" strike="noStrike">
+      <a:defRPr sz="1400" b="0" i="0" u="none" strike="noStrike" cap="none">
         <a:solidFill>
           <a:srgbClr val="000000"/>
         </a:solidFill>
@@ -617,7 +632,7 @@
         <a:sym typeface="Arial"/>
       </a:defRPr>
     </a:lvl6pPr>
-    <a:lvl7pPr lvl="6" marR="0" rtl="0" algn="l">
+    <a:lvl7pPr marR="0" lvl="6" algn="l" rtl="0">
       <a:lnSpc>
         <a:spcPct val="100000"/>
       </a:lnSpc>
@@ -631,7 +646,7 @@
         <a:srgbClr val="000000"/>
       </a:buClr>
       <a:buFont typeface="Arial"/>
-      <a:defRPr b="0" i="0" sz="1400" u="none" cap="none" strike="noStrike">
+      <a:defRPr sz="1400" b="0" i="0" u="none" strike="noStrike" cap="none">
         <a:solidFill>
           <a:srgbClr val="000000"/>
         </a:solidFill>
@@ -641,7 +656,7 @@
         <a:sym typeface="Arial"/>
       </a:defRPr>
     </a:lvl7pPr>
-    <a:lvl8pPr lvl="7" marR="0" rtl="0" algn="l">
+    <a:lvl8pPr marR="0" lvl="7" algn="l" rtl="0">
       <a:lnSpc>
         <a:spcPct val="100000"/>
       </a:lnSpc>
@@ -655,7 +670,7 @@
         <a:srgbClr val="000000"/>
       </a:buClr>
       <a:buFont typeface="Arial"/>
-      <a:defRPr b="0" i="0" sz="1400" u="none" cap="none" strike="noStrike">
+      <a:defRPr sz="1400" b="0" i="0" u="none" strike="noStrike" cap="none">
         <a:solidFill>
           <a:srgbClr val="000000"/>
         </a:solidFill>
@@ -665,7 +680,7 @@
         <a:sym typeface="Arial"/>
       </a:defRPr>
     </a:lvl8pPr>
-    <a:lvl9pPr lvl="8" marR="0" rtl="0" algn="l">
+    <a:lvl9pPr marR="0" lvl="8" algn="l" rtl="0">
       <a:lnSpc>
         <a:spcPct val="100000"/>
       </a:lnSpc>
@@ -679,7 +694,7 @@
         <a:srgbClr val="000000"/>
       </a:buClr>
       <a:buFont typeface="Arial"/>
-      <a:defRPr b="0" i="0" sz="1400" u="none" cap="none" strike="noStrike">
+      <a:defRPr sz="1400" b="0" i="0" u="none" strike="noStrike" cap="none">
         <a:solidFill>
           <a:srgbClr val="000000"/>
         </a:solidFill>
@@ -694,11 +709,11 @@
 </file>
 
 <file path=ppt/notesSlides/notesSlide1.xml><?xml version="1.0" encoding="utf-8"?>
-<p:notes xmlns:a="http://schemas.openxmlformats.org/drawingml/2006/main" xmlns:r="http://schemas.openxmlformats.org/officeDocument/2006/relationships" xmlns:mc="http://schemas.openxmlformats.org/markup-compatibility/2006" xmlns:mv="urn:schemas-microsoft-com:mac:vml" xmlns:p="http://schemas.openxmlformats.org/presentationml/2006/main" xmlns:c="http://schemas.openxmlformats.org/drawingml/2006/chart" xmlns:dgm="http://schemas.openxmlformats.org/drawingml/2006/diagram" xmlns:o="urn:schemas-microsoft-com:office:office" xmlns:v="urn:schemas-microsoft-com:vml" xmlns:pvml="urn:schemas-microsoft-com:office:powerpoint" xmlns:com="http://schemas.openxmlformats.org/drawingml/2006/compatibility" xmlns:p14="http://schemas.microsoft.com/office/powerpoint/2010/main" xmlns:p15="http://schemas.microsoft.com/office/powerpoint/2012/main" xmlns:ahyp="http://schemas.microsoft.com/office/drawing/2018/hyperlinkcolor" showMasterPhAnim="0" showMasterSp="0">
+<p:notes xmlns:a="http://schemas.openxmlformats.org/drawingml/2006/main" xmlns:r="http://schemas.openxmlformats.org/officeDocument/2006/relationships" xmlns:p="http://schemas.openxmlformats.org/presentationml/2006/main" showMasterSp="0" showMasterPhAnim="0">
   <p:cSld>
     <p:spTree>
       <p:nvGrpSpPr>
-        <p:cNvPr id="50" name="Shape 50"/>
+        <p:cNvPr id="1" name="Shape 50"/>
         <p:cNvGrpSpPr/>
         <p:nvPr/>
       </p:nvGrpSpPr>
@@ -713,9 +728,11 @@
       <p:sp>
         <p:nvSpPr>
           <p:cNvPr id="51" name="Google Shape;51;p:notes"/>
-          <p:cNvSpPr/>
+          <p:cNvSpPr>
+            <a:spLocks noGrp="1" noRot="1" noChangeAspect="1"/>
+          </p:cNvSpPr>
           <p:nvPr>
-            <p:ph idx="2" type="sldImg"/>
+            <p:ph type="sldImg" idx="2"/>
           </p:nvPr>
         </p:nvSpPr>
         <p:spPr>
@@ -724,9 +741,13 @@
             <a:ext cx="6096075" cy="3429000"/>
           </a:xfrm>
           <a:custGeom>
-            <a:rect b="b" l="l" r="r" t="t"/>
+            <a:avLst/>
+            <a:gdLst/>
+            <a:ahLst/>
+            <a:cxnLst/>
+            <a:rect l="l" t="t" r="r" b="b"/>
             <a:pathLst>
-              <a:path extrusionOk="0" h="120000" w="120000">
+              <a:path w="120000" h="120000" extrusionOk="0">
                 <a:moveTo>
                   <a:pt x="0" y="0"/>
                 </a:moveTo>
@@ -748,9 +769,11 @@
       <p:sp>
         <p:nvSpPr>
           <p:cNvPr id="52" name="Google Shape;52;p:notes"/>
-          <p:cNvSpPr txBox="1"/>
+          <p:cNvSpPr txBox="1">
+            <a:spLocks noGrp="1"/>
+          </p:cNvSpPr>
           <p:nvPr>
-            <p:ph idx="1" type="body"/>
+            <p:ph type="body" idx="1"/>
           </p:nvPr>
         </p:nvSpPr>
         <p:spPr>
@@ -763,12 +786,12 @@
           </a:prstGeom>
         </p:spPr>
         <p:txBody>
-          <a:bodyPr anchorCtr="0" anchor="t" bIns="91425" lIns="91425" spcFirstLastPara="1" rIns="91425" wrap="square" tIns="91425">
+          <a:bodyPr spcFirstLastPara="1" wrap="square" lIns="91425" tIns="91425" rIns="91425" bIns="91425" anchor="t" anchorCtr="0">
             <a:noAutofit/>
           </a:bodyPr>
           <a:lstStyle/>
           <a:p>
-            <a:pPr indent="0" lvl="0" marL="0" rtl="0" algn="l">
+            <a:pPr marL="0" lvl="0" indent="0" algn="l" rtl="0">
               <a:spcBef>
                 <a:spcPts val="0"/>
               </a:spcBef>
@@ -777,9 +800,6 @@
               </a:spcAft>
               <a:buNone/>
             </a:pPr>
-            <a:r>
-              <a:t/>
-            </a:r>
             <a:endParaRPr/>
           </a:p>
         </p:txBody>
@@ -793,11 +813,11 @@
 </file>
 
 <file path=ppt/notesSlides/notesSlide2.xml><?xml version="1.0" encoding="utf-8"?>
-<p:notes xmlns:a="http://schemas.openxmlformats.org/drawingml/2006/main" xmlns:r="http://schemas.openxmlformats.org/officeDocument/2006/relationships" xmlns:mc="http://schemas.openxmlformats.org/markup-compatibility/2006" xmlns:mv="urn:schemas-microsoft-com:mac:vml" xmlns:p="http://schemas.openxmlformats.org/presentationml/2006/main" xmlns:c="http://schemas.openxmlformats.org/drawingml/2006/chart" xmlns:dgm="http://schemas.openxmlformats.org/drawingml/2006/diagram" xmlns:o="urn:schemas-microsoft-com:office:office" xmlns:v="urn:schemas-microsoft-com:vml" xmlns:pvml="urn:schemas-microsoft-com:office:powerpoint" xmlns:com="http://schemas.openxmlformats.org/drawingml/2006/compatibility" xmlns:p14="http://schemas.microsoft.com/office/powerpoint/2010/main" xmlns:p15="http://schemas.microsoft.com/office/powerpoint/2012/main" xmlns:ahyp="http://schemas.microsoft.com/office/drawing/2018/hyperlinkcolor" showMasterPhAnim="0" showMasterSp="0">
+<p:notes xmlns:a="http://schemas.openxmlformats.org/drawingml/2006/main" xmlns:r="http://schemas.openxmlformats.org/officeDocument/2006/relationships" xmlns:p="http://schemas.openxmlformats.org/presentationml/2006/main" showMasterSp="0" showMasterPhAnim="0">
   <p:cSld>
     <p:spTree>
       <p:nvGrpSpPr>
-        <p:cNvPr id="56" name="Shape 56"/>
+        <p:cNvPr id="1" name="Shape 56"/>
         <p:cNvGrpSpPr/>
         <p:nvPr/>
       </p:nvGrpSpPr>
@@ -812,9 +832,11 @@
       <p:sp>
         <p:nvSpPr>
           <p:cNvPr id="57" name="Google Shape;57;g24de0e4ed4b_0_122:notes"/>
-          <p:cNvSpPr/>
+          <p:cNvSpPr>
+            <a:spLocks noGrp="1" noRot="1" noChangeAspect="1"/>
+          </p:cNvSpPr>
           <p:nvPr>
-            <p:ph idx="2" type="sldImg"/>
+            <p:ph type="sldImg" idx="2"/>
           </p:nvPr>
         </p:nvSpPr>
         <p:spPr>
@@ -823,9 +845,13 @@
             <a:ext cx="6096000" cy="3429000"/>
           </a:xfrm>
           <a:custGeom>
-            <a:rect b="b" l="l" r="r" t="t"/>
+            <a:avLst/>
+            <a:gdLst/>
+            <a:ahLst/>
+            <a:cxnLst/>
+            <a:rect l="l" t="t" r="r" b="b"/>
             <a:pathLst>
-              <a:path extrusionOk="0" h="120000" w="120000">
+              <a:path w="120000" h="120000" extrusionOk="0">
                 <a:moveTo>
                   <a:pt x="0" y="0"/>
                 </a:moveTo>
@@ -847,9 +873,11 @@
       <p:sp>
         <p:nvSpPr>
           <p:cNvPr id="58" name="Google Shape;58;g24de0e4ed4b_0_122:notes"/>
-          <p:cNvSpPr txBox="1"/>
+          <p:cNvSpPr txBox="1">
+            <a:spLocks noGrp="1"/>
+          </p:cNvSpPr>
           <p:nvPr>
-            <p:ph idx="1" type="body"/>
+            <p:ph type="body" idx="1"/>
           </p:nvPr>
         </p:nvSpPr>
         <p:spPr>
@@ -862,12 +890,12 @@
           </a:prstGeom>
         </p:spPr>
         <p:txBody>
-          <a:bodyPr anchorCtr="0" anchor="t" bIns="91425" lIns="91425" spcFirstLastPara="1" rIns="91425" wrap="square" tIns="91425">
+          <a:bodyPr spcFirstLastPara="1" wrap="square" lIns="91425" tIns="91425" rIns="91425" bIns="91425" anchor="t" anchorCtr="0">
             <a:noAutofit/>
           </a:bodyPr>
           <a:lstStyle/>
           <a:p>
-            <a:pPr indent="0" lvl="0" marL="0" rtl="0" algn="l">
+            <a:pPr marL="0" lvl="0" indent="0" algn="l" rtl="0">
               <a:spcBef>
                 <a:spcPts val="0"/>
               </a:spcBef>
@@ -876,9 +904,6 @@
               </a:spcAft>
               <a:buNone/>
             </a:pPr>
-            <a:r>
-              <a:t/>
-            </a:r>
             <a:endParaRPr/>
           </a:p>
         </p:txBody>
@@ -892,11 +917,11 @@
 </file>
 
 <file path=ppt/notesSlides/notesSlide3.xml><?xml version="1.0" encoding="utf-8"?>
-<p:notes xmlns:a="http://schemas.openxmlformats.org/drawingml/2006/main" xmlns:r="http://schemas.openxmlformats.org/officeDocument/2006/relationships" xmlns:mc="http://schemas.openxmlformats.org/markup-compatibility/2006" xmlns:mv="urn:schemas-microsoft-com:mac:vml" xmlns:p="http://schemas.openxmlformats.org/presentationml/2006/main" xmlns:c="http://schemas.openxmlformats.org/drawingml/2006/chart" xmlns:dgm="http://schemas.openxmlformats.org/drawingml/2006/diagram" xmlns:o="urn:schemas-microsoft-com:office:office" xmlns:v="urn:schemas-microsoft-com:vml" xmlns:pvml="urn:schemas-microsoft-com:office:powerpoint" xmlns:com="http://schemas.openxmlformats.org/drawingml/2006/compatibility" xmlns:p14="http://schemas.microsoft.com/office/powerpoint/2010/main" xmlns:p15="http://schemas.microsoft.com/office/powerpoint/2012/main" xmlns:ahyp="http://schemas.microsoft.com/office/drawing/2018/hyperlinkcolor" showMasterPhAnim="0" showMasterSp="0">
+<p:notes xmlns:a="http://schemas.openxmlformats.org/drawingml/2006/main" xmlns:r="http://schemas.openxmlformats.org/officeDocument/2006/relationships" xmlns:p="http://schemas.openxmlformats.org/presentationml/2006/main" showMasterSp="0" showMasterPhAnim="0">
   <p:cSld>
     <p:spTree>
       <p:nvGrpSpPr>
-        <p:cNvPr id="62" name="Shape 62"/>
+        <p:cNvPr id="1" name="Shape 62"/>
         <p:cNvGrpSpPr/>
         <p:nvPr/>
       </p:nvGrpSpPr>
@@ -911,9 +936,11 @@
       <p:sp>
         <p:nvSpPr>
           <p:cNvPr id="63" name="Google Shape;63;g24de0e4ed4b_0_127:notes"/>
-          <p:cNvSpPr/>
+          <p:cNvSpPr>
+            <a:spLocks noGrp="1" noRot="1" noChangeAspect="1"/>
+          </p:cNvSpPr>
           <p:nvPr>
-            <p:ph idx="2" type="sldImg"/>
+            <p:ph type="sldImg" idx="2"/>
           </p:nvPr>
         </p:nvSpPr>
         <p:spPr>
@@ -922,9 +949,13 @@
             <a:ext cx="6096000" cy="3429000"/>
           </a:xfrm>
           <a:custGeom>
-            <a:rect b="b" l="l" r="r" t="t"/>
+            <a:avLst/>
+            <a:gdLst/>
+            <a:ahLst/>
+            <a:cxnLst/>
+            <a:rect l="l" t="t" r="r" b="b"/>
             <a:pathLst>
-              <a:path extrusionOk="0" h="120000" w="120000">
+              <a:path w="120000" h="120000" extrusionOk="0">
                 <a:moveTo>
                   <a:pt x="0" y="0"/>
                 </a:moveTo>
@@ -946,9 +977,11 @@
       <p:sp>
         <p:nvSpPr>
           <p:cNvPr id="64" name="Google Shape;64;g24de0e4ed4b_0_127:notes"/>
-          <p:cNvSpPr txBox="1"/>
+          <p:cNvSpPr txBox="1">
+            <a:spLocks noGrp="1"/>
+          </p:cNvSpPr>
           <p:nvPr>
-            <p:ph idx="1" type="body"/>
+            <p:ph type="body" idx="1"/>
           </p:nvPr>
         </p:nvSpPr>
         <p:spPr>
@@ -961,12 +994,12 @@
           </a:prstGeom>
         </p:spPr>
         <p:txBody>
-          <a:bodyPr anchorCtr="0" anchor="t" bIns="91425" lIns="91425" spcFirstLastPara="1" rIns="91425" wrap="square" tIns="91425">
+          <a:bodyPr spcFirstLastPara="1" wrap="square" lIns="91425" tIns="91425" rIns="91425" bIns="91425" anchor="t" anchorCtr="0">
             <a:noAutofit/>
           </a:bodyPr>
           <a:lstStyle/>
           <a:p>
-            <a:pPr indent="0" lvl="0" marL="0" rtl="0" algn="l">
+            <a:pPr marL="0" lvl="0" indent="0" algn="l" rtl="0">
               <a:spcBef>
                 <a:spcPts val="0"/>
               </a:spcBef>
@@ -975,9 +1008,6 @@
               </a:spcAft>
               <a:buNone/>
             </a:pPr>
-            <a:r>
-              <a:t/>
-            </a:r>
             <a:endParaRPr/>
           </a:p>
         </p:txBody>
@@ -991,11 +1021,11 @@
 </file>
 
 <file path=ppt/notesSlides/notesSlide4.xml><?xml version="1.0" encoding="utf-8"?>
-<p:notes xmlns:a="http://schemas.openxmlformats.org/drawingml/2006/main" xmlns:r="http://schemas.openxmlformats.org/officeDocument/2006/relationships" xmlns:mc="http://schemas.openxmlformats.org/markup-compatibility/2006" xmlns:mv="urn:schemas-microsoft-com:mac:vml" xmlns:p="http://schemas.openxmlformats.org/presentationml/2006/main" xmlns:c="http://schemas.openxmlformats.org/drawingml/2006/chart" xmlns:dgm="http://schemas.openxmlformats.org/drawingml/2006/diagram" xmlns:o="urn:schemas-microsoft-com:office:office" xmlns:v="urn:schemas-microsoft-com:vml" xmlns:pvml="urn:schemas-microsoft-com:office:powerpoint" xmlns:com="http://schemas.openxmlformats.org/drawingml/2006/compatibility" xmlns:p14="http://schemas.microsoft.com/office/powerpoint/2010/main" xmlns:p15="http://schemas.microsoft.com/office/powerpoint/2012/main" xmlns:ahyp="http://schemas.microsoft.com/office/drawing/2018/hyperlinkcolor" showMasterPhAnim="0" showMasterSp="0">
+<p:notes xmlns:a="http://schemas.openxmlformats.org/drawingml/2006/main" xmlns:r="http://schemas.openxmlformats.org/officeDocument/2006/relationships" xmlns:p="http://schemas.openxmlformats.org/presentationml/2006/main" showMasterSp="0" showMasterPhAnim="0">
   <p:cSld>
     <p:spTree>
       <p:nvGrpSpPr>
-        <p:cNvPr id="68" name="Shape 68"/>
+        <p:cNvPr id="1" name="Shape 68"/>
         <p:cNvGrpSpPr/>
         <p:nvPr/>
       </p:nvGrpSpPr>
@@ -1010,20 +1040,26 @@
       <p:sp>
         <p:nvSpPr>
           <p:cNvPr id="69" name="Google Shape;69;g24de0e4ed4b_0_133:notes"/>
-          <p:cNvSpPr/>
+          <p:cNvSpPr>
+            <a:spLocks noGrp="1" noRot="1" noChangeAspect="1"/>
+          </p:cNvSpPr>
           <p:nvPr>
-            <p:ph idx="2" type="sldImg"/>
+            <p:ph type="sldImg" idx="2"/>
           </p:nvPr>
         </p:nvSpPr>
         <p:spPr>
           <a:xfrm>
-            <a:off x="381300" y="685800"/>
+            <a:off x="381000" y="685800"/>
             <a:ext cx="6096000" cy="3429000"/>
           </a:xfrm>
           <a:custGeom>
-            <a:rect b="b" l="l" r="r" t="t"/>
+            <a:avLst/>
+            <a:gdLst/>
+            <a:ahLst/>
+            <a:cxnLst/>
+            <a:rect l="l" t="t" r="r" b="b"/>
             <a:pathLst>
-              <a:path extrusionOk="0" h="120000" w="120000">
+              <a:path w="120000" h="120000" extrusionOk="0">
                 <a:moveTo>
                   <a:pt x="0" y="0"/>
                 </a:moveTo>
@@ -1045,9 +1081,11 @@
       <p:sp>
         <p:nvSpPr>
           <p:cNvPr id="70" name="Google Shape;70;g24de0e4ed4b_0_133:notes"/>
-          <p:cNvSpPr txBox="1"/>
+          <p:cNvSpPr txBox="1">
+            <a:spLocks noGrp="1"/>
+          </p:cNvSpPr>
           <p:nvPr>
-            <p:ph idx="1" type="body"/>
+            <p:ph type="body" idx="1"/>
           </p:nvPr>
         </p:nvSpPr>
         <p:spPr>
@@ -1060,12 +1098,12 @@
           </a:prstGeom>
         </p:spPr>
         <p:txBody>
-          <a:bodyPr anchorCtr="0" anchor="t" bIns="91425" lIns="91425" spcFirstLastPara="1" rIns="91425" wrap="square" tIns="91425">
+          <a:bodyPr spcFirstLastPara="1" wrap="square" lIns="91425" tIns="91425" rIns="91425" bIns="91425" anchor="t" anchorCtr="0">
             <a:noAutofit/>
           </a:bodyPr>
           <a:lstStyle/>
           <a:p>
-            <a:pPr indent="0" lvl="0" marL="0" rtl="0" algn="l">
+            <a:pPr marL="0" lvl="0" indent="0" algn="l" rtl="0">
               <a:spcBef>
                 <a:spcPts val="0"/>
               </a:spcBef>
@@ -1074,9 +1112,6 @@
               </a:spcAft>
               <a:buNone/>
             </a:pPr>
-            <a:r>
-              <a:t/>
-            </a:r>
             <a:endParaRPr/>
           </a:p>
         </p:txBody>
@@ -1090,11 +1125,11 @@
 </file>
 
 <file path=ppt/notesSlides/notesSlide5.xml><?xml version="1.0" encoding="utf-8"?>
-<p:notes xmlns:a="http://schemas.openxmlformats.org/drawingml/2006/main" xmlns:r="http://schemas.openxmlformats.org/officeDocument/2006/relationships" xmlns:mc="http://schemas.openxmlformats.org/markup-compatibility/2006" xmlns:mv="urn:schemas-microsoft-com:mac:vml" xmlns:p="http://schemas.openxmlformats.org/presentationml/2006/main" xmlns:c="http://schemas.openxmlformats.org/drawingml/2006/chart" xmlns:dgm="http://schemas.openxmlformats.org/drawingml/2006/diagram" xmlns:o="urn:schemas-microsoft-com:office:office" xmlns:v="urn:schemas-microsoft-com:vml" xmlns:pvml="urn:schemas-microsoft-com:office:powerpoint" xmlns:com="http://schemas.openxmlformats.org/drawingml/2006/compatibility" xmlns:p14="http://schemas.microsoft.com/office/powerpoint/2010/main" xmlns:p15="http://schemas.microsoft.com/office/powerpoint/2012/main" xmlns:ahyp="http://schemas.microsoft.com/office/drawing/2018/hyperlinkcolor" showMasterPhAnim="0" showMasterSp="0">
+<p:notes xmlns:a="http://schemas.openxmlformats.org/drawingml/2006/main" xmlns:r="http://schemas.openxmlformats.org/officeDocument/2006/relationships" xmlns:p="http://schemas.openxmlformats.org/presentationml/2006/main" showMasterSp="0" showMasterPhAnim="0">
   <p:cSld>
     <p:spTree>
       <p:nvGrpSpPr>
-        <p:cNvPr id="75" name="Shape 75"/>
+        <p:cNvPr id="1" name="Shape 75"/>
         <p:cNvGrpSpPr/>
         <p:nvPr/>
       </p:nvGrpSpPr>
@@ -1109,9 +1144,11 @@
       <p:sp>
         <p:nvSpPr>
           <p:cNvPr id="76" name="Google Shape;76;g291b8c08892_0_1:notes"/>
-          <p:cNvSpPr/>
+          <p:cNvSpPr>
+            <a:spLocks noGrp="1" noRot="1" noChangeAspect="1"/>
+          </p:cNvSpPr>
           <p:nvPr>
-            <p:ph idx="2" type="sldImg"/>
+            <p:ph type="sldImg" idx="2"/>
           </p:nvPr>
         </p:nvSpPr>
         <p:spPr>
@@ -1120,9 +1157,13 @@
             <a:ext cx="6096000" cy="3429000"/>
           </a:xfrm>
           <a:custGeom>
-            <a:rect b="b" l="l" r="r" t="t"/>
+            <a:avLst/>
+            <a:gdLst/>
+            <a:ahLst/>
+            <a:cxnLst/>
+            <a:rect l="l" t="t" r="r" b="b"/>
             <a:pathLst>
-              <a:path extrusionOk="0" h="120000" w="120000">
+              <a:path w="120000" h="120000" extrusionOk="0">
                 <a:moveTo>
                   <a:pt x="0" y="0"/>
                 </a:moveTo>
@@ -1144,9 +1185,11 @@
       <p:sp>
         <p:nvSpPr>
           <p:cNvPr id="77" name="Google Shape;77;g291b8c08892_0_1:notes"/>
-          <p:cNvSpPr txBox="1"/>
+          <p:cNvSpPr txBox="1">
+            <a:spLocks noGrp="1"/>
+          </p:cNvSpPr>
           <p:nvPr>
-            <p:ph idx="1" type="body"/>
+            <p:ph type="body" idx="1"/>
           </p:nvPr>
         </p:nvSpPr>
         <p:spPr>
@@ -1159,12 +1202,12 @@
           </a:prstGeom>
         </p:spPr>
         <p:txBody>
-          <a:bodyPr anchorCtr="0" anchor="t" bIns="91425" lIns="91425" spcFirstLastPara="1" rIns="91425" wrap="square" tIns="91425">
+          <a:bodyPr spcFirstLastPara="1" wrap="square" lIns="91425" tIns="91425" rIns="91425" bIns="91425" anchor="t" anchorCtr="0">
             <a:noAutofit/>
           </a:bodyPr>
           <a:lstStyle/>
           <a:p>
-            <a:pPr indent="0" lvl="0" marL="0" rtl="0" algn="l">
+            <a:pPr marL="0" lvl="0" indent="0" algn="l" rtl="0">
               <a:spcBef>
                 <a:spcPts val="0"/>
               </a:spcBef>
@@ -1173,9 +1216,6 @@
               </a:spcAft>
               <a:buNone/>
             </a:pPr>
-            <a:r>
-              <a:t/>
-            </a:r>
             <a:endParaRPr/>
           </a:p>
         </p:txBody>
@@ -1189,11 +1229,11 @@
 </file>
 
 <file path=ppt/notesSlides/notesSlide6.xml><?xml version="1.0" encoding="utf-8"?>
-<p:notes xmlns:a="http://schemas.openxmlformats.org/drawingml/2006/main" xmlns:r="http://schemas.openxmlformats.org/officeDocument/2006/relationships" xmlns:mc="http://schemas.openxmlformats.org/markup-compatibility/2006" xmlns:mv="urn:schemas-microsoft-com:mac:vml" xmlns:p="http://schemas.openxmlformats.org/presentationml/2006/main" xmlns:c="http://schemas.openxmlformats.org/drawingml/2006/chart" xmlns:dgm="http://schemas.openxmlformats.org/drawingml/2006/diagram" xmlns:o="urn:schemas-microsoft-com:office:office" xmlns:v="urn:schemas-microsoft-com:vml" xmlns:pvml="urn:schemas-microsoft-com:office:powerpoint" xmlns:com="http://schemas.openxmlformats.org/drawingml/2006/compatibility" xmlns:p14="http://schemas.microsoft.com/office/powerpoint/2010/main" xmlns:p15="http://schemas.microsoft.com/office/powerpoint/2012/main" xmlns:ahyp="http://schemas.microsoft.com/office/drawing/2018/hyperlinkcolor" showMasterPhAnim="0" showMasterSp="0">
+<p:notes xmlns:a="http://schemas.openxmlformats.org/drawingml/2006/main" xmlns:r="http://schemas.openxmlformats.org/officeDocument/2006/relationships" xmlns:p="http://schemas.openxmlformats.org/presentationml/2006/main" showMasterSp="0" showMasterPhAnim="0">
   <p:cSld>
     <p:spTree>
       <p:nvGrpSpPr>
-        <p:cNvPr id="82" name="Shape 82"/>
+        <p:cNvPr id="1" name="Shape 82"/>
         <p:cNvGrpSpPr/>
         <p:nvPr/>
       </p:nvGrpSpPr>
@@ -1208,9 +1248,11 @@
       <p:sp>
         <p:nvSpPr>
           <p:cNvPr id="83" name="Google Shape;83;g291b8c08892_0_8:notes"/>
-          <p:cNvSpPr/>
+          <p:cNvSpPr>
+            <a:spLocks noGrp="1" noRot="1" noChangeAspect="1"/>
+          </p:cNvSpPr>
           <p:nvPr>
-            <p:ph idx="2" type="sldImg"/>
+            <p:ph type="sldImg" idx="2"/>
           </p:nvPr>
         </p:nvSpPr>
         <p:spPr>
@@ -1219,9 +1261,13 @@
             <a:ext cx="6096000" cy="3429000"/>
           </a:xfrm>
           <a:custGeom>
-            <a:rect b="b" l="l" r="r" t="t"/>
+            <a:avLst/>
+            <a:gdLst/>
+            <a:ahLst/>
+            <a:cxnLst/>
+            <a:rect l="l" t="t" r="r" b="b"/>
             <a:pathLst>
-              <a:path extrusionOk="0" h="120000" w="120000">
+              <a:path w="120000" h="120000" extrusionOk="0">
                 <a:moveTo>
                   <a:pt x="0" y="0"/>
                 </a:moveTo>
@@ -1243,9 +1289,11 @@
       <p:sp>
         <p:nvSpPr>
           <p:cNvPr id="84" name="Google Shape;84;g291b8c08892_0_8:notes"/>
-          <p:cNvSpPr txBox="1"/>
+          <p:cNvSpPr txBox="1">
+            <a:spLocks noGrp="1"/>
+          </p:cNvSpPr>
           <p:nvPr>
-            <p:ph idx="1" type="body"/>
+            <p:ph type="body" idx="1"/>
           </p:nvPr>
         </p:nvSpPr>
         <p:spPr>
@@ -1258,12 +1306,12 @@
           </a:prstGeom>
         </p:spPr>
         <p:txBody>
-          <a:bodyPr anchorCtr="0" anchor="t" bIns="91425" lIns="91425" spcFirstLastPara="1" rIns="91425" wrap="square" tIns="91425">
+          <a:bodyPr spcFirstLastPara="1" wrap="square" lIns="91425" tIns="91425" rIns="91425" bIns="91425" anchor="t" anchorCtr="0">
             <a:noAutofit/>
           </a:bodyPr>
           <a:lstStyle/>
           <a:p>
-            <a:pPr indent="0" lvl="0" marL="0" rtl="0" algn="l">
+            <a:pPr marL="0" lvl="0" indent="0" algn="l" rtl="0">
               <a:spcBef>
                 <a:spcPts val="0"/>
               </a:spcBef>
@@ -1272,9 +1320,6 @@
               </a:spcAft>
               <a:buNone/>
             </a:pPr>
-            <a:r>
-              <a:t/>
-            </a:r>
             <a:endParaRPr/>
           </a:p>
         </p:txBody>
@@ -1288,11 +1333,11 @@
 </file>
 
 <file path=ppt/notesSlides/notesSlide7.xml><?xml version="1.0" encoding="utf-8"?>
-<p:notes xmlns:a="http://schemas.openxmlformats.org/drawingml/2006/main" xmlns:r="http://schemas.openxmlformats.org/officeDocument/2006/relationships" xmlns:mc="http://schemas.openxmlformats.org/markup-compatibility/2006" xmlns:mv="urn:schemas-microsoft-com:mac:vml" xmlns:p="http://schemas.openxmlformats.org/presentationml/2006/main" xmlns:c="http://schemas.openxmlformats.org/drawingml/2006/chart" xmlns:dgm="http://schemas.openxmlformats.org/drawingml/2006/diagram" xmlns:o="urn:schemas-microsoft-com:office:office" xmlns:v="urn:schemas-microsoft-com:vml" xmlns:pvml="urn:schemas-microsoft-com:office:powerpoint" xmlns:com="http://schemas.openxmlformats.org/drawingml/2006/compatibility" xmlns:p14="http://schemas.microsoft.com/office/powerpoint/2010/main" xmlns:p15="http://schemas.microsoft.com/office/powerpoint/2012/main" xmlns:ahyp="http://schemas.microsoft.com/office/drawing/2018/hyperlinkcolor" showMasterPhAnim="0" showMasterSp="0">
+<p:notes xmlns:a="http://schemas.openxmlformats.org/drawingml/2006/main" xmlns:r="http://schemas.openxmlformats.org/officeDocument/2006/relationships" xmlns:p="http://schemas.openxmlformats.org/presentationml/2006/main" showMasterSp="0" showMasterPhAnim="0">
   <p:cSld>
     <p:spTree>
       <p:nvGrpSpPr>
-        <p:cNvPr id="89" name="Shape 89"/>
+        <p:cNvPr id="1" name="Shape 89"/>
         <p:cNvGrpSpPr/>
         <p:nvPr/>
       </p:nvGrpSpPr>
@@ -1307,20 +1352,26 @@
       <p:sp>
         <p:nvSpPr>
           <p:cNvPr id="90" name="Google Shape;90;g291b8c08892_0_15:notes"/>
-          <p:cNvSpPr/>
+          <p:cNvSpPr>
+            <a:spLocks noGrp="1" noRot="1" noChangeAspect="1"/>
+          </p:cNvSpPr>
           <p:nvPr>
-            <p:ph idx="2" type="sldImg"/>
+            <p:ph type="sldImg" idx="2"/>
           </p:nvPr>
         </p:nvSpPr>
         <p:spPr>
           <a:xfrm>
-            <a:off x="381300" y="685800"/>
+            <a:off x="381000" y="685800"/>
             <a:ext cx="6096000" cy="3429000"/>
           </a:xfrm>
           <a:custGeom>
-            <a:rect b="b" l="l" r="r" t="t"/>
+            <a:avLst/>
+            <a:gdLst/>
+            <a:ahLst/>
+            <a:cxnLst/>
+            <a:rect l="l" t="t" r="r" b="b"/>
             <a:pathLst>
-              <a:path extrusionOk="0" h="120000" w="120000">
+              <a:path w="120000" h="120000" extrusionOk="0">
                 <a:moveTo>
                   <a:pt x="0" y="0"/>
                 </a:moveTo>
@@ -1342,9 +1393,11 @@
       <p:sp>
         <p:nvSpPr>
           <p:cNvPr id="91" name="Google Shape;91;g291b8c08892_0_15:notes"/>
-          <p:cNvSpPr txBox="1"/>
+          <p:cNvSpPr txBox="1">
+            <a:spLocks noGrp="1"/>
+          </p:cNvSpPr>
           <p:nvPr>
-            <p:ph idx="1" type="body"/>
+            <p:ph type="body" idx="1"/>
           </p:nvPr>
         </p:nvSpPr>
         <p:spPr>
@@ -1357,12 +1410,12 @@
           </a:prstGeom>
         </p:spPr>
         <p:txBody>
-          <a:bodyPr anchorCtr="0" anchor="t" bIns="91425" lIns="91425" spcFirstLastPara="1" rIns="91425" wrap="square" tIns="91425">
+          <a:bodyPr spcFirstLastPara="1" wrap="square" lIns="91425" tIns="91425" rIns="91425" bIns="91425" anchor="t" anchorCtr="0">
             <a:noAutofit/>
           </a:bodyPr>
           <a:lstStyle/>
           <a:p>
-            <a:pPr indent="0" lvl="0" marL="0" rtl="0" algn="l">
+            <a:pPr marL="0" lvl="0" indent="0" algn="l" rtl="0">
               <a:spcBef>
                 <a:spcPts val="0"/>
               </a:spcBef>
@@ -1371,9 +1424,6 @@
               </a:spcAft>
               <a:buNone/>
             </a:pPr>
-            <a:r>
-              <a:t/>
-            </a:r>
             <a:endParaRPr/>
           </a:p>
         </p:txBody>
@@ -1387,11 +1437,11 @@
 </file>
 
 <file path=ppt/notesSlides/notesSlide8.xml><?xml version="1.0" encoding="utf-8"?>
-<p:notes xmlns:a="http://schemas.openxmlformats.org/drawingml/2006/main" xmlns:r="http://schemas.openxmlformats.org/officeDocument/2006/relationships" xmlns:mc="http://schemas.openxmlformats.org/markup-compatibility/2006" xmlns:mv="urn:schemas-microsoft-com:mac:vml" xmlns:p="http://schemas.openxmlformats.org/presentationml/2006/main" xmlns:c="http://schemas.openxmlformats.org/drawingml/2006/chart" xmlns:dgm="http://schemas.openxmlformats.org/drawingml/2006/diagram" xmlns:o="urn:schemas-microsoft-com:office:office" xmlns:v="urn:schemas-microsoft-com:vml" xmlns:pvml="urn:schemas-microsoft-com:office:powerpoint" xmlns:com="http://schemas.openxmlformats.org/drawingml/2006/compatibility" xmlns:p14="http://schemas.microsoft.com/office/powerpoint/2010/main" xmlns:p15="http://schemas.microsoft.com/office/powerpoint/2012/main" xmlns:ahyp="http://schemas.microsoft.com/office/drawing/2018/hyperlinkcolor" showMasterPhAnim="0" showMasterSp="0">
+<p:notes xmlns:a="http://schemas.openxmlformats.org/drawingml/2006/main" xmlns:r="http://schemas.openxmlformats.org/officeDocument/2006/relationships" xmlns:p="http://schemas.openxmlformats.org/presentationml/2006/main" showMasterSp="0" showMasterPhAnim="0">
   <p:cSld>
     <p:spTree>
       <p:nvGrpSpPr>
-        <p:cNvPr id="96" name="Shape 96"/>
+        <p:cNvPr id="1" name="Shape 89"/>
         <p:cNvGrpSpPr/>
         <p:nvPr/>
       </p:nvGrpSpPr>
@@ -1405,21 +1455,27 @@
       </p:grpSpPr>
       <p:sp>
         <p:nvSpPr>
-          <p:cNvPr id="97" name="Google Shape;97;g291b8c08892_0_22:notes"/>
-          <p:cNvSpPr/>
+          <p:cNvPr id="90" name="Google Shape;90;g291b8c08892_0_15:notes"/>
+          <p:cNvSpPr>
+            <a:spLocks noGrp="1" noRot="1" noChangeAspect="1"/>
+          </p:cNvSpPr>
           <p:nvPr>
-            <p:ph idx="2" type="sldImg"/>
+            <p:ph type="sldImg" idx="2"/>
           </p:nvPr>
         </p:nvSpPr>
         <p:spPr>
           <a:xfrm>
-            <a:off x="381300" y="685800"/>
+            <a:off x="381000" y="685800"/>
             <a:ext cx="6096000" cy="3429000"/>
           </a:xfrm>
           <a:custGeom>
-            <a:rect b="b" l="l" r="r" t="t"/>
+            <a:avLst/>
+            <a:gdLst/>
+            <a:ahLst/>
+            <a:cxnLst/>
+            <a:rect l="l" t="t" r="r" b="b"/>
             <a:pathLst>
-              <a:path extrusionOk="0" h="120000" w="120000">
+              <a:path w="120000" h="120000" extrusionOk="0">
                 <a:moveTo>
                   <a:pt x="0" y="0"/>
                 </a:moveTo>
@@ -1440,10 +1496,12 @@
       </p:sp>
       <p:sp>
         <p:nvSpPr>
-          <p:cNvPr id="98" name="Google Shape;98;g291b8c08892_0_22:notes"/>
-          <p:cNvSpPr txBox="1"/>
+          <p:cNvPr id="91" name="Google Shape;91;g291b8c08892_0_15:notes"/>
+          <p:cNvSpPr txBox="1">
+            <a:spLocks noGrp="1"/>
+          </p:cNvSpPr>
           <p:nvPr>
-            <p:ph idx="1" type="body"/>
+            <p:ph type="body" idx="1"/>
           </p:nvPr>
         </p:nvSpPr>
         <p:spPr>
@@ -1456,12 +1514,12 @@
           </a:prstGeom>
         </p:spPr>
         <p:txBody>
-          <a:bodyPr anchorCtr="0" anchor="t" bIns="91425" lIns="91425" spcFirstLastPara="1" rIns="91425" wrap="square" tIns="91425">
+          <a:bodyPr spcFirstLastPara="1" wrap="square" lIns="91425" tIns="91425" rIns="91425" bIns="91425" anchor="t" anchorCtr="0">
             <a:noAutofit/>
           </a:bodyPr>
           <a:lstStyle/>
           <a:p>
-            <a:pPr indent="0" lvl="0" marL="0" rtl="0" algn="l">
+            <a:pPr marL="0" lvl="0" indent="0" algn="l" rtl="0">
               <a:spcBef>
                 <a:spcPts val="0"/>
               </a:spcBef>
@@ -1470,14 +1528,16 @@
               </a:spcAft>
               <a:buNone/>
             </a:pPr>
-            <a:r>
-              <a:t/>
-            </a:r>
             <a:endParaRPr/>
           </a:p>
         </p:txBody>
       </p:sp>
     </p:spTree>
+    <p:extLst>
+      <p:ext uri="{BB962C8B-B14F-4D97-AF65-F5344CB8AC3E}">
+        <p14:creationId xmlns:p14="http://schemas.microsoft.com/office/powerpoint/2010/main" val="911540853"/>
+      </p:ext>
+    </p:extLst>
   </p:cSld>
   <p:clrMapOvr>
     <a:masterClrMapping/>
@@ -1486,11 +1546,11 @@
 </file>
 
 <file path=ppt/slideLayouts/slideLayout1.xml><?xml version="1.0" encoding="utf-8"?>
-<p:sldLayout xmlns:a="http://schemas.openxmlformats.org/drawingml/2006/main" xmlns:r="http://schemas.openxmlformats.org/officeDocument/2006/relationships" xmlns:mc="http://schemas.openxmlformats.org/markup-compatibility/2006" xmlns:mv="urn:schemas-microsoft-com:mac:vml" xmlns:p="http://schemas.openxmlformats.org/presentationml/2006/main" xmlns:c="http://schemas.openxmlformats.org/drawingml/2006/chart" xmlns:dgm="http://schemas.openxmlformats.org/drawingml/2006/diagram" xmlns:o="urn:schemas-microsoft-com:office:office" xmlns:v="urn:schemas-microsoft-com:vml" xmlns:pvml="urn:schemas-microsoft-com:office:powerpoint" xmlns:com="http://schemas.openxmlformats.org/drawingml/2006/compatibility" xmlns:p14="http://schemas.microsoft.com/office/powerpoint/2010/main" xmlns:p15="http://schemas.microsoft.com/office/powerpoint/2012/main" xmlns:ahyp="http://schemas.microsoft.com/office/drawing/2018/hyperlinkcolor" matchingName="Title slide" type="title">
+<p:sldLayout xmlns:a="http://schemas.openxmlformats.org/drawingml/2006/main" xmlns:r="http://schemas.openxmlformats.org/officeDocument/2006/relationships" xmlns:p="http://schemas.openxmlformats.org/presentationml/2006/main" matchingName="Title slide" type="title">
   <p:cSld name="TITLE">
     <p:spTree>
       <p:nvGrpSpPr>
-        <p:cNvPr id="9" name="Shape 9"/>
+        <p:cNvPr id="1" name="Shape 9"/>
         <p:cNvGrpSpPr/>
         <p:nvPr/>
       </p:nvGrpSpPr>
@@ -1505,7 +1565,9 @@
       <p:sp>
         <p:nvSpPr>
           <p:cNvPr id="10" name="Google Shape;10;p2"/>
-          <p:cNvSpPr txBox="1"/>
+          <p:cNvSpPr txBox="1">
+            <a:spLocks noGrp="1"/>
+          </p:cNvSpPr>
           <p:nvPr>
             <p:ph type="ctrTitle"/>
           </p:nvPr>
@@ -1520,7 +1582,7 @@
           </a:prstGeom>
         </p:spPr>
         <p:txBody>
-          <a:bodyPr anchorCtr="0" anchor="b" bIns="91425" lIns="91425" spcFirstLastPara="1" rIns="91425" wrap="square" tIns="91425">
+          <a:bodyPr spcFirstLastPara="1" wrap="square" lIns="91425" tIns="91425" rIns="91425" bIns="91425" anchor="b" anchorCtr="0">
             <a:normAutofit/>
           </a:bodyPr>
           <a:lstStyle>
@@ -1624,15 +1686,19 @@
               <a:defRPr sz="5200"/>
             </a:lvl9pPr>
           </a:lstStyle>
-          <a:p/>
+          <a:p>
+            <a:endParaRPr/>
+          </a:p>
         </p:txBody>
       </p:sp>
       <p:sp>
         <p:nvSpPr>
           <p:cNvPr id="11" name="Google Shape;11;p2"/>
-          <p:cNvSpPr txBox="1"/>
+          <p:cNvSpPr txBox="1">
+            <a:spLocks noGrp="1"/>
+          </p:cNvSpPr>
           <p:nvPr>
-            <p:ph idx="1" type="subTitle"/>
+            <p:ph type="subTitle" idx="1"/>
           </p:nvPr>
         </p:nvSpPr>
         <p:spPr>
@@ -1645,7 +1711,7 @@
           </a:prstGeom>
         </p:spPr>
         <p:txBody>
-          <a:bodyPr anchorCtr="0" anchor="t" bIns="91425" lIns="91425" spcFirstLastPara="1" rIns="91425" wrap="square" tIns="91425">
+          <a:bodyPr spcFirstLastPara="1" wrap="square" lIns="91425" tIns="91425" rIns="91425" bIns="91425" anchor="t" anchorCtr="0">
             <a:normAutofit/>
           </a:bodyPr>
           <a:lstStyle>
@@ -1776,15 +1842,19 @@
               <a:defRPr sz="2800"/>
             </a:lvl9pPr>
           </a:lstStyle>
-          <a:p/>
+          <a:p>
+            <a:endParaRPr/>
+          </a:p>
         </p:txBody>
       </p:sp>
       <p:sp>
         <p:nvSpPr>
           <p:cNvPr id="12" name="Google Shape;12;p2"/>
-          <p:cNvSpPr txBox="1"/>
+          <p:cNvSpPr txBox="1">
+            <a:spLocks noGrp="1"/>
+          </p:cNvSpPr>
           <p:nvPr>
-            <p:ph idx="12" type="sldNum"/>
+            <p:ph type="sldNum" idx="12"/>
           </p:nvPr>
         </p:nvSpPr>
         <p:spPr>
@@ -1797,7 +1867,7 @@
           </a:prstGeom>
         </p:spPr>
         <p:txBody>
-          <a:bodyPr anchorCtr="0" anchor="ctr" bIns="91425" lIns="91425" spcFirstLastPara="1" rIns="91425" wrap="square" tIns="91425">
+          <a:bodyPr spcFirstLastPara="1" wrap="square" lIns="91425" tIns="91425" rIns="91425" bIns="91425" anchor="ctr" anchorCtr="0">
             <a:normAutofit/>
           </a:bodyPr>
           <a:lstStyle>
@@ -1839,7 +1909,7 @@
             </a:lvl9pPr>
           </a:lstStyle>
           <a:p>
-            <a:pPr indent="0" lvl="0" marL="0" rtl="0" algn="r">
+            <a:pPr marL="0" lvl="0" indent="0" algn="r" rtl="0">
               <a:spcBef>
                 <a:spcPts val="0"/>
               </a:spcBef>
@@ -1865,11 +1935,11 @@
 </file>
 
 <file path=ppt/slideLayouts/slideLayout10.xml><?xml version="1.0" encoding="utf-8"?>
-<p:sldLayout xmlns:a="http://schemas.openxmlformats.org/drawingml/2006/main" xmlns:r="http://schemas.openxmlformats.org/officeDocument/2006/relationships" xmlns:mc="http://schemas.openxmlformats.org/markup-compatibility/2006" xmlns:mv="urn:schemas-microsoft-com:mac:vml" xmlns:p="http://schemas.openxmlformats.org/presentationml/2006/main" xmlns:c="http://schemas.openxmlformats.org/drawingml/2006/chart" xmlns:dgm="http://schemas.openxmlformats.org/drawingml/2006/diagram" xmlns:o="urn:schemas-microsoft-com:office:office" xmlns:v="urn:schemas-microsoft-com:vml" xmlns:pvml="urn:schemas-microsoft-com:office:powerpoint" xmlns:com="http://schemas.openxmlformats.org/drawingml/2006/compatibility" xmlns:p14="http://schemas.microsoft.com/office/powerpoint/2010/main" xmlns:p15="http://schemas.microsoft.com/office/powerpoint/2012/main" xmlns:ahyp="http://schemas.microsoft.com/office/drawing/2018/hyperlinkcolor" matchingName="Big number">
+<p:sldLayout xmlns:a="http://schemas.openxmlformats.org/drawingml/2006/main" xmlns:r="http://schemas.openxmlformats.org/officeDocument/2006/relationships" xmlns:p="http://schemas.openxmlformats.org/presentationml/2006/main" matchingName="Big number">
   <p:cSld name="BIG_NUMBER">
     <p:spTree>
       <p:nvGrpSpPr>
-        <p:cNvPr id="44" name="Shape 44"/>
+        <p:cNvPr id="1" name="Shape 44"/>
         <p:cNvGrpSpPr/>
         <p:nvPr/>
       </p:nvGrpSpPr>
@@ -1884,9 +1954,11 @@
       <p:sp>
         <p:nvSpPr>
           <p:cNvPr id="45" name="Google Shape;45;p11"/>
-          <p:cNvSpPr txBox="1"/>
+          <p:cNvSpPr txBox="1">
+            <a:spLocks noGrp="1"/>
+          </p:cNvSpPr>
           <p:nvPr>
-            <p:ph hasCustomPrompt="1" type="title"/>
+            <p:ph type="title" hasCustomPrompt="1"/>
           </p:nvPr>
         </p:nvSpPr>
         <p:spPr>
@@ -1899,7 +1971,7 @@
           </a:prstGeom>
         </p:spPr>
         <p:txBody>
-          <a:bodyPr anchorCtr="0" anchor="b" bIns="91425" lIns="91425" spcFirstLastPara="1" rIns="91425" wrap="square" tIns="91425">
+          <a:bodyPr spcFirstLastPara="1" wrap="square" lIns="91425" tIns="91425" rIns="91425" bIns="91425" anchor="b" anchorCtr="0">
             <a:normAutofit/>
           </a:bodyPr>
           <a:lstStyle>
@@ -2013,9 +2085,11 @@
       <p:sp>
         <p:nvSpPr>
           <p:cNvPr id="46" name="Google Shape;46;p11"/>
-          <p:cNvSpPr txBox="1"/>
+          <p:cNvSpPr txBox="1">
+            <a:spLocks noGrp="1"/>
+          </p:cNvSpPr>
           <p:nvPr>
-            <p:ph idx="1" type="body"/>
+            <p:ph type="body" idx="1"/>
           </p:nvPr>
         </p:nvSpPr>
         <p:spPr>
@@ -2028,11 +2102,11 @@
           </a:prstGeom>
         </p:spPr>
         <p:txBody>
-          <a:bodyPr anchorCtr="0" anchor="t" bIns="91425" lIns="91425" spcFirstLastPara="1" rIns="91425" wrap="square" tIns="91425">
+          <a:bodyPr spcFirstLastPara="1" wrap="square" lIns="91425" tIns="91425" rIns="91425" bIns="91425" anchor="t" anchorCtr="0">
             <a:normAutofit/>
           </a:bodyPr>
           <a:lstStyle>
-            <a:lvl1pPr indent="-342900" lvl="0" marL="457200" algn="ctr">
+            <a:lvl1pPr marL="457200" lvl="0" indent="-342900" algn="ctr">
               <a:spcBef>
                 <a:spcPts val="0"/>
               </a:spcBef>
@@ -2043,7 +2117,7 @@
               <a:buChar char="●"/>
               <a:defRPr/>
             </a:lvl1pPr>
-            <a:lvl2pPr indent="-317500" lvl="1" marL="914400" algn="ctr">
+            <a:lvl2pPr marL="914400" lvl="1" indent="-317500" algn="ctr">
               <a:spcBef>
                 <a:spcPts val="0"/>
               </a:spcBef>
@@ -2054,7 +2128,7 @@
               <a:buChar char="○"/>
               <a:defRPr/>
             </a:lvl2pPr>
-            <a:lvl3pPr indent="-317500" lvl="2" marL="1371600" algn="ctr">
+            <a:lvl3pPr marL="1371600" lvl="2" indent="-317500" algn="ctr">
               <a:spcBef>
                 <a:spcPts val="0"/>
               </a:spcBef>
@@ -2065,7 +2139,7 @@
               <a:buChar char="■"/>
               <a:defRPr/>
             </a:lvl3pPr>
-            <a:lvl4pPr indent="-317500" lvl="3" marL="1828800" algn="ctr">
+            <a:lvl4pPr marL="1828800" lvl="3" indent="-317500" algn="ctr">
               <a:spcBef>
                 <a:spcPts val="0"/>
               </a:spcBef>
@@ -2076,7 +2150,7 @@
               <a:buChar char="●"/>
               <a:defRPr/>
             </a:lvl4pPr>
-            <a:lvl5pPr indent="-317500" lvl="4" marL="2286000" algn="ctr">
+            <a:lvl5pPr marL="2286000" lvl="4" indent="-317500" algn="ctr">
               <a:spcBef>
                 <a:spcPts val="0"/>
               </a:spcBef>
@@ -2087,7 +2161,7 @@
               <a:buChar char="○"/>
               <a:defRPr/>
             </a:lvl5pPr>
-            <a:lvl6pPr indent="-317500" lvl="5" marL="2743200" algn="ctr">
+            <a:lvl6pPr marL="2743200" lvl="5" indent="-317500" algn="ctr">
               <a:spcBef>
                 <a:spcPts val="0"/>
               </a:spcBef>
@@ -2098,7 +2172,7 @@
               <a:buChar char="■"/>
               <a:defRPr/>
             </a:lvl6pPr>
-            <a:lvl7pPr indent="-317500" lvl="6" marL="3200400" algn="ctr">
+            <a:lvl7pPr marL="3200400" lvl="6" indent="-317500" algn="ctr">
               <a:spcBef>
                 <a:spcPts val="0"/>
               </a:spcBef>
@@ -2109,7 +2183,7 @@
               <a:buChar char="●"/>
               <a:defRPr/>
             </a:lvl7pPr>
-            <a:lvl8pPr indent="-317500" lvl="7" marL="3657600" algn="ctr">
+            <a:lvl8pPr marL="3657600" lvl="7" indent="-317500" algn="ctr">
               <a:spcBef>
                 <a:spcPts val="0"/>
               </a:spcBef>
@@ -2120,7 +2194,7 @@
               <a:buChar char="○"/>
               <a:defRPr/>
             </a:lvl8pPr>
-            <a:lvl9pPr indent="-317500" lvl="8" marL="4114800" algn="ctr">
+            <a:lvl9pPr marL="4114800" lvl="8" indent="-317500" algn="ctr">
               <a:spcBef>
                 <a:spcPts val="0"/>
               </a:spcBef>
@@ -2132,15 +2206,19 @@
               <a:defRPr/>
             </a:lvl9pPr>
           </a:lstStyle>
-          <a:p/>
+          <a:p>
+            <a:endParaRPr/>
+          </a:p>
         </p:txBody>
       </p:sp>
       <p:sp>
         <p:nvSpPr>
           <p:cNvPr id="47" name="Google Shape;47;p11"/>
-          <p:cNvSpPr txBox="1"/>
+          <p:cNvSpPr txBox="1">
+            <a:spLocks noGrp="1"/>
+          </p:cNvSpPr>
           <p:nvPr>
-            <p:ph idx="12" type="sldNum"/>
+            <p:ph type="sldNum" idx="12"/>
           </p:nvPr>
         </p:nvSpPr>
         <p:spPr>
@@ -2153,7 +2231,7 @@
           </a:prstGeom>
         </p:spPr>
         <p:txBody>
-          <a:bodyPr anchorCtr="0" anchor="ctr" bIns="91425" lIns="91425" spcFirstLastPara="1" rIns="91425" wrap="square" tIns="91425">
+          <a:bodyPr spcFirstLastPara="1" wrap="square" lIns="91425" tIns="91425" rIns="91425" bIns="91425" anchor="ctr" anchorCtr="0">
             <a:normAutofit/>
           </a:bodyPr>
           <a:lstStyle>
@@ -2195,7 +2273,7 @@
             </a:lvl9pPr>
           </a:lstStyle>
           <a:p>
-            <a:pPr indent="0" lvl="0" marL="0" rtl="0" algn="r">
+            <a:pPr marL="0" lvl="0" indent="0" algn="r" rtl="0">
               <a:spcBef>
                 <a:spcPts val="0"/>
               </a:spcBef>
@@ -2221,11 +2299,11 @@
 </file>
 
 <file path=ppt/slideLayouts/slideLayout11.xml><?xml version="1.0" encoding="utf-8"?>
-<p:sldLayout xmlns:a="http://schemas.openxmlformats.org/drawingml/2006/main" xmlns:r="http://schemas.openxmlformats.org/officeDocument/2006/relationships" xmlns:mc="http://schemas.openxmlformats.org/markup-compatibility/2006" xmlns:mv="urn:schemas-microsoft-com:mac:vml" xmlns:p="http://schemas.openxmlformats.org/presentationml/2006/main" xmlns:c="http://schemas.openxmlformats.org/drawingml/2006/chart" xmlns:dgm="http://schemas.openxmlformats.org/drawingml/2006/diagram" xmlns:o="urn:schemas-microsoft-com:office:office" xmlns:v="urn:schemas-microsoft-com:vml" xmlns:pvml="urn:schemas-microsoft-com:office:powerpoint" xmlns:com="http://schemas.openxmlformats.org/drawingml/2006/compatibility" xmlns:p14="http://schemas.microsoft.com/office/powerpoint/2010/main" xmlns:p15="http://schemas.microsoft.com/office/powerpoint/2012/main" xmlns:ahyp="http://schemas.microsoft.com/office/drawing/2018/hyperlinkcolor" matchingName="Blank" type="blank">
+<p:sldLayout xmlns:a="http://schemas.openxmlformats.org/drawingml/2006/main" xmlns:r="http://schemas.openxmlformats.org/officeDocument/2006/relationships" xmlns:p="http://schemas.openxmlformats.org/presentationml/2006/main" matchingName="Blank" type="blank">
   <p:cSld name="BLANK">
     <p:spTree>
       <p:nvGrpSpPr>
-        <p:cNvPr id="48" name="Shape 48"/>
+        <p:cNvPr id="1" name="Shape 48"/>
         <p:cNvGrpSpPr/>
         <p:nvPr/>
       </p:nvGrpSpPr>
@@ -2240,9 +2318,11 @@
       <p:sp>
         <p:nvSpPr>
           <p:cNvPr id="49" name="Google Shape;49;p12"/>
-          <p:cNvSpPr txBox="1"/>
+          <p:cNvSpPr txBox="1">
+            <a:spLocks noGrp="1"/>
+          </p:cNvSpPr>
           <p:nvPr>
-            <p:ph idx="12" type="sldNum"/>
+            <p:ph type="sldNum" idx="12"/>
           </p:nvPr>
         </p:nvSpPr>
         <p:spPr>
@@ -2255,7 +2335,7 @@
           </a:prstGeom>
         </p:spPr>
         <p:txBody>
-          <a:bodyPr anchorCtr="0" anchor="ctr" bIns="91425" lIns="91425" spcFirstLastPara="1" rIns="91425" wrap="square" tIns="91425">
+          <a:bodyPr spcFirstLastPara="1" wrap="square" lIns="91425" tIns="91425" rIns="91425" bIns="91425" anchor="ctr" anchorCtr="0">
             <a:normAutofit/>
           </a:bodyPr>
           <a:lstStyle>
@@ -2297,7 +2377,7 @@
             </a:lvl9pPr>
           </a:lstStyle>
           <a:p>
-            <a:pPr indent="0" lvl="0" marL="0" rtl="0" algn="r">
+            <a:pPr marL="0" lvl="0" indent="0" algn="r" rtl="0">
               <a:spcBef>
                 <a:spcPts val="0"/>
               </a:spcBef>
@@ -2323,11 +2403,11 @@
 </file>
 
 <file path=ppt/slideLayouts/slideLayout2.xml><?xml version="1.0" encoding="utf-8"?>
-<p:sldLayout xmlns:a="http://schemas.openxmlformats.org/drawingml/2006/main" xmlns:r="http://schemas.openxmlformats.org/officeDocument/2006/relationships" xmlns:mc="http://schemas.openxmlformats.org/markup-compatibility/2006" xmlns:mv="urn:schemas-microsoft-com:mac:vml" xmlns:p="http://schemas.openxmlformats.org/presentationml/2006/main" xmlns:c="http://schemas.openxmlformats.org/drawingml/2006/chart" xmlns:dgm="http://schemas.openxmlformats.org/drawingml/2006/diagram" xmlns:o="urn:schemas-microsoft-com:office:office" xmlns:v="urn:schemas-microsoft-com:vml" xmlns:pvml="urn:schemas-microsoft-com:office:powerpoint" xmlns:com="http://schemas.openxmlformats.org/drawingml/2006/compatibility" xmlns:p14="http://schemas.microsoft.com/office/powerpoint/2010/main" xmlns:p15="http://schemas.microsoft.com/office/powerpoint/2012/main" xmlns:ahyp="http://schemas.microsoft.com/office/drawing/2018/hyperlinkcolor" matchingName="Section header" type="secHead">
+<p:sldLayout xmlns:a="http://schemas.openxmlformats.org/drawingml/2006/main" xmlns:r="http://schemas.openxmlformats.org/officeDocument/2006/relationships" xmlns:p="http://schemas.openxmlformats.org/presentationml/2006/main" matchingName="Section header" type="secHead">
   <p:cSld name="SECTION_HEADER">
     <p:spTree>
       <p:nvGrpSpPr>
-        <p:cNvPr id="13" name="Shape 13"/>
+        <p:cNvPr id="1" name="Shape 13"/>
         <p:cNvGrpSpPr/>
         <p:nvPr/>
       </p:nvGrpSpPr>
@@ -2342,7 +2422,9 @@
       <p:sp>
         <p:nvSpPr>
           <p:cNvPr id="14" name="Google Shape;14;p3"/>
-          <p:cNvSpPr txBox="1"/>
+          <p:cNvSpPr txBox="1">
+            <a:spLocks noGrp="1"/>
+          </p:cNvSpPr>
           <p:nvPr>
             <p:ph type="title"/>
           </p:nvPr>
@@ -2357,7 +2439,7 @@
           </a:prstGeom>
         </p:spPr>
         <p:txBody>
-          <a:bodyPr anchorCtr="0" anchor="ctr" bIns="91425" lIns="91425" spcFirstLastPara="1" rIns="91425" wrap="square" tIns="91425">
+          <a:bodyPr spcFirstLastPara="1" wrap="square" lIns="91425" tIns="91425" rIns="91425" bIns="91425" anchor="ctr" anchorCtr="0">
             <a:normAutofit/>
           </a:bodyPr>
           <a:lstStyle>
@@ -2461,15 +2543,19 @@
               <a:defRPr sz="3600"/>
             </a:lvl9pPr>
           </a:lstStyle>
-          <a:p/>
+          <a:p>
+            <a:endParaRPr/>
+          </a:p>
         </p:txBody>
       </p:sp>
       <p:sp>
         <p:nvSpPr>
           <p:cNvPr id="15" name="Google Shape;15;p3"/>
-          <p:cNvSpPr txBox="1"/>
+          <p:cNvSpPr txBox="1">
+            <a:spLocks noGrp="1"/>
+          </p:cNvSpPr>
           <p:nvPr>
-            <p:ph idx="12" type="sldNum"/>
+            <p:ph type="sldNum" idx="12"/>
           </p:nvPr>
         </p:nvSpPr>
         <p:spPr>
@@ -2482,7 +2568,7 @@
           </a:prstGeom>
         </p:spPr>
         <p:txBody>
-          <a:bodyPr anchorCtr="0" anchor="ctr" bIns="91425" lIns="91425" spcFirstLastPara="1" rIns="91425" wrap="square" tIns="91425">
+          <a:bodyPr spcFirstLastPara="1" wrap="square" lIns="91425" tIns="91425" rIns="91425" bIns="91425" anchor="ctr" anchorCtr="0">
             <a:normAutofit/>
           </a:bodyPr>
           <a:lstStyle>
@@ -2524,7 +2610,7 @@
             </a:lvl9pPr>
           </a:lstStyle>
           <a:p>
-            <a:pPr indent="0" lvl="0" marL="0" rtl="0" algn="r">
+            <a:pPr marL="0" lvl="0" indent="0" algn="r" rtl="0">
               <a:spcBef>
                 <a:spcPts val="0"/>
               </a:spcBef>
@@ -2550,11 +2636,11 @@
 </file>
 
 <file path=ppt/slideLayouts/slideLayout3.xml><?xml version="1.0" encoding="utf-8"?>
-<p:sldLayout xmlns:a="http://schemas.openxmlformats.org/drawingml/2006/main" xmlns:r="http://schemas.openxmlformats.org/officeDocument/2006/relationships" xmlns:mc="http://schemas.openxmlformats.org/markup-compatibility/2006" xmlns:mv="urn:schemas-microsoft-com:mac:vml" xmlns:p="http://schemas.openxmlformats.org/presentationml/2006/main" xmlns:c="http://schemas.openxmlformats.org/drawingml/2006/chart" xmlns:dgm="http://schemas.openxmlformats.org/drawingml/2006/diagram" xmlns:o="urn:schemas-microsoft-com:office:office" xmlns:v="urn:schemas-microsoft-com:vml" xmlns:pvml="urn:schemas-microsoft-com:office:powerpoint" xmlns:com="http://schemas.openxmlformats.org/drawingml/2006/compatibility" xmlns:p14="http://schemas.microsoft.com/office/powerpoint/2010/main" xmlns:p15="http://schemas.microsoft.com/office/powerpoint/2012/main" xmlns:ahyp="http://schemas.microsoft.com/office/drawing/2018/hyperlinkcolor" matchingName="Title and body" type="tx">
+<p:sldLayout xmlns:a="http://schemas.openxmlformats.org/drawingml/2006/main" xmlns:r="http://schemas.openxmlformats.org/officeDocument/2006/relationships" xmlns:p="http://schemas.openxmlformats.org/presentationml/2006/main" matchingName="Title and body" type="tx">
   <p:cSld name="TITLE_AND_BODY">
     <p:spTree>
       <p:nvGrpSpPr>
-        <p:cNvPr id="16" name="Shape 16"/>
+        <p:cNvPr id="1" name="Shape 16"/>
         <p:cNvGrpSpPr/>
         <p:nvPr/>
       </p:nvGrpSpPr>
@@ -2569,7 +2655,9 @@
       <p:sp>
         <p:nvSpPr>
           <p:cNvPr id="17" name="Google Shape;17;p4"/>
-          <p:cNvSpPr txBox="1"/>
+          <p:cNvSpPr txBox="1">
+            <a:spLocks noGrp="1"/>
+          </p:cNvSpPr>
           <p:nvPr>
             <p:ph type="title"/>
           </p:nvPr>
@@ -2584,7 +2672,7 @@
           </a:prstGeom>
         </p:spPr>
         <p:txBody>
-          <a:bodyPr anchorCtr="0" anchor="t" bIns="91425" lIns="91425" spcFirstLastPara="1" rIns="91425" wrap="square" tIns="91425">
+          <a:bodyPr spcFirstLastPara="1" wrap="square" lIns="91425" tIns="91425" rIns="91425" bIns="91425" anchor="t" anchorCtr="0">
             <a:normAutofit/>
           </a:bodyPr>
           <a:lstStyle>
@@ -2688,15 +2776,19 @@
               <a:defRPr/>
             </a:lvl9pPr>
           </a:lstStyle>
-          <a:p/>
+          <a:p>
+            <a:endParaRPr/>
+          </a:p>
         </p:txBody>
       </p:sp>
       <p:sp>
         <p:nvSpPr>
           <p:cNvPr id="18" name="Google Shape;18;p4"/>
-          <p:cNvSpPr txBox="1"/>
+          <p:cNvSpPr txBox="1">
+            <a:spLocks noGrp="1"/>
+          </p:cNvSpPr>
           <p:nvPr>
-            <p:ph idx="1" type="body"/>
+            <p:ph type="body" idx="1"/>
           </p:nvPr>
         </p:nvSpPr>
         <p:spPr>
@@ -2709,11 +2801,11 @@
           </a:prstGeom>
         </p:spPr>
         <p:txBody>
-          <a:bodyPr anchorCtr="0" anchor="t" bIns="91425" lIns="91425" spcFirstLastPara="1" rIns="91425" wrap="square" tIns="91425">
+          <a:bodyPr spcFirstLastPara="1" wrap="square" lIns="91425" tIns="91425" rIns="91425" bIns="91425" anchor="t" anchorCtr="0">
             <a:normAutofit/>
           </a:bodyPr>
           <a:lstStyle>
-            <a:lvl1pPr indent="-342900" lvl="0" marL="457200">
+            <a:lvl1pPr marL="457200" lvl="0" indent="-342900">
               <a:spcBef>
                 <a:spcPts val="0"/>
               </a:spcBef>
@@ -2724,7 +2816,7 @@
               <a:buChar char="●"/>
               <a:defRPr/>
             </a:lvl1pPr>
-            <a:lvl2pPr indent="-317500" lvl="1" marL="914400">
+            <a:lvl2pPr marL="914400" lvl="1" indent="-317500">
               <a:spcBef>
                 <a:spcPts val="0"/>
               </a:spcBef>
@@ -2735,7 +2827,7 @@
               <a:buChar char="○"/>
               <a:defRPr/>
             </a:lvl2pPr>
-            <a:lvl3pPr indent="-317500" lvl="2" marL="1371600">
+            <a:lvl3pPr marL="1371600" lvl="2" indent="-317500">
               <a:spcBef>
                 <a:spcPts val="0"/>
               </a:spcBef>
@@ -2746,7 +2838,7 @@
               <a:buChar char="■"/>
               <a:defRPr/>
             </a:lvl3pPr>
-            <a:lvl4pPr indent="-317500" lvl="3" marL="1828800">
+            <a:lvl4pPr marL="1828800" lvl="3" indent="-317500">
               <a:spcBef>
                 <a:spcPts val="0"/>
               </a:spcBef>
@@ -2757,7 +2849,7 @@
               <a:buChar char="●"/>
               <a:defRPr/>
             </a:lvl4pPr>
-            <a:lvl5pPr indent="-317500" lvl="4" marL="2286000">
+            <a:lvl5pPr marL="2286000" lvl="4" indent="-317500">
               <a:spcBef>
                 <a:spcPts val="0"/>
               </a:spcBef>
@@ -2768,7 +2860,7 @@
               <a:buChar char="○"/>
               <a:defRPr/>
             </a:lvl5pPr>
-            <a:lvl6pPr indent="-317500" lvl="5" marL="2743200">
+            <a:lvl6pPr marL="2743200" lvl="5" indent="-317500">
               <a:spcBef>
                 <a:spcPts val="0"/>
               </a:spcBef>
@@ -2779,7 +2871,7 @@
               <a:buChar char="■"/>
               <a:defRPr/>
             </a:lvl6pPr>
-            <a:lvl7pPr indent="-317500" lvl="6" marL="3200400">
+            <a:lvl7pPr marL="3200400" lvl="6" indent="-317500">
               <a:spcBef>
                 <a:spcPts val="0"/>
               </a:spcBef>
@@ -2790,7 +2882,7 @@
               <a:buChar char="●"/>
               <a:defRPr/>
             </a:lvl7pPr>
-            <a:lvl8pPr indent="-317500" lvl="7" marL="3657600">
+            <a:lvl8pPr marL="3657600" lvl="7" indent="-317500">
               <a:spcBef>
                 <a:spcPts val="0"/>
               </a:spcBef>
@@ -2801,7 +2893,7 @@
               <a:buChar char="○"/>
               <a:defRPr/>
             </a:lvl8pPr>
-            <a:lvl9pPr indent="-317500" lvl="8" marL="4114800">
+            <a:lvl9pPr marL="4114800" lvl="8" indent="-317500">
               <a:spcBef>
                 <a:spcPts val="0"/>
               </a:spcBef>
@@ -2813,15 +2905,19 @@
               <a:defRPr/>
             </a:lvl9pPr>
           </a:lstStyle>
-          <a:p/>
+          <a:p>
+            <a:endParaRPr/>
+          </a:p>
         </p:txBody>
       </p:sp>
       <p:sp>
         <p:nvSpPr>
           <p:cNvPr id="19" name="Google Shape;19;p4"/>
-          <p:cNvSpPr txBox="1"/>
+          <p:cNvSpPr txBox="1">
+            <a:spLocks noGrp="1"/>
+          </p:cNvSpPr>
           <p:nvPr>
-            <p:ph idx="12" type="sldNum"/>
+            <p:ph type="sldNum" idx="12"/>
           </p:nvPr>
         </p:nvSpPr>
         <p:spPr>
@@ -2834,7 +2930,7 @@
           </a:prstGeom>
         </p:spPr>
         <p:txBody>
-          <a:bodyPr anchorCtr="0" anchor="ctr" bIns="91425" lIns="91425" spcFirstLastPara="1" rIns="91425" wrap="square" tIns="91425">
+          <a:bodyPr spcFirstLastPara="1" wrap="square" lIns="91425" tIns="91425" rIns="91425" bIns="91425" anchor="ctr" anchorCtr="0">
             <a:normAutofit/>
           </a:bodyPr>
           <a:lstStyle>
@@ -2876,7 +2972,7 @@
             </a:lvl9pPr>
           </a:lstStyle>
           <a:p>
-            <a:pPr indent="0" lvl="0" marL="0" rtl="0" algn="r">
+            <a:pPr marL="0" lvl="0" indent="0" algn="r" rtl="0">
               <a:spcBef>
                 <a:spcPts val="0"/>
               </a:spcBef>
@@ -2902,11 +2998,11 @@
 </file>
 
 <file path=ppt/slideLayouts/slideLayout4.xml><?xml version="1.0" encoding="utf-8"?>
-<p:sldLayout xmlns:a="http://schemas.openxmlformats.org/drawingml/2006/main" xmlns:r="http://schemas.openxmlformats.org/officeDocument/2006/relationships" xmlns:mc="http://schemas.openxmlformats.org/markup-compatibility/2006" xmlns:mv="urn:schemas-microsoft-com:mac:vml" xmlns:p="http://schemas.openxmlformats.org/presentationml/2006/main" xmlns:c="http://schemas.openxmlformats.org/drawingml/2006/chart" xmlns:dgm="http://schemas.openxmlformats.org/drawingml/2006/diagram" xmlns:o="urn:schemas-microsoft-com:office:office" xmlns:v="urn:schemas-microsoft-com:vml" xmlns:pvml="urn:schemas-microsoft-com:office:powerpoint" xmlns:com="http://schemas.openxmlformats.org/drawingml/2006/compatibility" xmlns:p14="http://schemas.microsoft.com/office/powerpoint/2010/main" xmlns:p15="http://schemas.microsoft.com/office/powerpoint/2012/main" xmlns:ahyp="http://schemas.microsoft.com/office/drawing/2018/hyperlinkcolor" matchingName="Title and two columns" type="twoColTx">
+<p:sldLayout xmlns:a="http://schemas.openxmlformats.org/drawingml/2006/main" xmlns:r="http://schemas.openxmlformats.org/officeDocument/2006/relationships" xmlns:p="http://schemas.openxmlformats.org/presentationml/2006/main" matchingName="Title and two columns" type="twoColTx">
   <p:cSld name="TITLE_AND_TWO_COLUMNS">
     <p:spTree>
       <p:nvGrpSpPr>
-        <p:cNvPr id="20" name="Shape 20"/>
+        <p:cNvPr id="1" name="Shape 20"/>
         <p:cNvGrpSpPr/>
         <p:nvPr/>
       </p:nvGrpSpPr>
@@ -2921,7 +3017,9 @@
       <p:sp>
         <p:nvSpPr>
           <p:cNvPr id="21" name="Google Shape;21;p5"/>
-          <p:cNvSpPr txBox="1"/>
+          <p:cNvSpPr txBox="1">
+            <a:spLocks noGrp="1"/>
+          </p:cNvSpPr>
           <p:nvPr>
             <p:ph type="title"/>
           </p:nvPr>
@@ -2936,7 +3034,7 @@
           </a:prstGeom>
         </p:spPr>
         <p:txBody>
-          <a:bodyPr anchorCtr="0" anchor="t" bIns="91425" lIns="91425" spcFirstLastPara="1" rIns="91425" wrap="square" tIns="91425">
+          <a:bodyPr spcFirstLastPara="1" wrap="square" lIns="91425" tIns="91425" rIns="91425" bIns="91425" anchor="t" anchorCtr="0">
             <a:normAutofit/>
           </a:bodyPr>
           <a:lstStyle>
@@ -3040,15 +3138,19 @@
               <a:defRPr/>
             </a:lvl9pPr>
           </a:lstStyle>
-          <a:p/>
+          <a:p>
+            <a:endParaRPr/>
+          </a:p>
         </p:txBody>
       </p:sp>
       <p:sp>
         <p:nvSpPr>
           <p:cNvPr id="22" name="Google Shape;22;p5"/>
-          <p:cNvSpPr txBox="1"/>
+          <p:cNvSpPr txBox="1">
+            <a:spLocks noGrp="1"/>
+          </p:cNvSpPr>
           <p:nvPr>
-            <p:ph idx="1" type="body"/>
+            <p:ph type="body" idx="1"/>
           </p:nvPr>
         </p:nvSpPr>
         <p:spPr>
@@ -3061,11 +3163,11 @@
           </a:prstGeom>
         </p:spPr>
         <p:txBody>
-          <a:bodyPr anchorCtr="0" anchor="t" bIns="91425" lIns="91425" spcFirstLastPara="1" rIns="91425" wrap="square" tIns="91425">
+          <a:bodyPr spcFirstLastPara="1" wrap="square" lIns="91425" tIns="91425" rIns="91425" bIns="91425" anchor="t" anchorCtr="0">
             <a:normAutofit/>
           </a:bodyPr>
           <a:lstStyle>
-            <a:lvl1pPr indent="-317500" lvl="0" marL="457200">
+            <a:lvl1pPr marL="457200" lvl="0" indent="-317500">
               <a:spcBef>
                 <a:spcPts val="0"/>
               </a:spcBef>
@@ -3076,7 +3178,7 @@
               <a:buChar char="●"/>
               <a:defRPr sz="1400"/>
             </a:lvl1pPr>
-            <a:lvl2pPr indent="-304800" lvl="1" marL="914400">
+            <a:lvl2pPr marL="914400" lvl="1" indent="-304800">
               <a:spcBef>
                 <a:spcPts val="0"/>
               </a:spcBef>
@@ -3087,7 +3189,7 @@
               <a:buChar char="○"/>
               <a:defRPr sz="1200"/>
             </a:lvl2pPr>
-            <a:lvl3pPr indent="-304800" lvl="2" marL="1371600">
+            <a:lvl3pPr marL="1371600" lvl="2" indent="-304800">
               <a:spcBef>
                 <a:spcPts val="0"/>
               </a:spcBef>
@@ -3098,7 +3200,7 @@
               <a:buChar char="■"/>
               <a:defRPr sz="1200"/>
             </a:lvl3pPr>
-            <a:lvl4pPr indent="-304800" lvl="3" marL="1828800">
+            <a:lvl4pPr marL="1828800" lvl="3" indent="-304800">
               <a:spcBef>
                 <a:spcPts val="0"/>
               </a:spcBef>
@@ -3109,7 +3211,7 @@
               <a:buChar char="●"/>
               <a:defRPr sz="1200"/>
             </a:lvl4pPr>
-            <a:lvl5pPr indent="-304800" lvl="4" marL="2286000">
+            <a:lvl5pPr marL="2286000" lvl="4" indent="-304800">
               <a:spcBef>
                 <a:spcPts val="0"/>
               </a:spcBef>
@@ -3120,7 +3222,7 @@
               <a:buChar char="○"/>
               <a:defRPr sz="1200"/>
             </a:lvl5pPr>
-            <a:lvl6pPr indent="-304800" lvl="5" marL="2743200">
+            <a:lvl6pPr marL="2743200" lvl="5" indent="-304800">
               <a:spcBef>
                 <a:spcPts val="0"/>
               </a:spcBef>
@@ -3131,7 +3233,7 @@
               <a:buChar char="■"/>
               <a:defRPr sz="1200"/>
             </a:lvl6pPr>
-            <a:lvl7pPr indent="-304800" lvl="6" marL="3200400">
+            <a:lvl7pPr marL="3200400" lvl="6" indent="-304800">
               <a:spcBef>
                 <a:spcPts val="0"/>
               </a:spcBef>
@@ -3142,7 +3244,7 @@
               <a:buChar char="●"/>
               <a:defRPr sz="1200"/>
             </a:lvl7pPr>
-            <a:lvl8pPr indent="-304800" lvl="7" marL="3657600">
+            <a:lvl8pPr marL="3657600" lvl="7" indent="-304800">
               <a:spcBef>
                 <a:spcPts val="0"/>
               </a:spcBef>
@@ -3153,7 +3255,7 @@
               <a:buChar char="○"/>
               <a:defRPr sz="1200"/>
             </a:lvl8pPr>
-            <a:lvl9pPr indent="-304800" lvl="8" marL="4114800">
+            <a:lvl9pPr marL="4114800" lvl="8" indent="-304800">
               <a:spcBef>
                 <a:spcPts val="0"/>
               </a:spcBef>
@@ -3165,15 +3267,19 @@
               <a:defRPr sz="1200"/>
             </a:lvl9pPr>
           </a:lstStyle>
-          <a:p/>
+          <a:p>
+            <a:endParaRPr/>
+          </a:p>
         </p:txBody>
       </p:sp>
       <p:sp>
         <p:nvSpPr>
           <p:cNvPr id="23" name="Google Shape;23;p5"/>
-          <p:cNvSpPr txBox="1"/>
+          <p:cNvSpPr txBox="1">
+            <a:spLocks noGrp="1"/>
+          </p:cNvSpPr>
           <p:nvPr>
-            <p:ph idx="2" type="body"/>
+            <p:ph type="body" idx="2"/>
           </p:nvPr>
         </p:nvSpPr>
         <p:spPr>
@@ -3186,11 +3292,11 @@
           </a:prstGeom>
         </p:spPr>
         <p:txBody>
-          <a:bodyPr anchorCtr="0" anchor="t" bIns="91425" lIns="91425" spcFirstLastPara="1" rIns="91425" wrap="square" tIns="91425">
+          <a:bodyPr spcFirstLastPara="1" wrap="square" lIns="91425" tIns="91425" rIns="91425" bIns="91425" anchor="t" anchorCtr="0">
             <a:normAutofit/>
           </a:bodyPr>
           <a:lstStyle>
-            <a:lvl1pPr indent="-317500" lvl="0" marL="457200">
+            <a:lvl1pPr marL="457200" lvl="0" indent="-317500">
               <a:spcBef>
                 <a:spcPts val="0"/>
               </a:spcBef>
@@ -3201,7 +3307,7 @@
               <a:buChar char="●"/>
               <a:defRPr sz="1400"/>
             </a:lvl1pPr>
-            <a:lvl2pPr indent="-304800" lvl="1" marL="914400">
+            <a:lvl2pPr marL="914400" lvl="1" indent="-304800">
               <a:spcBef>
                 <a:spcPts val="0"/>
               </a:spcBef>
@@ -3212,7 +3318,7 @@
               <a:buChar char="○"/>
               <a:defRPr sz="1200"/>
             </a:lvl2pPr>
-            <a:lvl3pPr indent="-304800" lvl="2" marL="1371600">
+            <a:lvl3pPr marL="1371600" lvl="2" indent="-304800">
               <a:spcBef>
                 <a:spcPts val="0"/>
               </a:spcBef>
@@ -3223,7 +3329,7 @@
               <a:buChar char="■"/>
               <a:defRPr sz="1200"/>
             </a:lvl3pPr>
-            <a:lvl4pPr indent="-304800" lvl="3" marL="1828800">
+            <a:lvl4pPr marL="1828800" lvl="3" indent="-304800">
               <a:spcBef>
                 <a:spcPts val="0"/>
               </a:spcBef>
@@ -3234,7 +3340,7 @@
               <a:buChar char="●"/>
               <a:defRPr sz="1200"/>
             </a:lvl4pPr>
-            <a:lvl5pPr indent="-304800" lvl="4" marL="2286000">
+            <a:lvl5pPr marL="2286000" lvl="4" indent="-304800">
               <a:spcBef>
                 <a:spcPts val="0"/>
               </a:spcBef>
@@ -3245,7 +3351,7 @@
               <a:buChar char="○"/>
               <a:defRPr sz="1200"/>
             </a:lvl5pPr>
-            <a:lvl6pPr indent="-304800" lvl="5" marL="2743200">
+            <a:lvl6pPr marL="2743200" lvl="5" indent="-304800">
               <a:spcBef>
                 <a:spcPts val="0"/>
               </a:spcBef>
@@ -3256,7 +3362,7 @@
               <a:buChar char="■"/>
               <a:defRPr sz="1200"/>
             </a:lvl6pPr>
-            <a:lvl7pPr indent="-304800" lvl="6" marL="3200400">
+            <a:lvl7pPr marL="3200400" lvl="6" indent="-304800">
               <a:spcBef>
                 <a:spcPts val="0"/>
               </a:spcBef>
@@ -3267,7 +3373,7 @@
               <a:buChar char="●"/>
               <a:defRPr sz="1200"/>
             </a:lvl7pPr>
-            <a:lvl8pPr indent="-304800" lvl="7" marL="3657600">
+            <a:lvl8pPr marL="3657600" lvl="7" indent="-304800">
               <a:spcBef>
                 <a:spcPts val="0"/>
               </a:spcBef>
@@ -3278,7 +3384,7 @@
               <a:buChar char="○"/>
               <a:defRPr sz="1200"/>
             </a:lvl8pPr>
-            <a:lvl9pPr indent="-304800" lvl="8" marL="4114800">
+            <a:lvl9pPr marL="4114800" lvl="8" indent="-304800">
               <a:spcBef>
                 <a:spcPts val="0"/>
               </a:spcBef>
@@ -3290,15 +3396,19 @@
               <a:defRPr sz="1200"/>
             </a:lvl9pPr>
           </a:lstStyle>
-          <a:p/>
+          <a:p>
+            <a:endParaRPr/>
+          </a:p>
         </p:txBody>
       </p:sp>
       <p:sp>
         <p:nvSpPr>
           <p:cNvPr id="24" name="Google Shape;24;p5"/>
-          <p:cNvSpPr txBox="1"/>
+          <p:cNvSpPr txBox="1">
+            <a:spLocks noGrp="1"/>
+          </p:cNvSpPr>
           <p:nvPr>
-            <p:ph idx="12" type="sldNum"/>
+            <p:ph type="sldNum" idx="12"/>
           </p:nvPr>
         </p:nvSpPr>
         <p:spPr>
@@ -3311,7 +3421,7 @@
           </a:prstGeom>
         </p:spPr>
         <p:txBody>
-          <a:bodyPr anchorCtr="0" anchor="ctr" bIns="91425" lIns="91425" spcFirstLastPara="1" rIns="91425" wrap="square" tIns="91425">
+          <a:bodyPr spcFirstLastPara="1" wrap="square" lIns="91425" tIns="91425" rIns="91425" bIns="91425" anchor="ctr" anchorCtr="0">
             <a:normAutofit/>
           </a:bodyPr>
           <a:lstStyle>
@@ -3353,7 +3463,7 @@
             </a:lvl9pPr>
           </a:lstStyle>
           <a:p>
-            <a:pPr indent="0" lvl="0" marL="0" rtl="0" algn="r">
+            <a:pPr marL="0" lvl="0" indent="0" algn="r" rtl="0">
               <a:spcBef>
                 <a:spcPts val="0"/>
               </a:spcBef>
@@ -3379,11 +3489,11 @@
 </file>
 
 <file path=ppt/slideLayouts/slideLayout5.xml><?xml version="1.0" encoding="utf-8"?>
-<p:sldLayout xmlns:a="http://schemas.openxmlformats.org/drawingml/2006/main" xmlns:r="http://schemas.openxmlformats.org/officeDocument/2006/relationships" xmlns:mc="http://schemas.openxmlformats.org/markup-compatibility/2006" xmlns:mv="urn:schemas-microsoft-com:mac:vml" xmlns:p="http://schemas.openxmlformats.org/presentationml/2006/main" xmlns:c="http://schemas.openxmlformats.org/drawingml/2006/chart" xmlns:dgm="http://schemas.openxmlformats.org/drawingml/2006/diagram" xmlns:o="urn:schemas-microsoft-com:office:office" xmlns:v="urn:schemas-microsoft-com:vml" xmlns:pvml="urn:schemas-microsoft-com:office:powerpoint" xmlns:com="http://schemas.openxmlformats.org/drawingml/2006/compatibility" xmlns:p14="http://schemas.microsoft.com/office/powerpoint/2010/main" xmlns:p15="http://schemas.microsoft.com/office/powerpoint/2012/main" xmlns:ahyp="http://schemas.microsoft.com/office/drawing/2018/hyperlinkcolor" matchingName="Title only" type="titleOnly">
+<p:sldLayout xmlns:a="http://schemas.openxmlformats.org/drawingml/2006/main" xmlns:r="http://schemas.openxmlformats.org/officeDocument/2006/relationships" xmlns:p="http://schemas.openxmlformats.org/presentationml/2006/main" matchingName="Title only" type="titleOnly">
   <p:cSld name="TITLE_ONLY">
     <p:spTree>
       <p:nvGrpSpPr>
-        <p:cNvPr id="25" name="Shape 25"/>
+        <p:cNvPr id="1" name="Shape 25"/>
         <p:cNvGrpSpPr/>
         <p:nvPr/>
       </p:nvGrpSpPr>
@@ -3398,7 +3508,9 @@
       <p:sp>
         <p:nvSpPr>
           <p:cNvPr id="26" name="Google Shape;26;p6"/>
-          <p:cNvSpPr txBox="1"/>
+          <p:cNvSpPr txBox="1">
+            <a:spLocks noGrp="1"/>
+          </p:cNvSpPr>
           <p:nvPr>
             <p:ph type="title"/>
           </p:nvPr>
@@ -3413,7 +3525,7 @@
           </a:prstGeom>
         </p:spPr>
         <p:txBody>
-          <a:bodyPr anchorCtr="0" anchor="t" bIns="91425" lIns="91425" spcFirstLastPara="1" rIns="91425" wrap="square" tIns="91425">
+          <a:bodyPr spcFirstLastPara="1" wrap="square" lIns="91425" tIns="91425" rIns="91425" bIns="91425" anchor="t" anchorCtr="0">
             <a:normAutofit/>
           </a:bodyPr>
           <a:lstStyle>
@@ -3517,15 +3629,19 @@
               <a:defRPr/>
             </a:lvl9pPr>
           </a:lstStyle>
-          <a:p/>
+          <a:p>
+            <a:endParaRPr/>
+          </a:p>
         </p:txBody>
       </p:sp>
       <p:sp>
         <p:nvSpPr>
           <p:cNvPr id="27" name="Google Shape;27;p6"/>
-          <p:cNvSpPr txBox="1"/>
+          <p:cNvSpPr txBox="1">
+            <a:spLocks noGrp="1"/>
+          </p:cNvSpPr>
           <p:nvPr>
-            <p:ph idx="12" type="sldNum"/>
+            <p:ph type="sldNum" idx="12"/>
           </p:nvPr>
         </p:nvSpPr>
         <p:spPr>
@@ -3538,7 +3654,7 @@
           </a:prstGeom>
         </p:spPr>
         <p:txBody>
-          <a:bodyPr anchorCtr="0" anchor="ctr" bIns="91425" lIns="91425" spcFirstLastPara="1" rIns="91425" wrap="square" tIns="91425">
+          <a:bodyPr spcFirstLastPara="1" wrap="square" lIns="91425" tIns="91425" rIns="91425" bIns="91425" anchor="ctr" anchorCtr="0">
             <a:normAutofit/>
           </a:bodyPr>
           <a:lstStyle>
@@ -3580,7 +3696,7 @@
             </a:lvl9pPr>
           </a:lstStyle>
           <a:p>
-            <a:pPr indent="0" lvl="0" marL="0" rtl="0" algn="r">
+            <a:pPr marL="0" lvl="0" indent="0" algn="r" rtl="0">
               <a:spcBef>
                 <a:spcPts val="0"/>
               </a:spcBef>
@@ -3606,11 +3722,11 @@
 </file>
 
 <file path=ppt/slideLayouts/slideLayout6.xml><?xml version="1.0" encoding="utf-8"?>
-<p:sldLayout xmlns:a="http://schemas.openxmlformats.org/drawingml/2006/main" xmlns:r="http://schemas.openxmlformats.org/officeDocument/2006/relationships" xmlns:mc="http://schemas.openxmlformats.org/markup-compatibility/2006" xmlns:mv="urn:schemas-microsoft-com:mac:vml" xmlns:p="http://schemas.openxmlformats.org/presentationml/2006/main" xmlns:c="http://schemas.openxmlformats.org/drawingml/2006/chart" xmlns:dgm="http://schemas.openxmlformats.org/drawingml/2006/diagram" xmlns:o="urn:schemas-microsoft-com:office:office" xmlns:v="urn:schemas-microsoft-com:vml" xmlns:pvml="urn:schemas-microsoft-com:office:powerpoint" xmlns:com="http://schemas.openxmlformats.org/drawingml/2006/compatibility" xmlns:p14="http://schemas.microsoft.com/office/powerpoint/2010/main" xmlns:p15="http://schemas.microsoft.com/office/powerpoint/2012/main" xmlns:ahyp="http://schemas.microsoft.com/office/drawing/2018/hyperlinkcolor" matchingName="One column text">
+<p:sldLayout xmlns:a="http://schemas.openxmlformats.org/drawingml/2006/main" xmlns:r="http://schemas.openxmlformats.org/officeDocument/2006/relationships" xmlns:p="http://schemas.openxmlformats.org/presentationml/2006/main" matchingName="One column text">
   <p:cSld name="ONE_COLUMN_TEXT">
     <p:spTree>
       <p:nvGrpSpPr>
-        <p:cNvPr id="28" name="Shape 28"/>
+        <p:cNvPr id="1" name="Shape 28"/>
         <p:cNvGrpSpPr/>
         <p:nvPr/>
       </p:nvGrpSpPr>
@@ -3625,7 +3741,9 @@
       <p:sp>
         <p:nvSpPr>
           <p:cNvPr id="29" name="Google Shape;29;p7"/>
-          <p:cNvSpPr txBox="1"/>
+          <p:cNvSpPr txBox="1">
+            <a:spLocks noGrp="1"/>
+          </p:cNvSpPr>
           <p:nvPr>
             <p:ph type="title"/>
           </p:nvPr>
@@ -3640,7 +3758,7 @@
           </a:prstGeom>
         </p:spPr>
         <p:txBody>
-          <a:bodyPr anchorCtr="0" anchor="b" bIns="91425" lIns="91425" spcFirstLastPara="1" rIns="91425" wrap="square" tIns="91425">
+          <a:bodyPr spcFirstLastPara="1" wrap="square" lIns="91425" tIns="91425" rIns="91425" bIns="91425" anchor="b" anchorCtr="0">
             <a:normAutofit/>
           </a:bodyPr>
           <a:lstStyle>
@@ -3744,15 +3862,19 @@
               <a:defRPr sz="2400"/>
             </a:lvl9pPr>
           </a:lstStyle>
-          <a:p/>
+          <a:p>
+            <a:endParaRPr/>
+          </a:p>
         </p:txBody>
       </p:sp>
       <p:sp>
         <p:nvSpPr>
           <p:cNvPr id="30" name="Google Shape;30;p7"/>
-          <p:cNvSpPr txBox="1"/>
+          <p:cNvSpPr txBox="1">
+            <a:spLocks noGrp="1"/>
+          </p:cNvSpPr>
           <p:nvPr>
-            <p:ph idx="1" type="body"/>
+            <p:ph type="body" idx="1"/>
           </p:nvPr>
         </p:nvSpPr>
         <p:spPr>
@@ -3765,11 +3887,11 @@
           </a:prstGeom>
         </p:spPr>
         <p:txBody>
-          <a:bodyPr anchorCtr="0" anchor="t" bIns="91425" lIns="91425" spcFirstLastPara="1" rIns="91425" wrap="square" tIns="91425">
+          <a:bodyPr spcFirstLastPara="1" wrap="square" lIns="91425" tIns="91425" rIns="91425" bIns="91425" anchor="t" anchorCtr="0">
             <a:normAutofit/>
           </a:bodyPr>
           <a:lstStyle>
-            <a:lvl1pPr indent="-304800" lvl="0" marL="457200">
+            <a:lvl1pPr marL="457200" lvl="0" indent="-304800">
               <a:spcBef>
                 <a:spcPts val="0"/>
               </a:spcBef>
@@ -3780,7 +3902,7 @@
               <a:buChar char="●"/>
               <a:defRPr sz="1200"/>
             </a:lvl1pPr>
-            <a:lvl2pPr indent="-304800" lvl="1" marL="914400">
+            <a:lvl2pPr marL="914400" lvl="1" indent="-304800">
               <a:spcBef>
                 <a:spcPts val="0"/>
               </a:spcBef>
@@ -3791,7 +3913,7 @@
               <a:buChar char="○"/>
               <a:defRPr sz="1200"/>
             </a:lvl2pPr>
-            <a:lvl3pPr indent="-304800" lvl="2" marL="1371600">
+            <a:lvl3pPr marL="1371600" lvl="2" indent="-304800">
               <a:spcBef>
                 <a:spcPts val="0"/>
               </a:spcBef>
@@ -3802,7 +3924,7 @@
               <a:buChar char="■"/>
               <a:defRPr sz="1200"/>
             </a:lvl3pPr>
-            <a:lvl4pPr indent="-304800" lvl="3" marL="1828800">
+            <a:lvl4pPr marL="1828800" lvl="3" indent="-304800">
               <a:spcBef>
                 <a:spcPts val="0"/>
               </a:spcBef>
@@ -3813,7 +3935,7 @@
               <a:buChar char="●"/>
               <a:defRPr sz="1200"/>
             </a:lvl4pPr>
-            <a:lvl5pPr indent="-304800" lvl="4" marL="2286000">
+            <a:lvl5pPr marL="2286000" lvl="4" indent="-304800">
               <a:spcBef>
                 <a:spcPts val="0"/>
               </a:spcBef>
@@ -3824,7 +3946,7 @@
               <a:buChar char="○"/>
               <a:defRPr sz="1200"/>
             </a:lvl5pPr>
-            <a:lvl6pPr indent="-304800" lvl="5" marL="2743200">
+            <a:lvl6pPr marL="2743200" lvl="5" indent="-304800">
               <a:spcBef>
                 <a:spcPts val="0"/>
               </a:spcBef>
@@ -3835,7 +3957,7 @@
               <a:buChar char="■"/>
               <a:defRPr sz="1200"/>
             </a:lvl6pPr>
-            <a:lvl7pPr indent="-304800" lvl="6" marL="3200400">
+            <a:lvl7pPr marL="3200400" lvl="6" indent="-304800">
               <a:spcBef>
                 <a:spcPts val="0"/>
               </a:spcBef>
@@ -3846,7 +3968,7 @@
               <a:buChar char="●"/>
               <a:defRPr sz="1200"/>
             </a:lvl7pPr>
-            <a:lvl8pPr indent="-304800" lvl="7" marL="3657600">
+            <a:lvl8pPr marL="3657600" lvl="7" indent="-304800">
               <a:spcBef>
                 <a:spcPts val="0"/>
               </a:spcBef>
@@ -3857,7 +3979,7 @@
               <a:buChar char="○"/>
               <a:defRPr sz="1200"/>
             </a:lvl8pPr>
-            <a:lvl9pPr indent="-304800" lvl="8" marL="4114800">
+            <a:lvl9pPr marL="4114800" lvl="8" indent="-304800">
               <a:spcBef>
                 <a:spcPts val="0"/>
               </a:spcBef>
@@ -3869,15 +3991,19 @@
               <a:defRPr sz="1200"/>
             </a:lvl9pPr>
           </a:lstStyle>
-          <a:p/>
+          <a:p>
+            <a:endParaRPr/>
+          </a:p>
         </p:txBody>
       </p:sp>
       <p:sp>
         <p:nvSpPr>
           <p:cNvPr id="31" name="Google Shape;31;p7"/>
-          <p:cNvSpPr txBox="1"/>
+          <p:cNvSpPr txBox="1">
+            <a:spLocks noGrp="1"/>
+          </p:cNvSpPr>
           <p:nvPr>
-            <p:ph idx="12" type="sldNum"/>
+            <p:ph type="sldNum" idx="12"/>
           </p:nvPr>
         </p:nvSpPr>
         <p:spPr>
@@ -3890,7 +4016,7 @@
           </a:prstGeom>
         </p:spPr>
         <p:txBody>
-          <a:bodyPr anchorCtr="0" anchor="ctr" bIns="91425" lIns="91425" spcFirstLastPara="1" rIns="91425" wrap="square" tIns="91425">
+          <a:bodyPr spcFirstLastPara="1" wrap="square" lIns="91425" tIns="91425" rIns="91425" bIns="91425" anchor="ctr" anchorCtr="0">
             <a:normAutofit/>
           </a:bodyPr>
           <a:lstStyle>
@@ -3932,7 +4058,7 @@
             </a:lvl9pPr>
           </a:lstStyle>
           <a:p>
-            <a:pPr indent="0" lvl="0" marL="0" rtl="0" algn="r">
+            <a:pPr marL="0" lvl="0" indent="0" algn="r" rtl="0">
               <a:spcBef>
                 <a:spcPts val="0"/>
               </a:spcBef>
@@ -3958,11 +4084,11 @@
 </file>
 
 <file path=ppt/slideLayouts/slideLayout7.xml><?xml version="1.0" encoding="utf-8"?>
-<p:sldLayout xmlns:a="http://schemas.openxmlformats.org/drawingml/2006/main" xmlns:r="http://schemas.openxmlformats.org/officeDocument/2006/relationships" xmlns:mc="http://schemas.openxmlformats.org/markup-compatibility/2006" xmlns:mv="urn:schemas-microsoft-com:mac:vml" xmlns:p="http://schemas.openxmlformats.org/presentationml/2006/main" xmlns:c="http://schemas.openxmlformats.org/drawingml/2006/chart" xmlns:dgm="http://schemas.openxmlformats.org/drawingml/2006/diagram" xmlns:o="urn:schemas-microsoft-com:office:office" xmlns:v="urn:schemas-microsoft-com:vml" xmlns:pvml="urn:schemas-microsoft-com:office:powerpoint" xmlns:com="http://schemas.openxmlformats.org/drawingml/2006/compatibility" xmlns:p14="http://schemas.microsoft.com/office/powerpoint/2010/main" xmlns:p15="http://schemas.microsoft.com/office/powerpoint/2012/main" xmlns:ahyp="http://schemas.microsoft.com/office/drawing/2018/hyperlinkcolor" matchingName="Main point">
+<p:sldLayout xmlns:a="http://schemas.openxmlformats.org/drawingml/2006/main" xmlns:r="http://schemas.openxmlformats.org/officeDocument/2006/relationships" xmlns:p="http://schemas.openxmlformats.org/presentationml/2006/main" matchingName="Main point">
   <p:cSld name="MAIN_POINT">
     <p:spTree>
       <p:nvGrpSpPr>
-        <p:cNvPr id="32" name="Shape 32"/>
+        <p:cNvPr id="1" name="Shape 32"/>
         <p:cNvGrpSpPr/>
         <p:nvPr/>
       </p:nvGrpSpPr>
@@ -3977,7 +4103,9 @@
       <p:sp>
         <p:nvSpPr>
           <p:cNvPr id="33" name="Google Shape;33;p8"/>
-          <p:cNvSpPr txBox="1"/>
+          <p:cNvSpPr txBox="1">
+            <a:spLocks noGrp="1"/>
+          </p:cNvSpPr>
           <p:nvPr>
             <p:ph type="title"/>
           </p:nvPr>
@@ -3992,7 +4120,7 @@
           </a:prstGeom>
         </p:spPr>
         <p:txBody>
-          <a:bodyPr anchorCtr="0" anchor="ctr" bIns="91425" lIns="91425" spcFirstLastPara="1" rIns="91425" wrap="square" tIns="91425">
+          <a:bodyPr spcFirstLastPara="1" wrap="square" lIns="91425" tIns="91425" rIns="91425" bIns="91425" anchor="ctr" anchorCtr="0">
             <a:normAutofit/>
           </a:bodyPr>
           <a:lstStyle>
@@ -4096,15 +4224,19 @@
               <a:defRPr sz="4800"/>
             </a:lvl9pPr>
           </a:lstStyle>
-          <a:p/>
+          <a:p>
+            <a:endParaRPr/>
+          </a:p>
         </p:txBody>
       </p:sp>
       <p:sp>
         <p:nvSpPr>
           <p:cNvPr id="34" name="Google Shape;34;p8"/>
-          <p:cNvSpPr txBox="1"/>
+          <p:cNvSpPr txBox="1">
+            <a:spLocks noGrp="1"/>
+          </p:cNvSpPr>
           <p:nvPr>
-            <p:ph idx="12" type="sldNum"/>
+            <p:ph type="sldNum" idx="12"/>
           </p:nvPr>
         </p:nvSpPr>
         <p:spPr>
@@ -4117,7 +4249,7 @@
           </a:prstGeom>
         </p:spPr>
         <p:txBody>
-          <a:bodyPr anchorCtr="0" anchor="ctr" bIns="91425" lIns="91425" spcFirstLastPara="1" rIns="91425" wrap="square" tIns="91425">
+          <a:bodyPr spcFirstLastPara="1" wrap="square" lIns="91425" tIns="91425" rIns="91425" bIns="91425" anchor="ctr" anchorCtr="0">
             <a:normAutofit/>
           </a:bodyPr>
           <a:lstStyle>
@@ -4159,7 +4291,7 @@
             </a:lvl9pPr>
           </a:lstStyle>
           <a:p>
-            <a:pPr indent="0" lvl="0" marL="0" rtl="0" algn="r">
+            <a:pPr marL="0" lvl="0" indent="0" algn="r" rtl="0">
               <a:spcBef>
                 <a:spcPts val="0"/>
               </a:spcBef>
@@ -4185,11 +4317,11 @@
 </file>
 
 <file path=ppt/slideLayouts/slideLayout8.xml><?xml version="1.0" encoding="utf-8"?>
-<p:sldLayout xmlns:a="http://schemas.openxmlformats.org/drawingml/2006/main" xmlns:r="http://schemas.openxmlformats.org/officeDocument/2006/relationships" xmlns:mc="http://schemas.openxmlformats.org/markup-compatibility/2006" xmlns:mv="urn:schemas-microsoft-com:mac:vml" xmlns:p="http://schemas.openxmlformats.org/presentationml/2006/main" xmlns:c="http://schemas.openxmlformats.org/drawingml/2006/chart" xmlns:dgm="http://schemas.openxmlformats.org/drawingml/2006/diagram" xmlns:o="urn:schemas-microsoft-com:office:office" xmlns:v="urn:schemas-microsoft-com:vml" xmlns:pvml="urn:schemas-microsoft-com:office:powerpoint" xmlns:com="http://schemas.openxmlformats.org/drawingml/2006/compatibility" xmlns:p14="http://schemas.microsoft.com/office/powerpoint/2010/main" xmlns:p15="http://schemas.microsoft.com/office/powerpoint/2012/main" xmlns:ahyp="http://schemas.microsoft.com/office/drawing/2018/hyperlinkcolor" matchingName="Section title and description">
+<p:sldLayout xmlns:a="http://schemas.openxmlformats.org/drawingml/2006/main" xmlns:r="http://schemas.openxmlformats.org/officeDocument/2006/relationships" xmlns:p="http://schemas.openxmlformats.org/presentationml/2006/main" matchingName="Section title and description">
   <p:cSld name="SECTION_TITLE_AND_DESCRIPTION">
     <p:spTree>
       <p:nvGrpSpPr>
-        <p:cNvPr id="35" name="Shape 35"/>
+        <p:cNvPr id="1" name="Shape 35"/>
         <p:cNvGrpSpPr/>
         <p:nvPr/>
       </p:nvGrpSpPr>
@@ -4223,12 +4355,12 @@
           </a:ln>
         </p:spPr>
         <p:txBody>
-          <a:bodyPr anchorCtr="0" anchor="ctr" bIns="91425" lIns="91425" spcFirstLastPara="1" rIns="91425" wrap="square" tIns="91425">
+          <a:bodyPr spcFirstLastPara="1" wrap="square" lIns="91425" tIns="91425" rIns="91425" bIns="91425" anchor="ctr" anchorCtr="0">
             <a:noAutofit/>
           </a:bodyPr>
           <a:lstStyle/>
           <a:p>
-            <a:pPr indent="0" lvl="0" marL="0" rtl="0" algn="l">
+            <a:pPr marL="0" lvl="0" indent="0" algn="l" rtl="0">
               <a:spcBef>
                 <a:spcPts val="0"/>
               </a:spcBef>
@@ -4237,9 +4369,6 @@
               </a:spcAft>
               <a:buNone/>
             </a:pPr>
-            <a:r>
-              <a:t/>
-            </a:r>
             <a:endParaRPr/>
           </a:p>
         </p:txBody>
@@ -4247,7 +4376,9 @@
       <p:sp>
         <p:nvSpPr>
           <p:cNvPr id="37" name="Google Shape;37;p9"/>
-          <p:cNvSpPr txBox="1"/>
+          <p:cNvSpPr txBox="1">
+            <a:spLocks noGrp="1"/>
+          </p:cNvSpPr>
           <p:nvPr>
             <p:ph type="title"/>
           </p:nvPr>
@@ -4262,7 +4393,7 @@
           </a:prstGeom>
         </p:spPr>
         <p:txBody>
-          <a:bodyPr anchorCtr="0" anchor="b" bIns="91425" lIns="91425" spcFirstLastPara="1" rIns="91425" wrap="square" tIns="91425">
+          <a:bodyPr spcFirstLastPara="1" wrap="square" lIns="91425" tIns="91425" rIns="91425" bIns="91425" anchor="b" anchorCtr="0">
             <a:normAutofit/>
           </a:bodyPr>
           <a:lstStyle>
@@ -4366,15 +4497,19 @@
               <a:defRPr sz="4200"/>
             </a:lvl9pPr>
           </a:lstStyle>
-          <a:p/>
+          <a:p>
+            <a:endParaRPr/>
+          </a:p>
         </p:txBody>
       </p:sp>
       <p:sp>
         <p:nvSpPr>
           <p:cNvPr id="38" name="Google Shape;38;p9"/>
-          <p:cNvSpPr txBox="1"/>
+          <p:cNvSpPr txBox="1">
+            <a:spLocks noGrp="1"/>
+          </p:cNvSpPr>
           <p:nvPr>
-            <p:ph idx="1" type="subTitle"/>
+            <p:ph type="subTitle" idx="1"/>
           </p:nvPr>
         </p:nvSpPr>
         <p:spPr>
@@ -4387,7 +4522,7 @@
           </a:prstGeom>
         </p:spPr>
         <p:txBody>
-          <a:bodyPr anchorCtr="0" anchor="t" bIns="91425" lIns="91425" spcFirstLastPara="1" rIns="91425" wrap="square" tIns="91425">
+          <a:bodyPr spcFirstLastPara="1" wrap="square" lIns="91425" tIns="91425" rIns="91425" bIns="91425" anchor="t" anchorCtr="0">
             <a:normAutofit/>
           </a:bodyPr>
           <a:lstStyle>
@@ -4518,15 +4653,19 @@
               <a:defRPr sz="2100"/>
             </a:lvl9pPr>
           </a:lstStyle>
-          <a:p/>
+          <a:p>
+            <a:endParaRPr/>
+          </a:p>
         </p:txBody>
       </p:sp>
       <p:sp>
         <p:nvSpPr>
           <p:cNvPr id="39" name="Google Shape;39;p9"/>
-          <p:cNvSpPr txBox="1"/>
+          <p:cNvSpPr txBox="1">
+            <a:spLocks noGrp="1"/>
+          </p:cNvSpPr>
           <p:nvPr>
-            <p:ph idx="2" type="body"/>
+            <p:ph type="body" idx="2"/>
           </p:nvPr>
         </p:nvSpPr>
         <p:spPr>
@@ -4539,11 +4678,11 @@
           </a:prstGeom>
         </p:spPr>
         <p:txBody>
-          <a:bodyPr anchorCtr="0" anchor="ctr" bIns="91425" lIns="91425" spcFirstLastPara="1" rIns="91425" wrap="square" tIns="91425">
+          <a:bodyPr spcFirstLastPara="1" wrap="square" lIns="91425" tIns="91425" rIns="91425" bIns="91425" anchor="ctr" anchorCtr="0">
             <a:normAutofit/>
           </a:bodyPr>
           <a:lstStyle>
-            <a:lvl1pPr indent="-342900" lvl="0" marL="457200">
+            <a:lvl1pPr marL="457200" lvl="0" indent="-342900">
               <a:spcBef>
                 <a:spcPts val="0"/>
               </a:spcBef>
@@ -4554,7 +4693,7 @@
               <a:buChar char="●"/>
               <a:defRPr/>
             </a:lvl1pPr>
-            <a:lvl2pPr indent="-317500" lvl="1" marL="914400">
+            <a:lvl2pPr marL="914400" lvl="1" indent="-317500">
               <a:spcBef>
                 <a:spcPts val="0"/>
               </a:spcBef>
@@ -4565,7 +4704,7 @@
               <a:buChar char="○"/>
               <a:defRPr/>
             </a:lvl2pPr>
-            <a:lvl3pPr indent="-317500" lvl="2" marL="1371600">
+            <a:lvl3pPr marL="1371600" lvl="2" indent="-317500">
               <a:spcBef>
                 <a:spcPts val="0"/>
               </a:spcBef>
@@ -4576,7 +4715,7 @@
               <a:buChar char="■"/>
               <a:defRPr/>
             </a:lvl3pPr>
-            <a:lvl4pPr indent="-317500" lvl="3" marL="1828800">
+            <a:lvl4pPr marL="1828800" lvl="3" indent="-317500">
               <a:spcBef>
                 <a:spcPts val="0"/>
               </a:spcBef>
@@ -4587,7 +4726,7 @@
               <a:buChar char="●"/>
               <a:defRPr/>
             </a:lvl4pPr>
-            <a:lvl5pPr indent="-317500" lvl="4" marL="2286000">
+            <a:lvl5pPr marL="2286000" lvl="4" indent="-317500">
               <a:spcBef>
                 <a:spcPts val="0"/>
               </a:spcBef>
@@ -4598,7 +4737,7 @@
               <a:buChar char="○"/>
               <a:defRPr/>
             </a:lvl5pPr>
-            <a:lvl6pPr indent="-317500" lvl="5" marL="2743200">
+            <a:lvl6pPr marL="2743200" lvl="5" indent="-317500">
               <a:spcBef>
                 <a:spcPts val="0"/>
               </a:spcBef>
@@ -4609,7 +4748,7 @@
               <a:buChar char="■"/>
               <a:defRPr/>
             </a:lvl6pPr>
-            <a:lvl7pPr indent="-317500" lvl="6" marL="3200400">
+            <a:lvl7pPr marL="3200400" lvl="6" indent="-317500">
               <a:spcBef>
                 <a:spcPts val="0"/>
               </a:spcBef>
@@ -4620,7 +4759,7 @@
               <a:buChar char="●"/>
               <a:defRPr/>
             </a:lvl7pPr>
-            <a:lvl8pPr indent="-317500" lvl="7" marL="3657600">
+            <a:lvl8pPr marL="3657600" lvl="7" indent="-317500">
               <a:spcBef>
                 <a:spcPts val="0"/>
               </a:spcBef>
@@ -4631,7 +4770,7 @@
               <a:buChar char="○"/>
               <a:defRPr/>
             </a:lvl8pPr>
-            <a:lvl9pPr indent="-317500" lvl="8" marL="4114800">
+            <a:lvl9pPr marL="4114800" lvl="8" indent="-317500">
               <a:spcBef>
                 <a:spcPts val="0"/>
               </a:spcBef>
@@ -4643,15 +4782,19 @@
               <a:defRPr/>
             </a:lvl9pPr>
           </a:lstStyle>
-          <a:p/>
+          <a:p>
+            <a:endParaRPr/>
+          </a:p>
         </p:txBody>
       </p:sp>
       <p:sp>
         <p:nvSpPr>
           <p:cNvPr id="40" name="Google Shape;40;p9"/>
-          <p:cNvSpPr txBox="1"/>
+          <p:cNvSpPr txBox="1">
+            <a:spLocks noGrp="1"/>
+          </p:cNvSpPr>
           <p:nvPr>
-            <p:ph idx="12" type="sldNum"/>
+            <p:ph type="sldNum" idx="12"/>
           </p:nvPr>
         </p:nvSpPr>
         <p:spPr>
@@ -4664,7 +4807,7 @@
           </a:prstGeom>
         </p:spPr>
         <p:txBody>
-          <a:bodyPr anchorCtr="0" anchor="ctr" bIns="91425" lIns="91425" spcFirstLastPara="1" rIns="91425" wrap="square" tIns="91425">
+          <a:bodyPr spcFirstLastPara="1" wrap="square" lIns="91425" tIns="91425" rIns="91425" bIns="91425" anchor="ctr" anchorCtr="0">
             <a:normAutofit/>
           </a:bodyPr>
           <a:lstStyle>
@@ -4706,7 +4849,7 @@
             </a:lvl9pPr>
           </a:lstStyle>
           <a:p>
-            <a:pPr indent="0" lvl="0" marL="0" rtl="0" algn="r">
+            <a:pPr marL="0" lvl="0" indent="0" algn="r" rtl="0">
               <a:spcBef>
                 <a:spcPts val="0"/>
               </a:spcBef>
@@ -4732,11 +4875,11 @@
 </file>
 
 <file path=ppt/slideLayouts/slideLayout9.xml><?xml version="1.0" encoding="utf-8"?>
-<p:sldLayout xmlns:a="http://schemas.openxmlformats.org/drawingml/2006/main" xmlns:r="http://schemas.openxmlformats.org/officeDocument/2006/relationships" xmlns:mc="http://schemas.openxmlformats.org/markup-compatibility/2006" xmlns:mv="urn:schemas-microsoft-com:mac:vml" xmlns:p="http://schemas.openxmlformats.org/presentationml/2006/main" xmlns:c="http://schemas.openxmlformats.org/drawingml/2006/chart" xmlns:dgm="http://schemas.openxmlformats.org/drawingml/2006/diagram" xmlns:o="urn:schemas-microsoft-com:office:office" xmlns:v="urn:schemas-microsoft-com:vml" xmlns:pvml="urn:schemas-microsoft-com:office:powerpoint" xmlns:com="http://schemas.openxmlformats.org/drawingml/2006/compatibility" xmlns:p14="http://schemas.microsoft.com/office/powerpoint/2010/main" xmlns:p15="http://schemas.microsoft.com/office/powerpoint/2012/main" xmlns:ahyp="http://schemas.microsoft.com/office/drawing/2018/hyperlinkcolor" matchingName="Caption">
+<p:sldLayout xmlns:a="http://schemas.openxmlformats.org/drawingml/2006/main" xmlns:r="http://schemas.openxmlformats.org/officeDocument/2006/relationships" xmlns:p="http://schemas.openxmlformats.org/presentationml/2006/main" matchingName="Caption">
   <p:cSld name="CAPTION_ONLY">
     <p:spTree>
       <p:nvGrpSpPr>
-        <p:cNvPr id="41" name="Shape 41"/>
+        <p:cNvPr id="1" name="Shape 41"/>
         <p:cNvGrpSpPr/>
         <p:nvPr/>
       </p:nvGrpSpPr>
@@ -4751,9 +4894,11 @@
       <p:sp>
         <p:nvSpPr>
           <p:cNvPr id="42" name="Google Shape;42;p10"/>
-          <p:cNvSpPr txBox="1"/>
+          <p:cNvSpPr txBox="1">
+            <a:spLocks noGrp="1"/>
+          </p:cNvSpPr>
           <p:nvPr>
-            <p:ph idx="1" type="body"/>
+            <p:ph type="body" idx="1"/>
           </p:nvPr>
         </p:nvSpPr>
         <p:spPr>
@@ -4766,11 +4911,11 @@
           </a:prstGeom>
         </p:spPr>
         <p:txBody>
-          <a:bodyPr anchorCtr="0" anchor="ctr" bIns="91425" lIns="91425" spcFirstLastPara="1" rIns="91425" wrap="square" tIns="91425">
+          <a:bodyPr spcFirstLastPara="1" wrap="square" lIns="91425" tIns="91425" rIns="91425" bIns="91425" anchor="ctr" anchorCtr="0">
             <a:normAutofit/>
           </a:bodyPr>
           <a:lstStyle>
-            <a:lvl1pPr indent="-228600" lvl="0" marL="457200">
+            <a:lvl1pPr marL="457200" lvl="0" indent="-228600">
               <a:lnSpc>
                 <a:spcPct val="100000"/>
               </a:lnSpc>
@@ -4785,15 +4930,19 @@
               <a:defRPr/>
             </a:lvl1pPr>
           </a:lstStyle>
-          <a:p/>
+          <a:p>
+            <a:endParaRPr/>
+          </a:p>
         </p:txBody>
       </p:sp>
       <p:sp>
         <p:nvSpPr>
           <p:cNvPr id="43" name="Google Shape;43;p10"/>
-          <p:cNvSpPr txBox="1"/>
+          <p:cNvSpPr txBox="1">
+            <a:spLocks noGrp="1"/>
+          </p:cNvSpPr>
           <p:nvPr>
-            <p:ph idx="12" type="sldNum"/>
+            <p:ph type="sldNum" idx="12"/>
           </p:nvPr>
         </p:nvSpPr>
         <p:spPr>
@@ -4806,7 +4955,7 @@
           </a:prstGeom>
         </p:spPr>
         <p:txBody>
-          <a:bodyPr anchorCtr="0" anchor="ctr" bIns="91425" lIns="91425" spcFirstLastPara="1" rIns="91425" wrap="square" tIns="91425">
+          <a:bodyPr spcFirstLastPara="1" wrap="square" lIns="91425" tIns="91425" rIns="91425" bIns="91425" anchor="ctr" anchorCtr="0">
             <a:normAutofit/>
           </a:bodyPr>
           <a:lstStyle>
@@ -4848,7 +4997,7 @@
             </a:lvl9pPr>
           </a:lstStyle>
           <a:p>
-            <a:pPr indent="0" lvl="0" marL="0" rtl="0" algn="r">
+            <a:pPr marL="0" lvl="0" indent="0" algn="r" rtl="0">
               <a:spcBef>
                 <a:spcPts val="0"/>
               </a:spcBef>
@@ -4874,18 +5023,19 @@
 </file>
 
 <file path=ppt/slideMasters/slideMaster1.xml><?xml version="1.0" encoding="utf-8"?>
-<p:sldMaster xmlns:a="http://schemas.openxmlformats.org/drawingml/2006/main" xmlns:r="http://schemas.openxmlformats.org/officeDocument/2006/relationships" xmlns:mc="http://schemas.openxmlformats.org/markup-compatibility/2006" xmlns:mv="urn:schemas-microsoft-com:mac:vml" xmlns:p="http://schemas.openxmlformats.org/presentationml/2006/main" xmlns:c="http://schemas.openxmlformats.org/drawingml/2006/chart" xmlns:dgm="http://schemas.openxmlformats.org/drawingml/2006/diagram" xmlns:o="urn:schemas-microsoft-com:office:office" xmlns:v="urn:schemas-microsoft-com:vml" xmlns:pvml="urn:schemas-microsoft-com:office:powerpoint" xmlns:com="http://schemas.openxmlformats.org/drawingml/2006/compatibility" xmlns:p14="http://schemas.microsoft.com/office/powerpoint/2010/main" xmlns:p15="http://schemas.microsoft.com/office/powerpoint/2012/main" xmlns:ahyp="http://schemas.microsoft.com/office/drawing/2018/hyperlinkcolor">
+<p:sldMaster xmlns:a="http://schemas.openxmlformats.org/drawingml/2006/main" xmlns:r="http://schemas.openxmlformats.org/officeDocument/2006/relationships" xmlns:p="http://schemas.openxmlformats.org/presentationml/2006/main">
   <p:cSld name="simple-light-2">
     <p:bg>
       <p:bgPr>
         <a:solidFill>
           <a:schemeClr val="lt1"/>
         </a:solidFill>
+        <a:effectLst/>
       </p:bgPr>
     </p:bg>
     <p:spTree>
       <p:nvGrpSpPr>
-        <p:cNvPr id="5" name="Shape 5"/>
+        <p:cNvPr id="1" name="Shape 5"/>
         <p:cNvGrpSpPr/>
         <p:nvPr/>
       </p:nvGrpSpPr>
@@ -4900,7 +5050,9 @@
       <p:sp>
         <p:nvSpPr>
           <p:cNvPr id="6" name="Google Shape;6;p1"/>
-          <p:cNvSpPr txBox="1"/>
+          <p:cNvSpPr txBox="1">
+            <a:spLocks noGrp="1"/>
+          </p:cNvSpPr>
           <p:nvPr>
             <p:ph type="title"/>
           </p:nvPr>
@@ -4919,7 +5071,7 @@
           </a:ln>
         </p:spPr>
         <p:txBody>
-          <a:bodyPr anchorCtr="0" anchor="t" bIns="91425" lIns="91425" spcFirstLastPara="1" rIns="91425" wrap="square" tIns="91425">
+          <a:bodyPr spcFirstLastPara="1" wrap="square" lIns="91425" tIns="91425" rIns="91425" bIns="91425" anchor="t" anchorCtr="0">
             <a:normAutofit/>
           </a:bodyPr>
           <a:lstStyle>
@@ -5086,15 +5238,19 @@
               </a:defRPr>
             </a:lvl9pPr>
           </a:lstStyle>
-          <a:p/>
+          <a:p>
+            <a:endParaRPr/>
+          </a:p>
         </p:txBody>
       </p:sp>
       <p:sp>
         <p:nvSpPr>
           <p:cNvPr id="7" name="Google Shape;7;p1"/>
-          <p:cNvSpPr txBox="1"/>
+          <p:cNvSpPr txBox="1">
+            <a:spLocks noGrp="1"/>
+          </p:cNvSpPr>
           <p:nvPr>
-            <p:ph idx="1" type="body"/>
+            <p:ph type="body" idx="1"/>
           </p:nvPr>
         </p:nvSpPr>
         <p:spPr>
@@ -5111,11 +5267,11 @@
           </a:ln>
         </p:spPr>
         <p:txBody>
-          <a:bodyPr anchorCtr="0" anchor="t" bIns="91425" lIns="91425" spcFirstLastPara="1" rIns="91425" wrap="square" tIns="91425">
+          <a:bodyPr spcFirstLastPara="1" wrap="square" lIns="91425" tIns="91425" rIns="91425" bIns="91425" anchor="t" anchorCtr="0">
             <a:normAutofit/>
           </a:bodyPr>
           <a:lstStyle>
-            <a:lvl1pPr indent="-342900" lvl="0" marL="457200">
+            <a:lvl1pPr marL="457200" lvl="0" indent="-342900">
               <a:lnSpc>
                 <a:spcPct val="115000"/>
               </a:lnSpc>
@@ -5136,7 +5292,7 @@
                 </a:solidFill>
               </a:defRPr>
             </a:lvl1pPr>
-            <a:lvl2pPr indent="-317500" lvl="1" marL="914400">
+            <a:lvl2pPr marL="914400" lvl="1" indent="-317500">
               <a:lnSpc>
                 <a:spcPct val="115000"/>
               </a:lnSpc>
@@ -5157,7 +5313,7 @@
                 </a:solidFill>
               </a:defRPr>
             </a:lvl2pPr>
-            <a:lvl3pPr indent="-317500" lvl="2" marL="1371600">
+            <a:lvl3pPr marL="1371600" lvl="2" indent="-317500">
               <a:lnSpc>
                 <a:spcPct val="115000"/>
               </a:lnSpc>
@@ -5178,7 +5334,7 @@
                 </a:solidFill>
               </a:defRPr>
             </a:lvl3pPr>
-            <a:lvl4pPr indent="-317500" lvl="3" marL="1828800">
+            <a:lvl4pPr marL="1828800" lvl="3" indent="-317500">
               <a:lnSpc>
                 <a:spcPct val="115000"/>
               </a:lnSpc>
@@ -5199,7 +5355,7 @@
                 </a:solidFill>
               </a:defRPr>
             </a:lvl4pPr>
-            <a:lvl5pPr indent="-317500" lvl="4" marL="2286000">
+            <a:lvl5pPr marL="2286000" lvl="4" indent="-317500">
               <a:lnSpc>
                 <a:spcPct val="115000"/>
               </a:lnSpc>
@@ -5220,7 +5376,7 @@
                 </a:solidFill>
               </a:defRPr>
             </a:lvl5pPr>
-            <a:lvl6pPr indent="-317500" lvl="5" marL="2743200">
+            <a:lvl6pPr marL="2743200" lvl="5" indent="-317500">
               <a:lnSpc>
                 <a:spcPct val="115000"/>
               </a:lnSpc>
@@ -5241,7 +5397,7 @@
                 </a:solidFill>
               </a:defRPr>
             </a:lvl6pPr>
-            <a:lvl7pPr indent="-317500" lvl="6" marL="3200400">
+            <a:lvl7pPr marL="3200400" lvl="6" indent="-317500">
               <a:lnSpc>
                 <a:spcPct val="115000"/>
               </a:lnSpc>
@@ -5262,7 +5418,7 @@
                 </a:solidFill>
               </a:defRPr>
             </a:lvl7pPr>
-            <a:lvl8pPr indent="-317500" lvl="7" marL="3657600">
+            <a:lvl8pPr marL="3657600" lvl="7" indent="-317500">
               <a:lnSpc>
                 <a:spcPct val="115000"/>
               </a:lnSpc>
@@ -5283,7 +5439,7 @@
                 </a:solidFill>
               </a:defRPr>
             </a:lvl8pPr>
-            <a:lvl9pPr indent="-317500" lvl="8" marL="4114800">
+            <a:lvl9pPr marL="4114800" lvl="8" indent="-317500">
               <a:lnSpc>
                 <a:spcPct val="115000"/>
               </a:lnSpc>
@@ -5305,15 +5461,19 @@
               </a:defRPr>
             </a:lvl9pPr>
           </a:lstStyle>
-          <a:p/>
+          <a:p>
+            <a:endParaRPr/>
+          </a:p>
         </p:txBody>
       </p:sp>
       <p:sp>
         <p:nvSpPr>
           <p:cNvPr id="8" name="Google Shape;8;p1"/>
-          <p:cNvSpPr txBox="1"/>
+          <p:cNvSpPr txBox="1">
+            <a:spLocks noGrp="1"/>
+          </p:cNvSpPr>
           <p:nvPr>
-            <p:ph idx="12" type="sldNum"/>
+            <p:ph type="sldNum" idx="12"/>
           </p:nvPr>
         </p:nvSpPr>
         <p:spPr>
@@ -5330,7 +5490,7 @@
           </a:ln>
         </p:spPr>
         <p:txBody>
-          <a:bodyPr anchorCtr="0" anchor="ctr" bIns="91425" lIns="91425" spcFirstLastPara="1" rIns="91425" wrap="square" tIns="91425">
+          <a:bodyPr spcFirstLastPara="1" wrap="square" lIns="91425" tIns="91425" rIns="91425" bIns="91425" anchor="ctr" anchorCtr="0">
             <a:normAutofit/>
           </a:bodyPr>
           <a:lstStyle>
@@ -5408,7 +5568,7 @@
             </a:lvl9pPr>
           </a:lstStyle>
           <a:p>
-            <a:pPr indent="0" lvl="0" marL="0" rtl="0" algn="r">
+            <a:pPr marL="0" lvl="0" indent="0" algn="r" rtl="0">
               <a:spcBef>
                 <a:spcPts val="0"/>
               </a:spcBef>
@@ -5427,7 +5587,7 @@
       </p:sp>
     </p:spTree>
   </p:cSld>
-  <p:clrMap accent1="accent1" accent2="accent2" accent3="accent3" accent4="accent4" accent5="accent5" accent6="accent6" bg1="lt1" bg2="dk2" tx1="dk1" tx2="lt2" folHlink="folHlink" hlink="hlink"/>
+  <p:clrMap bg1="lt1" tx1="dk1" bg2="dk2" tx2="lt2" accent1="accent1" accent2="accent2" accent3="accent3" accent4="accent4" accent5="accent5" accent6="accent6" hlink="hlink" folHlink="folHlink"/>
   <p:sldLayoutIdLst>
     <p:sldLayoutId id="2147483648" r:id="rId1"/>
     <p:sldLayoutId id="2147483649" r:id="rId2"/>
@@ -5441,10 +5601,10 @@
     <p:sldLayoutId id="2147483657" r:id="rId10"/>
     <p:sldLayoutId id="2147483658" r:id="rId11"/>
   </p:sldLayoutIdLst>
-  <p:hf dt="0" ftr="0" hdr="0" sldNum="0"/>
+  <p:hf sldNum="0" hdr="0" ftr="0" dt="0"/>
   <p:txStyles>
     <p:titleStyle>
-      <a:defPPr lvl="0" marR="0" rtl="0" algn="l">
+      <a:defPPr marR="0" lvl="0" algn="l" rtl="0">
         <a:lnSpc>
           <a:spcPct val="100000"/>
         </a:lnSpc>
@@ -5455,7 +5615,7 @@
           <a:spcPts val="0"/>
         </a:spcAft>
       </a:defPPr>
-      <a:lvl1pPr lvl="0" marR="0" rtl="0" algn="l">
+      <a:lvl1pPr marR="0" lvl="0" algn="l" rtl="0">
         <a:lnSpc>
           <a:spcPct val="100000"/>
         </a:lnSpc>
@@ -5469,7 +5629,7 @@
           <a:srgbClr val="000000"/>
         </a:buClr>
         <a:buFont typeface="Arial"/>
-        <a:defRPr b="0" i="0" sz="1400" u="none" cap="none" strike="noStrike">
+        <a:defRPr sz="1400" b="0" i="0" u="none" strike="noStrike" cap="none">
           <a:solidFill>
             <a:srgbClr val="000000"/>
           </a:solidFill>
@@ -5479,7 +5639,7 @@
           <a:sym typeface="Arial"/>
         </a:defRPr>
       </a:lvl1pPr>
-      <a:lvl2pPr lvl="1" marR="0" rtl="0" algn="l">
+      <a:lvl2pPr marR="0" lvl="1" algn="l" rtl="0">
         <a:lnSpc>
           <a:spcPct val="100000"/>
         </a:lnSpc>
@@ -5493,7 +5653,7 @@
           <a:srgbClr val="000000"/>
         </a:buClr>
         <a:buFont typeface="Arial"/>
-        <a:defRPr b="0" i="0" sz="1400" u="none" cap="none" strike="noStrike">
+        <a:defRPr sz="1400" b="0" i="0" u="none" strike="noStrike" cap="none">
           <a:solidFill>
             <a:srgbClr val="000000"/>
           </a:solidFill>
@@ -5503,7 +5663,7 @@
           <a:sym typeface="Arial"/>
         </a:defRPr>
       </a:lvl2pPr>
-      <a:lvl3pPr lvl="2" marR="0" rtl="0" algn="l">
+      <a:lvl3pPr marR="0" lvl="2" algn="l" rtl="0">
         <a:lnSpc>
           <a:spcPct val="100000"/>
         </a:lnSpc>
@@ -5517,7 +5677,7 @@
           <a:srgbClr val="000000"/>
         </a:buClr>
         <a:buFont typeface="Arial"/>
-        <a:defRPr b="0" i="0" sz="1400" u="none" cap="none" strike="noStrike">
+        <a:defRPr sz="1400" b="0" i="0" u="none" strike="noStrike" cap="none">
           <a:solidFill>
             <a:srgbClr val="000000"/>
           </a:solidFill>
@@ -5527,7 +5687,7 @@
           <a:sym typeface="Arial"/>
         </a:defRPr>
       </a:lvl3pPr>
-      <a:lvl4pPr lvl="3" marR="0" rtl="0" algn="l">
+      <a:lvl4pPr marR="0" lvl="3" algn="l" rtl="0">
         <a:lnSpc>
           <a:spcPct val="100000"/>
         </a:lnSpc>
@@ -5541,7 +5701,7 @@
           <a:srgbClr val="000000"/>
         </a:buClr>
         <a:buFont typeface="Arial"/>
-        <a:defRPr b="0" i="0" sz="1400" u="none" cap="none" strike="noStrike">
+        <a:defRPr sz="1400" b="0" i="0" u="none" strike="noStrike" cap="none">
           <a:solidFill>
             <a:srgbClr val="000000"/>
           </a:solidFill>
@@ -5551,7 +5711,7 @@
           <a:sym typeface="Arial"/>
         </a:defRPr>
       </a:lvl4pPr>
-      <a:lvl5pPr lvl="4" marR="0" rtl="0" algn="l">
+      <a:lvl5pPr marR="0" lvl="4" algn="l" rtl="0">
         <a:lnSpc>
           <a:spcPct val="100000"/>
         </a:lnSpc>
@@ -5565,7 +5725,7 @@
           <a:srgbClr val="000000"/>
         </a:buClr>
         <a:buFont typeface="Arial"/>
-        <a:defRPr b="0" i="0" sz="1400" u="none" cap="none" strike="noStrike">
+        <a:defRPr sz="1400" b="0" i="0" u="none" strike="noStrike" cap="none">
           <a:solidFill>
             <a:srgbClr val="000000"/>
           </a:solidFill>
@@ -5575,7 +5735,7 @@
           <a:sym typeface="Arial"/>
         </a:defRPr>
       </a:lvl5pPr>
-      <a:lvl6pPr lvl="5" marR="0" rtl="0" algn="l">
+      <a:lvl6pPr marR="0" lvl="5" algn="l" rtl="0">
         <a:lnSpc>
           <a:spcPct val="100000"/>
         </a:lnSpc>
@@ -5589,7 +5749,7 @@
           <a:srgbClr val="000000"/>
         </a:buClr>
         <a:buFont typeface="Arial"/>
-        <a:defRPr b="0" i="0" sz="1400" u="none" cap="none" strike="noStrike">
+        <a:defRPr sz="1400" b="0" i="0" u="none" strike="noStrike" cap="none">
           <a:solidFill>
             <a:srgbClr val="000000"/>
           </a:solidFill>
@@ -5599,7 +5759,7 @@
           <a:sym typeface="Arial"/>
         </a:defRPr>
       </a:lvl6pPr>
-      <a:lvl7pPr lvl="6" marR="0" rtl="0" algn="l">
+      <a:lvl7pPr marR="0" lvl="6" algn="l" rtl="0">
         <a:lnSpc>
           <a:spcPct val="100000"/>
         </a:lnSpc>
@@ -5613,7 +5773,7 @@
           <a:srgbClr val="000000"/>
         </a:buClr>
         <a:buFont typeface="Arial"/>
-        <a:defRPr b="0" i="0" sz="1400" u="none" cap="none" strike="noStrike">
+        <a:defRPr sz="1400" b="0" i="0" u="none" strike="noStrike" cap="none">
           <a:solidFill>
             <a:srgbClr val="000000"/>
           </a:solidFill>
@@ -5623,7 +5783,7 @@
           <a:sym typeface="Arial"/>
         </a:defRPr>
       </a:lvl7pPr>
-      <a:lvl8pPr lvl="7" marR="0" rtl="0" algn="l">
+      <a:lvl8pPr marR="0" lvl="7" algn="l" rtl="0">
         <a:lnSpc>
           <a:spcPct val="100000"/>
         </a:lnSpc>
@@ -5637,7 +5797,7 @@
           <a:srgbClr val="000000"/>
         </a:buClr>
         <a:buFont typeface="Arial"/>
-        <a:defRPr b="0" i="0" sz="1400" u="none" cap="none" strike="noStrike">
+        <a:defRPr sz="1400" b="0" i="0" u="none" strike="noStrike" cap="none">
           <a:solidFill>
             <a:srgbClr val="000000"/>
           </a:solidFill>
@@ -5647,7 +5807,7 @@
           <a:sym typeface="Arial"/>
         </a:defRPr>
       </a:lvl8pPr>
-      <a:lvl9pPr lvl="8" marR="0" rtl="0" algn="l">
+      <a:lvl9pPr marR="0" lvl="8" algn="l" rtl="0">
         <a:lnSpc>
           <a:spcPct val="100000"/>
         </a:lnSpc>
@@ -5661,7 +5821,7 @@
           <a:srgbClr val="000000"/>
         </a:buClr>
         <a:buFont typeface="Arial"/>
-        <a:defRPr b="0" i="0" sz="1400" u="none" cap="none" strike="noStrike">
+        <a:defRPr sz="1400" b="0" i="0" u="none" strike="noStrike" cap="none">
           <a:solidFill>
             <a:srgbClr val="000000"/>
           </a:solidFill>
@@ -5673,7 +5833,7 @@
       </a:lvl9pPr>
     </p:titleStyle>
     <p:bodyStyle>
-      <a:defPPr lvl="0" marR="0" rtl="0" algn="l">
+      <a:defPPr marR="0" lvl="0" algn="l" rtl="0">
         <a:lnSpc>
           <a:spcPct val="100000"/>
         </a:lnSpc>
@@ -5684,7 +5844,7 @@
           <a:spcPts val="0"/>
         </a:spcAft>
       </a:defPPr>
-      <a:lvl1pPr lvl="0" marR="0" rtl="0" algn="l">
+      <a:lvl1pPr marR="0" lvl="0" algn="l" rtl="0">
         <a:lnSpc>
           <a:spcPct val="100000"/>
         </a:lnSpc>
@@ -5698,7 +5858,7 @@
           <a:srgbClr val="000000"/>
         </a:buClr>
         <a:buFont typeface="Arial"/>
-        <a:defRPr b="0" i="0" sz="1400" u="none" cap="none" strike="noStrike">
+        <a:defRPr sz="1400" b="0" i="0" u="none" strike="noStrike" cap="none">
           <a:solidFill>
             <a:srgbClr val="000000"/>
           </a:solidFill>
@@ -5708,7 +5868,7 @@
           <a:sym typeface="Arial"/>
         </a:defRPr>
       </a:lvl1pPr>
-      <a:lvl2pPr lvl="1" marR="0" rtl="0" algn="l">
+      <a:lvl2pPr marR="0" lvl="1" algn="l" rtl="0">
         <a:lnSpc>
           <a:spcPct val="100000"/>
         </a:lnSpc>
@@ -5722,7 +5882,7 @@
           <a:srgbClr val="000000"/>
         </a:buClr>
         <a:buFont typeface="Arial"/>
-        <a:defRPr b="0" i="0" sz="1400" u="none" cap="none" strike="noStrike">
+        <a:defRPr sz="1400" b="0" i="0" u="none" strike="noStrike" cap="none">
           <a:solidFill>
             <a:srgbClr val="000000"/>
           </a:solidFill>
@@ -5732,7 +5892,7 @@
           <a:sym typeface="Arial"/>
         </a:defRPr>
       </a:lvl2pPr>
-      <a:lvl3pPr lvl="2" marR="0" rtl="0" algn="l">
+      <a:lvl3pPr marR="0" lvl="2" algn="l" rtl="0">
         <a:lnSpc>
           <a:spcPct val="100000"/>
         </a:lnSpc>
@@ -5746,7 +5906,7 @@
           <a:srgbClr val="000000"/>
         </a:buClr>
         <a:buFont typeface="Arial"/>
-        <a:defRPr b="0" i="0" sz="1400" u="none" cap="none" strike="noStrike">
+        <a:defRPr sz="1400" b="0" i="0" u="none" strike="noStrike" cap="none">
           <a:solidFill>
             <a:srgbClr val="000000"/>
           </a:solidFill>
@@ -5756,7 +5916,7 @@
           <a:sym typeface="Arial"/>
         </a:defRPr>
       </a:lvl3pPr>
-      <a:lvl4pPr lvl="3" marR="0" rtl="0" algn="l">
+      <a:lvl4pPr marR="0" lvl="3" algn="l" rtl="0">
         <a:lnSpc>
           <a:spcPct val="100000"/>
         </a:lnSpc>
@@ -5770,7 +5930,7 @@
           <a:srgbClr val="000000"/>
         </a:buClr>
         <a:buFont typeface="Arial"/>
-        <a:defRPr b="0" i="0" sz="1400" u="none" cap="none" strike="noStrike">
+        <a:defRPr sz="1400" b="0" i="0" u="none" strike="noStrike" cap="none">
           <a:solidFill>
             <a:srgbClr val="000000"/>
           </a:solidFill>
@@ -5780,7 +5940,7 @@
           <a:sym typeface="Arial"/>
         </a:defRPr>
       </a:lvl4pPr>
-      <a:lvl5pPr lvl="4" marR="0" rtl="0" algn="l">
+      <a:lvl5pPr marR="0" lvl="4" algn="l" rtl="0">
         <a:lnSpc>
           <a:spcPct val="100000"/>
         </a:lnSpc>
@@ -5794,7 +5954,7 @@
           <a:srgbClr val="000000"/>
         </a:buClr>
         <a:buFont typeface="Arial"/>
-        <a:defRPr b="0" i="0" sz="1400" u="none" cap="none" strike="noStrike">
+        <a:defRPr sz="1400" b="0" i="0" u="none" strike="noStrike" cap="none">
           <a:solidFill>
             <a:srgbClr val="000000"/>
           </a:solidFill>
@@ -5804,7 +5964,7 @@
           <a:sym typeface="Arial"/>
         </a:defRPr>
       </a:lvl5pPr>
-      <a:lvl6pPr lvl="5" marR="0" rtl="0" algn="l">
+      <a:lvl6pPr marR="0" lvl="5" algn="l" rtl="0">
         <a:lnSpc>
           <a:spcPct val="100000"/>
         </a:lnSpc>
@@ -5818,7 +5978,7 @@
           <a:srgbClr val="000000"/>
         </a:buClr>
         <a:buFont typeface="Arial"/>
-        <a:defRPr b="0" i="0" sz="1400" u="none" cap="none" strike="noStrike">
+        <a:defRPr sz="1400" b="0" i="0" u="none" strike="noStrike" cap="none">
           <a:solidFill>
             <a:srgbClr val="000000"/>
           </a:solidFill>
@@ -5828,7 +5988,7 @@
           <a:sym typeface="Arial"/>
         </a:defRPr>
       </a:lvl6pPr>
-      <a:lvl7pPr lvl="6" marR="0" rtl="0" algn="l">
+      <a:lvl7pPr marR="0" lvl="6" algn="l" rtl="0">
         <a:lnSpc>
           <a:spcPct val="100000"/>
         </a:lnSpc>
@@ -5842,7 +6002,7 @@
           <a:srgbClr val="000000"/>
         </a:buClr>
         <a:buFont typeface="Arial"/>
-        <a:defRPr b="0" i="0" sz="1400" u="none" cap="none" strike="noStrike">
+        <a:defRPr sz="1400" b="0" i="0" u="none" strike="noStrike" cap="none">
           <a:solidFill>
             <a:srgbClr val="000000"/>
           </a:solidFill>
@@ -5852,7 +6012,7 @@
           <a:sym typeface="Arial"/>
         </a:defRPr>
       </a:lvl7pPr>
-      <a:lvl8pPr lvl="7" marR="0" rtl="0" algn="l">
+      <a:lvl8pPr marR="0" lvl="7" algn="l" rtl="0">
         <a:lnSpc>
           <a:spcPct val="100000"/>
         </a:lnSpc>
@@ -5866,7 +6026,7 @@
           <a:srgbClr val="000000"/>
         </a:buClr>
         <a:buFont typeface="Arial"/>
-        <a:defRPr b="0" i="0" sz="1400" u="none" cap="none" strike="noStrike">
+        <a:defRPr sz="1400" b="0" i="0" u="none" strike="noStrike" cap="none">
           <a:solidFill>
             <a:srgbClr val="000000"/>
           </a:solidFill>
@@ -5876,7 +6036,7 @@
           <a:sym typeface="Arial"/>
         </a:defRPr>
       </a:lvl8pPr>
-      <a:lvl9pPr lvl="8" marR="0" rtl="0" algn="l">
+      <a:lvl9pPr marR="0" lvl="8" algn="l" rtl="0">
         <a:lnSpc>
           <a:spcPct val="100000"/>
         </a:lnSpc>
@@ -5890,7 +6050,7 @@
           <a:srgbClr val="000000"/>
         </a:buClr>
         <a:buFont typeface="Arial"/>
-        <a:defRPr b="0" i="0" sz="1400" u="none" cap="none" strike="noStrike">
+        <a:defRPr sz="1400" b="0" i="0" u="none" strike="noStrike" cap="none">
           <a:solidFill>
             <a:srgbClr val="000000"/>
           </a:solidFill>
@@ -5902,7 +6062,7 @@
       </a:lvl9pPr>
     </p:bodyStyle>
     <p:otherStyle>
-      <a:defPPr lvl="0" marR="0" rtl="0" algn="l">
+      <a:defPPr marR="0" lvl="0" algn="l" rtl="0">
         <a:lnSpc>
           <a:spcPct val="100000"/>
         </a:lnSpc>
@@ -5913,7 +6073,7 @@
           <a:spcPts val="0"/>
         </a:spcAft>
       </a:defPPr>
-      <a:lvl1pPr lvl="0" marR="0" rtl="0" algn="l">
+      <a:lvl1pPr marR="0" lvl="0" algn="l" rtl="0">
         <a:lnSpc>
           <a:spcPct val="100000"/>
         </a:lnSpc>
@@ -5927,7 +6087,7 @@
           <a:srgbClr val="000000"/>
         </a:buClr>
         <a:buFont typeface="Arial"/>
-        <a:defRPr b="0" i="0" sz="1400" u="none" cap="none" strike="noStrike">
+        <a:defRPr sz="1400" b="0" i="0" u="none" strike="noStrike" cap="none">
           <a:solidFill>
             <a:srgbClr val="000000"/>
           </a:solidFill>
@@ -5937,7 +6097,7 @@
           <a:sym typeface="Arial"/>
         </a:defRPr>
       </a:lvl1pPr>
-      <a:lvl2pPr lvl="1" marR="0" rtl="0" algn="l">
+      <a:lvl2pPr marR="0" lvl="1" algn="l" rtl="0">
         <a:lnSpc>
           <a:spcPct val="100000"/>
         </a:lnSpc>
@@ -5951,7 +6111,7 @@
           <a:srgbClr val="000000"/>
         </a:buClr>
         <a:buFont typeface="Arial"/>
-        <a:defRPr b="0" i="0" sz="1400" u="none" cap="none" strike="noStrike">
+        <a:defRPr sz="1400" b="0" i="0" u="none" strike="noStrike" cap="none">
           <a:solidFill>
             <a:srgbClr val="000000"/>
           </a:solidFill>
@@ -5961,7 +6121,7 @@
           <a:sym typeface="Arial"/>
         </a:defRPr>
       </a:lvl2pPr>
-      <a:lvl3pPr lvl="2" marR="0" rtl="0" algn="l">
+      <a:lvl3pPr marR="0" lvl="2" algn="l" rtl="0">
         <a:lnSpc>
           <a:spcPct val="100000"/>
         </a:lnSpc>
@@ -5975,7 +6135,7 @@
           <a:srgbClr val="000000"/>
         </a:buClr>
         <a:buFont typeface="Arial"/>
-        <a:defRPr b="0" i="0" sz="1400" u="none" cap="none" strike="noStrike">
+        <a:defRPr sz="1400" b="0" i="0" u="none" strike="noStrike" cap="none">
           <a:solidFill>
             <a:srgbClr val="000000"/>
           </a:solidFill>
@@ -5985,7 +6145,7 @@
           <a:sym typeface="Arial"/>
         </a:defRPr>
       </a:lvl3pPr>
-      <a:lvl4pPr lvl="3" marR="0" rtl="0" algn="l">
+      <a:lvl4pPr marR="0" lvl="3" algn="l" rtl="0">
         <a:lnSpc>
           <a:spcPct val="100000"/>
         </a:lnSpc>
@@ -5999,7 +6159,7 @@
           <a:srgbClr val="000000"/>
         </a:buClr>
         <a:buFont typeface="Arial"/>
-        <a:defRPr b="0" i="0" sz="1400" u="none" cap="none" strike="noStrike">
+        <a:defRPr sz="1400" b="0" i="0" u="none" strike="noStrike" cap="none">
           <a:solidFill>
             <a:srgbClr val="000000"/>
           </a:solidFill>
@@ -6009,7 +6169,7 @@
           <a:sym typeface="Arial"/>
         </a:defRPr>
       </a:lvl4pPr>
-      <a:lvl5pPr lvl="4" marR="0" rtl="0" algn="l">
+      <a:lvl5pPr marR="0" lvl="4" algn="l" rtl="0">
         <a:lnSpc>
           <a:spcPct val="100000"/>
         </a:lnSpc>
@@ -6023,7 +6183,7 @@
           <a:srgbClr val="000000"/>
         </a:buClr>
         <a:buFont typeface="Arial"/>
-        <a:defRPr b="0" i="0" sz="1400" u="none" cap="none" strike="noStrike">
+        <a:defRPr sz="1400" b="0" i="0" u="none" strike="noStrike" cap="none">
           <a:solidFill>
             <a:srgbClr val="000000"/>
           </a:solidFill>
@@ -6033,7 +6193,7 @@
           <a:sym typeface="Arial"/>
         </a:defRPr>
       </a:lvl5pPr>
-      <a:lvl6pPr lvl="5" marR="0" rtl="0" algn="l">
+      <a:lvl6pPr marR="0" lvl="5" algn="l" rtl="0">
         <a:lnSpc>
           <a:spcPct val="100000"/>
         </a:lnSpc>
@@ -6047,7 +6207,7 @@
           <a:srgbClr val="000000"/>
         </a:buClr>
         <a:buFont typeface="Arial"/>
-        <a:defRPr b="0" i="0" sz="1400" u="none" cap="none" strike="noStrike">
+        <a:defRPr sz="1400" b="0" i="0" u="none" strike="noStrike" cap="none">
           <a:solidFill>
             <a:srgbClr val="000000"/>
           </a:solidFill>
@@ -6057,7 +6217,7 @@
           <a:sym typeface="Arial"/>
         </a:defRPr>
       </a:lvl6pPr>
-      <a:lvl7pPr lvl="6" marR="0" rtl="0" algn="l">
+      <a:lvl7pPr marR="0" lvl="6" algn="l" rtl="0">
         <a:lnSpc>
           <a:spcPct val="100000"/>
         </a:lnSpc>
@@ -6071,7 +6231,7 @@
           <a:srgbClr val="000000"/>
         </a:buClr>
         <a:buFont typeface="Arial"/>
-        <a:defRPr b="0" i="0" sz="1400" u="none" cap="none" strike="noStrike">
+        <a:defRPr sz="1400" b="0" i="0" u="none" strike="noStrike" cap="none">
           <a:solidFill>
             <a:srgbClr val="000000"/>
           </a:solidFill>
@@ -6081,7 +6241,7 @@
           <a:sym typeface="Arial"/>
         </a:defRPr>
       </a:lvl7pPr>
-      <a:lvl8pPr lvl="7" marR="0" rtl="0" algn="l">
+      <a:lvl8pPr marR="0" lvl="7" algn="l" rtl="0">
         <a:lnSpc>
           <a:spcPct val="100000"/>
         </a:lnSpc>
@@ -6095,7 +6255,7 @@
           <a:srgbClr val="000000"/>
         </a:buClr>
         <a:buFont typeface="Arial"/>
-        <a:defRPr b="0" i="0" sz="1400" u="none" cap="none" strike="noStrike">
+        <a:defRPr sz="1400" b="0" i="0" u="none" strike="noStrike" cap="none">
           <a:solidFill>
             <a:srgbClr val="000000"/>
           </a:solidFill>
@@ -6105,7 +6265,7 @@
           <a:sym typeface="Arial"/>
         </a:defRPr>
       </a:lvl8pPr>
-      <a:lvl9pPr lvl="8" marR="0" rtl="0" algn="l">
+      <a:lvl9pPr marR="0" lvl="8" algn="l" rtl="0">
         <a:lnSpc>
           <a:spcPct val="100000"/>
         </a:lnSpc>
@@ -6119,7 +6279,7 @@
           <a:srgbClr val="000000"/>
         </a:buClr>
         <a:buFont typeface="Arial"/>
-        <a:defRPr b="0" i="0" sz="1400" u="none" cap="none" strike="noStrike">
+        <a:defRPr sz="1400" b="0" i="0" u="none" strike="noStrike" cap="none">
           <a:solidFill>
             <a:srgbClr val="000000"/>
           </a:solidFill>
@@ -6135,11 +6295,11 @@
 </file>
 
 <file path=ppt/slides/slide1.xml><?xml version="1.0" encoding="utf-8"?>
-<p:sld xmlns:a="http://schemas.openxmlformats.org/drawingml/2006/main" xmlns:r="http://schemas.openxmlformats.org/officeDocument/2006/relationships" xmlns:mc="http://schemas.openxmlformats.org/markup-compatibility/2006" xmlns:mv="urn:schemas-microsoft-com:mac:vml" xmlns:p="http://schemas.openxmlformats.org/presentationml/2006/main" xmlns:c="http://schemas.openxmlformats.org/drawingml/2006/chart" xmlns:dgm="http://schemas.openxmlformats.org/drawingml/2006/diagram" xmlns:o="urn:schemas-microsoft-com:office:office" xmlns:v="urn:schemas-microsoft-com:vml" xmlns:pvml="urn:schemas-microsoft-com:office:powerpoint" xmlns:com="http://schemas.openxmlformats.org/drawingml/2006/compatibility" xmlns:p14="http://schemas.microsoft.com/office/powerpoint/2010/main" xmlns:p15="http://schemas.microsoft.com/office/powerpoint/2012/main" xmlns:ahyp="http://schemas.microsoft.com/office/drawing/2018/hyperlinkcolor">
+<p:sld xmlns:a="http://schemas.openxmlformats.org/drawingml/2006/main" xmlns:r="http://schemas.openxmlformats.org/officeDocument/2006/relationships" xmlns:p="http://schemas.openxmlformats.org/presentationml/2006/main">
   <p:cSld>
     <p:spTree>
       <p:nvGrpSpPr>
-        <p:cNvPr id="53" name="Shape 53"/>
+        <p:cNvPr id="1" name="Shape 53"/>
         <p:cNvGrpSpPr/>
         <p:nvPr/>
       </p:nvGrpSpPr>
@@ -6154,7 +6314,9 @@
       <p:sp>
         <p:nvSpPr>
           <p:cNvPr id="54" name="Google Shape;54;p13"/>
-          <p:cNvSpPr txBox="1"/>
+          <p:cNvSpPr txBox="1">
+            <a:spLocks noGrp="1"/>
+          </p:cNvSpPr>
           <p:nvPr>
             <p:ph type="ctrTitle"/>
           </p:nvPr>
@@ -6169,12 +6331,12 @@
           </a:prstGeom>
         </p:spPr>
         <p:txBody>
-          <a:bodyPr anchorCtr="0" anchor="b" bIns="91425" lIns="91425" spcFirstLastPara="1" rIns="91425" wrap="square" tIns="91425">
+          <a:bodyPr spcFirstLastPara="1" wrap="square" lIns="91425" tIns="91425" rIns="91425" bIns="91425" anchor="b" anchorCtr="0">
             <a:normAutofit/>
           </a:bodyPr>
           <a:lstStyle/>
           <a:p>
-            <a:pPr indent="0" lvl="0" marL="0" rtl="0" algn="ctr">
+            <a:pPr marL="0" lvl="0" indent="0" algn="ctr" rtl="0">
               <a:spcBef>
                 <a:spcPts val="0"/>
               </a:spcBef>
@@ -6194,9 +6356,11 @@
       <p:sp>
         <p:nvSpPr>
           <p:cNvPr id="55" name="Google Shape;55;p13"/>
-          <p:cNvSpPr txBox="1"/>
+          <p:cNvSpPr txBox="1">
+            <a:spLocks noGrp="1"/>
+          </p:cNvSpPr>
           <p:nvPr>
-            <p:ph idx="1" type="subTitle"/>
+            <p:ph type="subTitle" idx="1"/>
           </p:nvPr>
         </p:nvSpPr>
         <p:spPr>
@@ -6209,12 +6373,12 @@
           </a:prstGeom>
         </p:spPr>
         <p:txBody>
-          <a:bodyPr anchorCtr="0" anchor="t" bIns="91425" lIns="91425" spcFirstLastPara="1" rIns="91425" wrap="square" tIns="91425">
+          <a:bodyPr spcFirstLastPara="1" wrap="square" lIns="91425" tIns="91425" rIns="91425" bIns="91425" anchor="t" anchorCtr="0">
             <a:normAutofit fontScale="85000" lnSpcReduction="20000"/>
           </a:bodyPr>
           <a:lstStyle/>
           <a:p>
-            <a:pPr indent="0" lvl="0" marL="0" rtl="0" algn="ctr">
+            <a:pPr marL="0" lvl="0" indent="0" algn="ctr" rtl="0">
               <a:spcBef>
                 <a:spcPts val="0"/>
               </a:spcBef>
@@ -6230,7 +6394,7 @@
             <a:endParaRPr/>
           </a:p>
           <a:p>
-            <a:pPr indent="0" lvl="0" marL="0" rtl="0" algn="ctr">
+            <a:pPr marL="0" lvl="0" indent="0" algn="ctr" rtl="0">
               <a:spcBef>
                 <a:spcPts val="0"/>
               </a:spcBef>
@@ -6256,11 +6420,11 @@
 </file>
 
 <file path=ppt/slides/slide2.xml><?xml version="1.0" encoding="utf-8"?>
-<p:sld xmlns:a="http://schemas.openxmlformats.org/drawingml/2006/main" xmlns:r="http://schemas.openxmlformats.org/officeDocument/2006/relationships" xmlns:mc="http://schemas.openxmlformats.org/markup-compatibility/2006" xmlns:mv="urn:schemas-microsoft-com:mac:vml" xmlns:p="http://schemas.openxmlformats.org/presentationml/2006/main" xmlns:c="http://schemas.openxmlformats.org/drawingml/2006/chart" xmlns:dgm="http://schemas.openxmlformats.org/drawingml/2006/diagram" xmlns:o="urn:schemas-microsoft-com:office:office" xmlns:v="urn:schemas-microsoft-com:vml" xmlns:pvml="urn:schemas-microsoft-com:office:powerpoint" xmlns:com="http://schemas.openxmlformats.org/drawingml/2006/compatibility" xmlns:p14="http://schemas.microsoft.com/office/powerpoint/2010/main" xmlns:p15="http://schemas.microsoft.com/office/powerpoint/2012/main" xmlns:ahyp="http://schemas.microsoft.com/office/drawing/2018/hyperlinkcolor">
+<p:sld xmlns:a="http://schemas.openxmlformats.org/drawingml/2006/main" xmlns:r="http://schemas.openxmlformats.org/officeDocument/2006/relationships" xmlns:p="http://schemas.openxmlformats.org/presentationml/2006/main">
   <p:cSld>
     <p:spTree>
       <p:nvGrpSpPr>
-        <p:cNvPr id="59" name="Shape 59"/>
+        <p:cNvPr id="1" name="Shape 59"/>
         <p:cNvGrpSpPr/>
         <p:nvPr/>
       </p:nvGrpSpPr>
@@ -6275,7 +6439,9 @@
       <p:sp>
         <p:nvSpPr>
           <p:cNvPr id="60" name="Google Shape;60;p14"/>
-          <p:cNvSpPr txBox="1"/>
+          <p:cNvSpPr txBox="1">
+            <a:spLocks noGrp="1"/>
+          </p:cNvSpPr>
           <p:nvPr>
             <p:ph type="title"/>
           </p:nvPr>
@@ -6290,12 +6456,12 @@
           </a:prstGeom>
         </p:spPr>
         <p:txBody>
-          <a:bodyPr anchorCtr="0" anchor="t" bIns="91425" lIns="91425" spcFirstLastPara="1" rIns="91425" wrap="square" tIns="91425">
+          <a:bodyPr spcFirstLastPara="1" wrap="square" lIns="91425" tIns="91425" rIns="91425" bIns="91425" anchor="t" anchorCtr="0">
             <a:normAutofit fontScale="90000"/>
           </a:bodyPr>
           <a:lstStyle/>
           <a:p>
-            <a:pPr indent="0" lvl="0" marL="0" rtl="0" algn="l">
+            <a:pPr marL="0" lvl="0" indent="0" algn="l" rtl="0">
               <a:spcBef>
                 <a:spcPts val="0"/>
               </a:spcBef>
@@ -6315,9 +6481,11 @@
       <p:sp>
         <p:nvSpPr>
           <p:cNvPr id="61" name="Google Shape;61;p14"/>
-          <p:cNvSpPr txBox="1"/>
+          <p:cNvSpPr txBox="1">
+            <a:spLocks noGrp="1"/>
+          </p:cNvSpPr>
           <p:nvPr>
-            <p:ph idx="1" type="body"/>
+            <p:ph type="body" idx="1"/>
           </p:nvPr>
         </p:nvSpPr>
         <p:spPr>
@@ -6330,12 +6498,12 @@
           </a:prstGeom>
         </p:spPr>
         <p:txBody>
-          <a:bodyPr anchorCtr="0" anchor="t" bIns="91425" lIns="91425" spcFirstLastPara="1" rIns="91425" wrap="square" tIns="91425">
+          <a:bodyPr spcFirstLastPara="1" wrap="square" lIns="91425" tIns="91425" rIns="91425" bIns="91425" anchor="t" anchorCtr="0">
             <a:normAutofit/>
           </a:bodyPr>
           <a:lstStyle/>
           <a:p>
-            <a:pPr indent="0" lvl="0" marL="0" rtl="0" algn="just">
+            <a:pPr marL="0" lvl="0" indent="0" algn="just" rtl="0">
               <a:spcBef>
                 <a:spcPts val="0"/>
               </a:spcBef>
@@ -6346,11 +6514,7 @@
             </a:pPr>
             <a:r>
               <a:rPr lang="id"/>
-              <a:t>Tema dari final project saya adalah melakukan analisis terhadap data kejahatan yang terjadi di kota los angeles dengan tujuan untuk menemukan pola - pola kejahatan seperti apa yang sering terjadi di los angeles dari tahun 2020 hingga 2023 sehingga dapat memunculkan insight mengenai kejahatan apa saja yang sering terjadi, di mana</a:t>
-            </a:r>
-            <a:r>
-              <a:rPr lang="id"/>
-              <a:t> kejahatan tersebut terjadi, kapan saja terjadinya, dll. Sehingga expected output dari final project ini adalah menghasilkan sebuah dashboard yang menampilkan informasi - informasi tersebut melalui sebuah pipeline yang menggunakan arsitektur batch processing untuk memproses data secara terjadwal.</a:t>
+              <a:t>Tema dari final project saya adalah melakukan analisis terhadap data kejahatan yang terjadi di kota los angeles dengan tujuan untuk menemukan pola - pola kejahatan seperti apa yang sering terjadi di los angeles dari tahun 2020 hingga 2023 sehingga dapat memunculkan insight mengenai kejahatan apa saja yang sering terjadi, di mana kejahatan tersebut terjadi, kapan saja terjadinya, dll. Sehingga expected output dari final project ini adalah menghasilkan sebuah dashboard yang menampilkan informasi - informasi tersebut melalui sebuah pipeline yang menggunakan arsitektur batch processing untuk memproses data secara terjadwal.</a:t>
             </a:r>
             <a:endParaRPr/>
           </a:p>
@@ -6365,11 +6529,11 @@
 </file>
 
 <file path=ppt/slides/slide3.xml><?xml version="1.0" encoding="utf-8"?>
-<p:sld xmlns:a="http://schemas.openxmlformats.org/drawingml/2006/main" xmlns:r="http://schemas.openxmlformats.org/officeDocument/2006/relationships" xmlns:mc="http://schemas.openxmlformats.org/markup-compatibility/2006" xmlns:mv="urn:schemas-microsoft-com:mac:vml" xmlns:p="http://schemas.openxmlformats.org/presentationml/2006/main" xmlns:c="http://schemas.openxmlformats.org/drawingml/2006/chart" xmlns:dgm="http://schemas.openxmlformats.org/drawingml/2006/diagram" xmlns:o="urn:schemas-microsoft-com:office:office" xmlns:v="urn:schemas-microsoft-com:vml" xmlns:pvml="urn:schemas-microsoft-com:office:powerpoint" xmlns:com="http://schemas.openxmlformats.org/drawingml/2006/compatibility" xmlns:p14="http://schemas.microsoft.com/office/powerpoint/2010/main" xmlns:p15="http://schemas.microsoft.com/office/powerpoint/2012/main" xmlns:ahyp="http://schemas.microsoft.com/office/drawing/2018/hyperlinkcolor">
+<p:sld xmlns:a="http://schemas.openxmlformats.org/drawingml/2006/main" xmlns:r="http://schemas.openxmlformats.org/officeDocument/2006/relationships" xmlns:p="http://schemas.openxmlformats.org/presentationml/2006/main">
   <p:cSld>
     <p:spTree>
       <p:nvGrpSpPr>
-        <p:cNvPr id="65" name="Shape 65"/>
+        <p:cNvPr id="1" name="Shape 65"/>
         <p:cNvGrpSpPr/>
         <p:nvPr/>
       </p:nvGrpSpPr>
@@ -6384,7 +6548,9 @@
       <p:sp>
         <p:nvSpPr>
           <p:cNvPr id="66" name="Google Shape;66;p15"/>
-          <p:cNvSpPr txBox="1"/>
+          <p:cNvSpPr txBox="1">
+            <a:spLocks noGrp="1"/>
+          </p:cNvSpPr>
           <p:nvPr>
             <p:ph type="title"/>
           </p:nvPr>
@@ -6399,12 +6565,12 @@
           </a:prstGeom>
         </p:spPr>
         <p:txBody>
-          <a:bodyPr anchorCtr="0" anchor="t" bIns="91425" lIns="91425" spcFirstLastPara="1" rIns="91425" wrap="square" tIns="91425">
+          <a:bodyPr spcFirstLastPara="1" wrap="square" lIns="91425" tIns="91425" rIns="91425" bIns="91425" anchor="t" anchorCtr="0">
             <a:normAutofit fontScale="90000"/>
           </a:bodyPr>
           <a:lstStyle/>
           <a:p>
-            <a:pPr indent="0" lvl="0" marL="0" rtl="0" algn="l">
+            <a:pPr marL="0" lvl="0" indent="0" algn="l" rtl="0">
               <a:spcBef>
                 <a:spcPts val="0"/>
               </a:spcBef>
@@ -6424,9 +6590,11 @@
       <p:sp>
         <p:nvSpPr>
           <p:cNvPr id="67" name="Google Shape;67;p15"/>
-          <p:cNvSpPr txBox="1"/>
+          <p:cNvSpPr txBox="1">
+            <a:spLocks noGrp="1"/>
+          </p:cNvSpPr>
           <p:nvPr>
-            <p:ph idx="1" type="body"/>
+            <p:ph type="body" idx="1"/>
           </p:nvPr>
         </p:nvSpPr>
         <p:spPr>
@@ -6439,12 +6607,12 @@
           </a:prstGeom>
         </p:spPr>
         <p:txBody>
-          <a:bodyPr anchorCtr="0" anchor="t" bIns="91425" lIns="91425" spcFirstLastPara="1" rIns="91425" wrap="square" tIns="91425">
+          <a:bodyPr spcFirstLastPara="1" wrap="square" lIns="91425" tIns="91425" rIns="91425" bIns="91425" anchor="t" anchorCtr="0">
             <a:normAutofit/>
           </a:bodyPr>
           <a:lstStyle/>
           <a:p>
-            <a:pPr indent="0" lvl="0" marL="0" rtl="0" algn="just">
+            <a:pPr marL="0" lvl="0" indent="0" algn="just" rtl="0">
               <a:spcBef>
                 <a:spcPts val="0"/>
               </a:spcBef>
@@ -6483,11 +6651,11 @@
 </file>
 
 <file path=ppt/slides/slide4.xml><?xml version="1.0" encoding="utf-8"?>
-<p:sld xmlns:a="http://schemas.openxmlformats.org/drawingml/2006/main" xmlns:r="http://schemas.openxmlformats.org/officeDocument/2006/relationships" xmlns:mc="http://schemas.openxmlformats.org/markup-compatibility/2006" xmlns:mv="urn:schemas-microsoft-com:mac:vml" xmlns:p="http://schemas.openxmlformats.org/presentationml/2006/main" xmlns:c="http://schemas.openxmlformats.org/drawingml/2006/chart" xmlns:dgm="http://schemas.openxmlformats.org/drawingml/2006/diagram" xmlns:o="urn:schemas-microsoft-com:office:office" xmlns:v="urn:schemas-microsoft-com:vml" xmlns:pvml="urn:schemas-microsoft-com:office:powerpoint" xmlns:com="http://schemas.openxmlformats.org/drawingml/2006/compatibility" xmlns:p14="http://schemas.microsoft.com/office/powerpoint/2010/main" xmlns:p15="http://schemas.microsoft.com/office/powerpoint/2012/main" xmlns:ahyp="http://schemas.microsoft.com/office/drawing/2018/hyperlinkcolor">
+<p:sld xmlns:a="http://schemas.openxmlformats.org/drawingml/2006/main" xmlns:r="http://schemas.openxmlformats.org/officeDocument/2006/relationships" xmlns:p="http://schemas.openxmlformats.org/presentationml/2006/main">
   <p:cSld>
     <p:spTree>
       <p:nvGrpSpPr>
-        <p:cNvPr id="71" name="Shape 71"/>
+        <p:cNvPr id="1" name="Shape 71"/>
         <p:cNvGrpSpPr/>
         <p:nvPr/>
       </p:nvGrpSpPr>
@@ -6502,7 +6670,9 @@
       <p:sp>
         <p:nvSpPr>
           <p:cNvPr id="72" name="Google Shape;72;p16"/>
-          <p:cNvSpPr txBox="1"/>
+          <p:cNvSpPr txBox="1">
+            <a:spLocks noGrp="1"/>
+          </p:cNvSpPr>
           <p:nvPr>
             <p:ph type="title"/>
           </p:nvPr>
@@ -6517,12 +6687,12 @@
           </a:prstGeom>
         </p:spPr>
         <p:txBody>
-          <a:bodyPr anchorCtr="0" anchor="t" bIns="91425" lIns="91425" spcFirstLastPara="1" rIns="91425" wrap="square" tIns="91425">
+          <a:bodyPr spcFirstLastPara="1" wrap="square" lIns="91425" tIns="91425" rIns="91425" bIns="91425" anchor="t" anchorCtr="0">
             <a:normAutofit fontScale="90000"/>
           </a:bodyPr>
           <a:lstStyle/>
           <a:p>
-            <a:pPr indent="0" lvl="0" marL="0" rtl="0" algn="l">
+            <a:pPr marL="0" lvl="0" indent="0" algn="l" rtl="0">
               <a:spcBef>
                 <a:spcPts val="0"/>
               </a:spcBef>
@@ -6539,34 +6709,6 @@
           </a:p>
         </p:txBody>
       </p:sp>
-      <p:pic>
-        <p:nvPicPr>
-          <p:cNvPr id="73" name="Google Shape;73;p16"/>
-          <p:cNvPicPr preferRelativeResize="0"/>
-          <p:nvPr/>
-        </p:nvPicPr>
-        <p:blipFill>
-          <a:blip r:embed="rId3">
-            <a:alphaModFix/>
-          </a:blip>
-          <a:stretch>
-            <a:fillRect/>
-          </a:stretch>
-        </p:blipFill>
-        <p:spPr>
-          <a:xfrm>
-            <a:off x="646263" y="1635375"/>
-            <a:ext cx="7851474" cy="2062549"/>
-          </a:xfrm>
-          <a:prstGeom prst="rect">
-            <a:avLst/>
-          </a:prstGeom>
-          <a:noFill/>
-          <a:ln>
-            <a:noFill/>
-          </a:ln>
-        </p:spPr>
-      </p:pic>
       <p:sp>
         <p:nvSpPr>
           <p:cNvPr id="74" name="Google Shape;74;p16"/>
@@ -6587,12 +6729,12 @@
           </a:ln>
         </p:spPr>
         <p:txBody>
-          <a:bodyPr anchorCtr="0" anchor="t" bIns="91425" lIns="91425" spcFirstLastPara="1" rIns="91425" wrap="square" tIns="91425">
+          <a:bodyPr spcFirstLastPara="1" wrap="square" lIns="91425" tIns="91425" rIns="91425" bIns="91425" anchor="t" anchorCtr="0">
             <a:spAutoFit/>
           </a:bodyPr>
           <a:lstStyle/>
           <a:p>
-            <a:pPr indent="0" lvl="0" marL="0" rtl="0" algn="l">
+            <a:pPr marL="0" lvl="0" indent="0" algn="l" rtl="0">
               <a:spcBef>
                 <a:spcPts val="0"/>
               </a:spcBef>
@@ -6609,6 +6751,36 @@
           </a:p>
         </p:txBody>
       </p:sp>
+      <p:pic>
+        <p:nvPicPr>
+          <p:cNvPr id="3" name="Picture 2">
+            <a:extLst>
+              <a:ext uri="{FF2B5EF4-FFF2-40B4-BE49-F238E27FC236}">
+                <a16:creationId xmlns:a16="http://schemas.microsoft.com/office/drawing/2014/main" id="{95FBEE06-D355-0BCF-D7B2-EDC60981300E}"/>
+              </a:ext>
+            </a:extLst>
+          </p:cNvPr>
+          <p:cNvPicPr>
+            <a:picLocks noChangeAspect="1"/>
+          </p:cNvPicPr>
+          <p:nvPr/>
+        </p:nvPicPr>
+        <p:blipFill>
+          <a:blip r:embed="rId3"/>
+          <a:stretch>
+            <a:fillRect/>
+          </a:stretch>
+        </p:blipFill>
+        <p:spPr>
+          <a:xfrm>
+            <a:off x="417786" y="1267461"/>
+            <a:ext cx="8024648" cy="2261582"/>
+          </a:xfrm>
+          <a:prstGeom prst="rect">
+            <a:avLst/>
+          </a:prstGeom>
+        </p:spPr>
+      </p:pic>
     </p:spTree>
   </p:cSld>
   <p:clrMapOvr>
@@ -6618,11 +6790,11 @@
 </file>
 
 <file path=ppt/slides/slide5.xml><?xml version="1.0" encoding="utf-8"?>
-<p:sld xmlns:a="http://schemas.openxmlformats.org/drawingml/2006/main" xmlns:r="http://schemas.openxmlformats.org/officeDocument/2006/relationships" xmlns:mc="http://schemas.openxmlformats.org/markup-compatibility/2006" xmlns:mv="urn:schemas-microsoft-com:mac:vml" xmlns:p="http://schemas.openxmlformats.org/presentationml/2006/main" xmlns:c="http://schemas.openxmlformats.org/drawingml/2006/chart" xmlns:dgm="http://schemas.openxmlformats.org/drawingml/2006/diagram" xmlns:o="urn:schemas-microsoft-com:office:office" xmlns:v="urn:schemas-microsoft-com:vml" xmlns:pvml="urn:schemas-microsoft-com:office:powerpoint" xmlns:com="http://schemas.openxmlformats.org/drawingml/2006/compatibility" xmlns:p14="http://schemas.microsoft.com/office/powerpoint/2010/main" xmlns:p15="http://schemas.microsoft.com/office/powerpoint/2012/main" xmlns:ahyp="http://schemas.microsoft.com/office/drawing/2018/hyperlinkcolor">
+<p:sld xmlns:a="http://schemas.openxmlformats.org/drawingml/2006/main" xmlns:r="http://schemas.openxmlformats.org/officeDocument/2006/relationships" xmlns:p="http://schemas.openxmlformats.org/presentationml/2006/main">
   <p:cSld>
     <p:spTree>
       <p:nvGrpSpPr>
-        <p:cNvPr id="78" name="Shape 78"/>
+        <p:cNvPr id="1" name="Shape 78"/>
         <p:cNvGrpSpPr/>
         <p:nvPr/>
       </p:nvGrpSpPr>
@@ -6637,7 +6809,9 @@
       <p:sp>
         <p:nvSpPr>
           <p:cNvPr id="79" name="Google Shape;79;p17"/>
-          <p:cNvSpPr txBox="1"/>
+          <p:cNvSpPr txBox="1">
+            <a:spLocks noGrp="1"/>
+          </p:cNvSpPr>
           <p:nvPr>
             <p:ph type="title"/>
           </p:nvPr>
@@ -6652,12 +6826,12 @@
           </a:prstGeom>
         </p:spPr>
         <p:txBody>
-          <a:bodyPr anchorCtr="0" anchor="t" bIns="91425" lIns="91425" spcFirstLastPara="1" rIns="91425" wrap="square" tIns="91425">
+          <a:bodyPr spcFirstLastPara="1" wrap="square" lIns="91425" tIns="91425" rIns="91425" bIns="91425" anchor="t" anchorCtr="0">
             <a:normAutofit fontScale="90000"/>
           </a:bodyPr>
           <a:lstStyle/>
           <a:p>
-            <a:pPr indent="0" lvl="0" marL="0" rtl="0" algn="l">
+            <a:pPr marL="0" lvl="0" indent="0" algn="l" rtl="0">
               <a:spcBef>
                 <a:spcPts val="0"/>
               </a:spcBef>
@@ -6694,12 +6868,12 @@
           </a:ln>
         </p:spPr>
         <p:txBody>
-          <a:bodyPr anchorCtr="0" anchor="t" bIns="91425" lIns="91425" spcFirstLastPara="1" rIns="91425" wrap="square" tIns="91425">
+          <a:bodyPr spcFirstLastPara="1" wrap="square" lIns="91425" tIns="91425" rIns="91425" bIns="91425" anchor="t" anchorCtr="0">
             <a:spAutoFit/>
           </a:bodyPr>
           <a:lstStyle/>
           <a:p>
-            <a:pPr indent="0" lvl="0" marL="0" rtl="0" algn="l">
+            <a:pPr marL="0" lvl="0" indent="0" algn="l" rtl="0">
               <a:spcBef>
                 <a:spcPts val="0"/>
               </a:spcBef>
@@ -6753,11 +6927,11 @@
 </file>
 
 <file path=ppt/slides/slide6.xml><?xml version="1.0" encoding="utf-8"?>
-<p:sld xmlns:a="http://schemas.openxmlformats.org/drawingml/2006/main" xmlns:r="http://schemas.openxmlformats.org/officeDocument/2006/relationships" xmlns:mc="http://schemas.openxmlformats.org/markup-compatibility/2006" xmlns:mv="urn:schemas-microsoft-com:mac:vml" xmlns:p="http://schemas.openxmlformats.org/presentationml/2006/main" xmlns:c="http://schemas.openxmlformats.org/drawingml/2006/chart" xmlns:dgm="http://schemas.openxmlformats.org/drawingml/2006/diagram" xmlns:o="urn:schemas-microsoft-com:office:office" xmlns:v="urn:schemas-microsoft-com:vml" xmlns:pvml="urn:schemas-microsoft-com:office:powerpoint" xmlns:com="http://schemas.openxmlformats.org/drawingml/2006/compatibility" xmlns:p14="http://schemas.microsoft.com/office/powerpoint/2010/main" xmlns:p15="http://schemas.microsoft.com/office/powerpoint/2012/main" xmlns:ahyp="http://schemas.microsoft.com/office/drawing/2018/hyperlinkcolor">
+<p:sld xmlns:a="http://schemas.openxmlformats.org/drawingml/2006/main" xmlns:r="http://schemas.openxmlformats.org/officeDocument/2006/relationships" xmlns:p="http://schemas.openxmlformats.org/presentationml/2006/main">
   <p:cSld>
     <p:spTree>
       <p:nvGrpSpPr>
-        <p:cNvPr id="85" name="Shape 85"/>
+        <p:cNvPr id="1" name="Shape 85"/>
         <p:cNvGrpSpPr/>
         <p:nvPr/>
       </p:nvGrpSpPr>
@@ -6772,7 +6946,9 @@
       <p:sp>
         <p:nvSpPr>
           <p:cNvPr id="86" name="Google Shape;86;p18"/>
-          <p:cNvSpPr txBox="1"/>
+          <p:cNvSpPr txBox="1">
+            <a:spLocks noGrp="1"/>
+          </p:cNvSpPr>
           <p:nvPr>
             <p:ph type="title"/>
           </p:nvPr>
@@ -6787,12 +6963,12 @@
           </a:prstGeom>
         </p:spPr>
         <p:txBody>
-          <a:bodyPr anchorCtr="0" anchor="t" bIns="91425" lIns="91425" spcFirstLastPara="1" rIns="91425" wrap="square" tIns="91425">
+          <a:bodyPr spcFirstLastPara="1" wrap="square" lIns="91425" tIns="91425" rIns="91425" bIns="91425" anchor="t" anchorCtr="0">
             <a:normAutofit fontScale="90000"/>
           </a:bodyPr>
           <a:lstStyle/>
           <a:p>
-            <a:pPr indent="0" lvl="0" marL="0" rtl="0" algn="l">
+            <a:pPr marL="0" lvl="0" indent="0" algn="l" rtl="0">
               <a:spcBef>
                 <a:spcPts val="0"/>
               </a:spcBef>
@@ -6829,12 +7005,12 @@
           </a:ln>
         </p:spPr>
         <p:txBody>
-          <a:bodyPr anchorCtr="0" anchor="t" bIns="91425" lIns="91425" spcFirstLastPara="1" rIns="91425" wrap="square" tIns="91425">
+          <a:bodyPr spcFirstLastPara="1" wrap="square" lIns="91425" tIns="91425" rIns="91425" bIns="91425" anchor="t" anchorCtr="0">
             <a:spAutoFit/>
           </a:bodyPr>
           <a:lstStyle/>
           <a:p>
-            <a:pPr indent="0" lvl="0" marL="0" rtl="0" algn="l">
+            <a:pPr marL="0" lvl="0" indent="0" algn="l" rtl="0">
               <a:spcBef>
                 <a:spcPts val="0"/>
               </a:spcBef>
@@ -6888,11 +7064,11 @@
 </file>
 
 <file path=ppt/slides/slide7.xml><?xml version="1.0" encoding="utf-8"?>
-<p:sld xmlns:a="http://schemas.openxmlformats.org/drawingml/2006/main" xmlns:r="http://schemas.openxmlformats.org/officeDocument/2006/relationships" xmlns:mc="http://schemas.openxmlformats.org/markup-compatibility/2006" xmlns:mv="urn:schemas-microsoft-com:mac:vml" xmlns:p="http://schemas.openxmlformats.org/presentationml/2006/main" xmlns:c="http://schemas.openxmlformats.org/drawingml/2006/chart" xmlns:dgm="http://schemas.openxmlformats.org/drawingml/2006/diagram" xmlns:o="urn:schemas-microsoft-com:office:office" xmlns:v="urn:schemas-microsoft-com:vml" xmlns:pvml="urn:schemas-microsoft-com:office:powerpoint" xmlns:com="http://schemas.openxmlformats.org/drawingml/2006/compatibility" xmlns:p14="http://schemas.microsoft.com/office/powerpoint/2010/main" xmlns:p15="http://schemas.microsoft.com/office/powerpoint/2012/main" xmlns:ahyp="http://schemas.microsoft.com/office/drawing/2018/hyperlinkcolor">
+<p:sld xmlns:a="http://schemas.openxmlformats.org/drawingml/2006/main" xmlns:r="http://schemas.openxmlformats.org/officeDocument/2006/relationships" xmlns:p="http://schemas.openxmlformats.org/presentationml/2006/main">
   <p:cSld>
     <p:spTree>
       <p:nvGrpSpPr>
-        <p:cNvPr id="92" name="Shape 92"/>
+        <p:cNvPr id="1" name="Shape 92"/>
         <p:cNvGrpSpPr/>
         <p:nvPr/>
       </p:nvGrpSpPr>
@@ -6907,7 +7083,9 @@
       <p:sp>
         <p:nvSpPr>
           <p:cNvPr id="93" name="Google Shape;93;p19"/>
-          <p:cNvSpPr txBox="1"/>
+          <p:cNvSpPr txBox="1">
+            <a:spLocks noGrp="1"/>
+          </p:cNvSpPr>
           <p:nvPr>
             <p:ph type="title"/>
           </p:nvPr>
@@ -6922,12 +7100,12 @@
           </a:prstGeom>
         </p:spPr>
         <p:txBody>
-          <a:bodyPr anchorCtr="0" anchor="t" bIns="91425" lIns="91425" spcFirstLastPara="1" rIns="91425" wrap="square" tIns="91425">
+          <a:bodyPr spcFirstLastPara="1" wrap="square" lIns="91425" tIns="91425" rIns="91425" bIns="91425" anchor="t" anchorCtr="0">
             <a:normAutofit fontScale="90000"/>
           </a:bodyPr>
           <a:lstStyle/>
           <a:p>
-            <a:pPr indent="0" lvl="0" marL="0" rtl="0" algn="l">
+            <a:pPr marL="0" lvl="0" indent="0" algn="l" rtl="0">
               <a:spcBef>
                 <a:spcPts val="0"/>
               </a:spcBef>
@@ -6937,10 +7115,10 @@
               <a:buNone/>
             </a:pPr>
             <a:r>
-              <a:rPr lang="id"/>
+              <a:rPr lang="id" dirty="0"/>
               <a:t>Progress yang sudah dikerjakan</a:t>
             </a:r>
-            <a:endParaRPr/>
+            <a:endParaRPr dirty="0"/>
           </a:p>
         </p:txBody>
       </p:sp>
@@ -6964,12 +7142,12 @@
           </a:ln>
         </p:spPr>
         <p:txBody>
-          <a:bodyPr anchorCtr="0" anchor="t" bIns="91425" lIns="91425" spcFirstLastPara="1" rIns="91425" wrap="square" tIns="91425">
+          <a:bodyPr spcFirstLastPara="1" wrap="square" lIns="91425" tIns="91425" rIns="91425" bIns="91425" anchor="t" anchorCtr="0">
             <a:spAutoFit/>
           </a:bodyPr>
           <a:lstStyle/>
           <a:p>
-            <a:pPr indent="0" lvl="0" marL="0" rtl="0" algn="l">
+            <a:pPr marL="0" lvl="0" indent="0" algn="l" rtl="0">
               <a:spcBef>
                 <a:spcPts val="0"/>
               </a:spcBef>
@@ -6988,30 +7166,32 @@
       </p:sp>
       <p:pic>
         <p:nvPicPr>
-          <p:cNvPr id="95" name="Google Shape;95;p19"/>
-          <p:cNvPicPr preferRelativeResize="0"/>
+          <p:cNvPr id="3" name="Picture 2">
+            <a:extLst>
+              <a:ext uri="{FF2B5EF4-FFF2-40B4-BE49-F238E27FC236}">
+                <a16:creationId xmlns:a16="http://schemas.microsoft.com/office/drawing/2014/main" id="{462E938E-81FF-1E53-9914-A16F25AC9E8D}"/>
+              </a:ext>
+            </a:extLst>
+          </p:cNvPr>
+          <p:cNvPicPr>
+            <a:picLocks noChangeAspect="1"/>
+          </p:cNvPicPr>
           <p:nvPr/>
         </p:nvPicPr>
         <p:blipFill>
-          <a:blip r:embed="rId3">
-            <a:alphaModFix/>
-          </a:blip>
+          <a:blip r:embed="rId3"/>
           <a:stretch>
             <a:fillRect/>
           </a:stretch>
         </p:blipFill>
         <p:spPr>
           <a:xfrm>
-            <a:off x="2023925" y="1170125"/>
-            <a:ext cx="4657733" cy="2619975"/>
+            <a:off x="1679028" y="1017725"/>
+            <a:ext cx="5155324" cy="2899869"/>
           </a:xfrm>
           <a:prstGeom prst="rect">
             <a:avLst/>
           </a:prstGeom>
-          <a:noFill/>
-          <a:ln>
-            <a:noFill/>
-          </a:ln>
         </p:spPr>
       </p:pic>
     </p:spTree>
@@ -7023,11 +7203,11 @@
 </file>
 
 <file path=ppt/slides/slide8.xml><?xml version="1.0" encoding="utf-8"?>
-<p:sld xmlns:a="http://schemas.openxmlformats.org/drawingml/2006/main" xmlns:r="http://schemas.openxmlformats.org/officeDocument/2006/relationships" xmlns:mc="http://schemas.openxmlformats.org/markup-compatibility/2006" xmlns:mv="urn:schemas-microsoft-com:mac:vml" xmlns:p="http://schemas.openxmlformats.org/presentationml/2006/main" xmlns:c="http://schemas.openxmlformats.org/drawingml/2006/chart" xmlns:dgm="http://schemas.openxmlformats.org/drawingml/2006/diagram" xmlns:o="urn:schemas-microsoft-com:office:office" xmlns:v="urn:schemas-microsoft-com:vml" xmlns:pvml="urn:schemas-microsoft-com:office:powerpoint" xmlns:com="http://schemas.openxmlformats.org/drawingml/2006/compatibility" xmlns:p14="http://schemas.microsoft.com/office/powerpoint/2010/main" xmlns:p15="http://schemas.microsoft.com/office/powerpoint/2012/main" xmlns:ahyp="http://schemas.microsoft.com/office/drawing/2018/hyperlinkcolor">
+<p:sld xmlns:a="http://schemas.openxmlformats.org/drawingml/2006/main" xmlns:r="http://schemas.openxmlformats.org/officeDocument/2006/relationships" xmlns:p="http://schemas.openxmlformats.org/presentationml/2006/main">
   <p:cSld>
     <p:spTree>
       <p:nvGrpSpPr>
-        <p:cNvPr id="99" name="Shape 99"/>
+        <p:cNvPr id="1" name="Shape 92"/>
         <p:cNvGrpSpPr/>
         <p:nvPr/>
       </p:nvGrpSpPr>
@@ -7041,8 +7221,10 @@
       </p:grpSpPr>
       <p:sp>
         <p:nvSpPr>
-          <p:cNvPr id="100" name="Google Shape;100;p20"/>
-          <p:cNvSpPr txBox="1"/>
+          <p:cNvPr id="93" name="Google Shape;93;p19"/>
+          <p:cNvSpPr txBox="1">
+            <a:spLocks noGrp="1"/>
+          </p:cNvSpPr>
           <p:nvPr>
             <p:ph type="title"/>
           </p:nvPr>
@@ -7057,12 +7239,12 @@
           </a:prstGeom>
         </p:spPr>
         <p:txBody>
-          <a:bodyPr anchorCtr="0" anchor="t" bIns="91425" lIns="91425" spcFirstLastPara="1" rIns="91425" wrap="square" tIns="91425">
+          <a:bodyPr spcFirstLastPara="1" wrap="square" lIns="91425" tIns="91425" rIns="91425" bIns="91425" anchor="t" anchorCtr="0">
             <a:normAutofit fontScale="90000"/>
           </a:bodyPr>
           <a:lstStyle/>
           <a:p>
-            <a:pPr indent="0" lvl="0" marL="0" rtl="0" algn="l">
+            <a:pPr marL="0" lvl="0" indent="0" algn="l" rtl="0">
               <a:spcBef>
                 <a:spcPts val="0"/>
               </a:spcBef>
@@ -7072,23 +7254,23 @@
               <a:buNone/>
             </a:pPr>
             <a:r>
-              <a:rPr lang="id"/>
-              <a:t>Kendala yang ditemukan</a:t>
+              <a:rPr lang="id" dirty="0"/>
+              <a:t>Progress yang sudah dikerjakan</a:t>
             </a:r>
-            <a:endParaRPr/>
+            <a:endParaRPr dirty="0"/>
           </a:p>
         </p:txBody>
       </p:sp>
       <p:sp>
         <p:nvSpPr>
-          <p:cNvPr id="101" name="Google Shape;101;p20"/>
+          <p:cNvPr id="94" name="Google Shape;94;p19"/>
           <p:cNvSpPr txBox="1"/>
           <p:nvPr/>
         </p:nvSpPr>
         <p:spPr>
           <a:xfrm>
             <a:off x="3747200" y="3942500"/>
-            <a:ext cx="1515000" cy="400200"/>
+            <a:ext cx="1324200" cy="400200"/>
           </a:xfrm>
           <a:prstGeom prst="rect">
             <a:avLst/>
@@ -7099,12 +7281,12 @@
           </a:ln>
         </p:spPr>
         <p:txBody>
-          <a:bodyPr anchorCtr="0" anchor="t" bIns="91425" lIns="91425" spcFirstLastPara="1" rIns="91425" wrap="square" tIns="91425">
+          <a:bodyPr spcFirstLastPara="1" wrap="square" lIns="91425" tIns="91425" rIns="91425" bIns="91425" anchor="t" anchorCtr="0">
             <a:spAutoFit/>
           </a:bodyPr>
           <a:lstStyle/>
           <a:p>
-            <a:pPr indent="0" lvl="0" marL="0" rtl="0" algn="l">
+            <a:pPr marL="0" lvl="0" indent="0" algn="l" rtl="0">
               <a:spcBef>
                 <a:spcPts val="0"/>
               </a:spcBef>
@@ -7114,42 +7296,49 @@
               <a:buNone/>
             </a:pPr>
             <a:r>
-              <a:rPr lang="id"/>
-              <a:t>Metabase stuck</a:t>
+              <a:rPr lang="en-US" dirty="0" err="1"/>
+              <a:t>Metabase</a:t>
             </a:r>
-            <a:endParaRPr/>
+            <a:endParaRPr dirty="0"/>
           </a:p>
         </p:txBody>
       </p:sp>
       <p:pic>
         <p:nvPicPr>
-          <p:cNvPr id="102" name="Google Shape;102;p20"/>
-          <p:cNvPicPr preferRelativeResize="0"/>
+          <p:cNvPr id="4" name="Picture 3">
+            <a:extLst>
+              <a:ext uri="{FF2B5EF4-FFF2-40B4-BE49-F238E27FC236}">
+                <a16:creationId xmlns:a16="http://schemas.microsoft.com/office/drawing/2014/main" id="{42C372E0-E65E-C848-07A6-EB6B5EC85F23}"/>
+              </a:ext>
+            </a:extLst>
+          </p:cNvPr>
+          <p:cNvPicPr>
+            <a:picLocks noChangeAspect="1"/>
+          </p:cNvPicPr>
           <p:nvPr/>
         </p:nvPicPr>
         <p:blipFill>
-          <a:blip r:embed="rId3">
-            <a:alphaModFix/>
-          </a:blip>
+          <a:blip r:embed="rId3"/>
           <a:stretch>
             <a:fillRect/>
           </a:stretch>
         </p:blipFill>
         <p:spPr>
           <a:xfrm>
-            <a:off x="2080425" y="1261763"/>
-            <a:ext cx="4657733" cy="2619975"/>
+            <a:off x="2191697" y="1281485"/>
+            <a:ext cx="4261786" cy="2397254"/>
           </a:xfrm>
           <a:prstGeom prst="rect">
             <a:avLst/>
           </a:prstGeom>
-          <a:noFill/>
-          <a:ln>
-            <a:noFill/>
-          </a:ln>
         </p:spPr>
       </p:pic>
     </p:spTree>
+    <p:extLst>
+      <p:ext uri="{BB962C8B-B14F-4D97-AF65-F5344CB8AC3E}">
+        <p14:creationId xmlns:p14="http://schemas.microsoft.com/office/powerpoint/2010/main" val="2863558549"/>
+      </p:ext>
+    </p:extLst>
   </p:cSld>
   <p:clrMapOvr>
     <a:masterClrMapping/>
@@ -7158,7 +7347,288 @@
 </file>
 
 <file path=ppt/theme/theme1.xml><?xml version="1.0" encoding="utf-8"?>
-<a:theme xmlns:a="http://schemas.openxmlformats.org/drawingml/2006/main" xmlns:r="http://schemas.openxmlformats.org/officeDocument/2006/relationships">
+<a:theme xmlns:a="http://schemas.openxmlformats.org/drawingml/2006/main" name="Simple Light">
+  <a:themeElements>
+    <a:clrScheme name="Simple Light">
+      <a:dk1>
+        <a:srgbClr val="000000"/>
+      </a:dk1>
+      <a:lt1>
+        <a:srgbClr val="FFFFFF"/>
+      </a:lt1>
+      <a:dk2>
+        <a:srgbClr val="595959"/>
+      </a:dk2>
+      <a:lt2>
+        <a:srgbClr val="EEEEEE"/>
+      </a:lt2>
+      <a:accent1>
+        <a:srgbClr val="4285F4"/>
+      </a:accent1>
+      <a:accent2>
+        <a:srgbClr val="212121"/>
+      </a:accent2>
+      <a:accent3>
+        <a:srgbClr val="78909C"/>
+      </a:accent3>
+      <a:accent4>
+        <a:srgbClr val="FFAB40"/>
+      </a:accent4>
+      <a:accent5>
+        <a:srgbClr val="0097A7"/>
+      </a:accent5>
+      <a:accent6>
+        <a:srgbClr val="EEFF41"/>
+      </a:accent6>
+      <a:hlink>
+        <a:srgbClr val="0097A7"/>
+      </a:hlink>
+      <a:folHlink>
+        <a:srgbClr val="0097A7"/>
+      </a:folHlink>
+    </a:clrScheme>
+    <a:fontScheme name="Office">
+      <a:majorFont>
+        <a:latin typeface="Arial"/>
+        <a:ea typeface=""/>
+        <a:cs typeface=""/>
+        <a:font script="Jpan" typeface="ＭＳ Ｐゴシック"/>
+        <a:font script="Hang" typeface="맑은 고딕"/>
+        <a:font script="Hans" typeface="宋体"/>
+        <a:font script="Hant" typeface="新細明體"/>
+        <a:font script="Arab" typeface="Times New Roman"/>
+        <a:font script="Hebr" typeface="Times New Roman"/>
+        <a:font script="Thai" typeface="Angsana New"/>
+        <a:font script="Ethi" typeface="Nyala"/>
+        <a:font script="Beng" typeface="Vrinda"/>
+        <a:font script="Gujr" typeface="Shruti"/>
+        <a:font script="Khmr" typeface="MoolBoran"/>
+        <a:font script="Knda" typeface="Tunga"/>
+        <a:font script="Guru" typeface="Raavi"/>
+        <a:font script="Cans" typeface="Euphemia"/>
+        <a:font script="Cher" typeface="Plantagenet Cherokee"/>
+        <a:font script="Yiii" typeface="Microsoft Yi Baiti"/>
+        <a:font script="Tibt" typeface="Microsoft Himalaya"/>
+        <a:font script="Thaa" typeface="MV Boli"/>
+        <a:font script="Deva" typeface="Mangal"/>
+        <a:font script="Telu" typeface="Gautami"/>
+        <a:font script="Taml" typeface="Latha"/>
+        <a:font script="Syrc" typeface="Estrangelo Edessa"/>
+        <a:font script="Orya" typeface="Kalinga"/>
+        <a:font script="Mlym" typeface="Kartika"/>
+        <a:font script="Laoo" typeface="DokChampa"/>
+        <a:font script="Sinh" typeface="Iskoola Pota"/>
+        <a:font script="Mong" typeface="Mongolian Baiti"/>
+        <a:font script="Viet" typeface="Times New Roman"/>
+        <a:font script="Uigh" typeface="Microsoft Uighur"/>
+        <a:font script="Geor" typeface="Sylfaen"/>
+      </a:majorFont>
+      <a:minorFont>
+        <a:latin typeface="Arial"/>
+        <a:ea typeface=""/>
+        <a:cs typeface=""/>
+        <a:font script="Jpan" typeface="ＭＳ Ｐゴシック"/>
+        <a:font script="Hang" typeface="맑은 고딕"/>
+        <a:font script="Hans" typeface="宋体"/>
+        <a:font script="Hant" typeface="新細明體"/>
+        <a:font script="Arab" typeface="Arial"/>
+        <a:font script="Hebr" typeface="Arial"/>
+        <a:font script="Thai" typeface="Cordia New"/>
+        <a:font script="Ethi" typeface="Nyala"/>
+        <a:font script="Beng" typeface="Vrinda"/>
+        <a:font script="Gujr" typeface="Shruti"/>
+        <a:font script="Khmr" typeface="DaunPenh"/>
+        <a:font script="Knda" typeface="Tunga"/>
+        <a:font script="Guru" typeface="Raavi"/>
+        <a:font script="Cans" typeface="Euphemia"/>
+        <a:font script="Cher" typeface="Plantagenet Cherokee"/>
+        <a:font script="Yiii" typeface="Microsoft Yi Baiti"/>
+        <a:font script="Tibt" typeface="Microsoft Himalaya"/>
+        <a:font script="Thaa" typeface="MV Boli"/>
+        <a:font script="Deva" typeface="Mangal"/>
+        <a:font script="Telu" typeface="Gautami"/>
+        <a:font script="Taml" typeface="Latha"/>
+        <a:font script="Syrc" typeface="Estrangelo Edessa"/>
+        <a:font script="Orya" typeface="Kalinga"/>
+        <a:font script="Mlym" typeface="Kartika"/>
+        <a:font script="Laoo" typeface="DokChampa"/>
+        <a:font script="Sinh" typeface="Iskoola Pota"/>
+        <a:font script="Mong" typeface="Mongolian Baiti"/>
+        <a:font script="Viet" typeface="Arial"/>
+        <a:font script="Uigh" typeface="Microsoft Uighur"/>
+        <a:font script="Geor" typeface="Sylfaen"/>
+      </a:minorFont>
+    </a:fontScheme>
+    <a:fmtScheme name="Office">
+      <a:fillStyleLst>
+        <a:solidFill>
+          <a:schemeClr val="phClr"/>
+        </a:solidFill>
+        <a:gradFill rotWithShape="1">
+          <a:gsLst>
+            <a:gs pos="0">
+              <a:schemeClr val="phClr">
+                <a:tint val="50000"/>
+                <a:satMod val="300000"/>
+              </a:schemeClr>
+            </a:gs>
+            <a:gs pos="35000">
+              <a:schemeClr val="phClr">
+                <a:tint val="37000"/>
+                <a:satMod val="300000"/>
+              </a:schemeClr>
+            </a:gs>
+            <a:gs pos="100000">
+              <a:schemeClr val="phClr">
+                <a:tint val="15000"/>
+                <a:satMod val="350000"/>
+              </a:schemeClr>
+            </a:gs>
+          </a:gsLst>
+          <a:lin ang="16200000" scaled="1"/>
+        </a:gradFill>
+        <a:gradFill rotWithShape="1">
+          <a:gsLst>
+            <a:gs pos="0">
+              <a:schemeClr val="phClr">
+                <a:tint val="100000"/>
+                <a:shade val="100000"/>
+                <a:satMod val="130000"/>
+              </a:schemeClr>
+            </a:gs>
+            <a:gs pos="100000">
+              <a:schemeClr val="phClr">
+                <a:tint val="50000"/>
+                <a:shade val="100000"/>
+                <a:satMod val="350000"/>
+              </a:schemeClr>
+            </a:gs>
+          </a:gsLst>
+          <a:lin ang="16200000" scaled="0"/>
+        </a:gradFill>
+      </a:fillStyleLst>
+      <a:lnStyleLst>
+        <a:ln w="9525" cap="flat" cmpd="sng" algn="ctr">
+          <a:solidFill>
+            <a:schemeClr val="phClr">
+              <a:shade val="95000"/>
+              <a:satMod val="105000"/>
+            </a:schemeClr>
+          </a:solidFill>
+          <a:prstDash val="solid"/>
+        </a:ln>
+        <a:ln w="25400" cap="flat" cmpd="sng" algn="ctr">
+          <a:solidFill>
+            <a:schemeClr val="phClr"/>
+          </a:solidFill>
+          <a:prstDash val="solid"/>
+        </a:ln>
+        <a:ln w="38100" cap="flat" cmpd="sng" algn="ctr">
+          <a:solidFill>
+            <a:schemeClr val="phClr"/>
+          </a:solidFill>
+          <a:prstDash val="solid"/>
+        </a:ln>
+      </a:lnStyleLst>
+      <a:effectStyleLst>
+        <a:effectStyle>
+          <a:effectLst>
+            <a:outerShdw blurRad="40000" dist="20000" dir="5400000" rotWithShape="0">
+              <a:srgbClr val="000000">
+                <a:alpha val="38000"/>
+              </a:srgbClr>
+            </a:outerShdw>
+          </a:effectLst>
+        </a:effectStyle>
+        <a:effectStyle>
+          <a:effectLst>
+            <a:outerShdw blurRad="40000" dist="23000" dir="5400000" rotWithShape="0">
+              <a:srgbClr val="000000">
+                <a:alpha val="35000"/>
+              </a:srgbClr>
+            </a:outerShdw>
+          </a:effectLst>
+        </a:effectStyle>
+        <a:effectStyle>
+          <a:effectLst>
+            <a:outerShdw blurRad="40000" dist="23000" dir="5400000" rotWithShape="0">
+              <a:srgbClr val="000000">
+                <a:alpha val="35000"/>
+              </a:srgbClr>
+            </a:outerShdw>
+          </a:effectLst>
+          <a:scene3d>
+            <a:camera prst="orthographicFront">
+              <a:rot lat="0" lon="0" rev="0"/>
+            </a:camera>
+            <a:lightRig rig="threePt" dir="t">
+              <a:rot lat="0" lon="0" rev="1200000"/>
+            </a:lightRig>
+          </a:scene3d>
+          <a:sp3d>
+            <a:bevelT w="63500" h="25400"/>
+          </a:sp3d>
+        </a:effectStyle>
+      </a:effectStyleLst>
+      <a:bgFillStyleLst>
+        <a:solidFill>
+          <a:schemeClr val="phClr"/>
+        </a:solidFill>
+        <a:gradFill rotWithShape="1">
+          <a:gsLst>
+            <a:gs pos="0">
+              <a:schemeClr val="phClr">
+                <a:tint val="40000"/>
+                <a:satMod val="350000"/>
+              </a:schemeClr>
+            </a:gs>
+            <a:gs pos="40000">
+              <a:schemeClr val="phClr">
+                <a:tint val="45000"/>
+                <a:shade val="99000"/>
+                <a:satMod val="350000"/>
+              </a:schemeClr>
+            </a:gs>
+            <a:gs pos="100000">
+              <a:schemeClr val="phClr">
+                <a:shade val="20000"/>
+                <a:satMod val="255000"/>
+              </a:schemeClr>
+            </a:gs>
+          </a:gsLst>
+          <a:path path="circle">
+            <a:fillToRect l="50000" t="-80000" r="50000" b="180000"/>
+          </a:path>
+        </a:gradFill>
+        <a:gradFill rotWithShape="1">
+          <a:gsLst>
+            <a:gs pos="0">
+              <a:schemeClr val="phClr">
+                <a:tint val="80000"/>
+                <a:satMod val="300000"/>
+              </a:schemeClr>
+            </a:gs>
+            <a:gs pos="100000">
+              <a:schemeClr val="phClr">
+                <a:shade val="30000"/>
+                <a:satMod val="200000"/>
+              </a:schemeClr>
+            </a:gs>
+          </a:gsLst>
+          <a:path path="circle">
+            <a:fillToRect l="50000" t="50000" r="50000" b="50000"/>
+          </a:path>
+        </a:gradFill>
+      </a:bgFillStyleLst>
+    </a:fmtScheme>
+  </a:themeElements>
+  <a:objectDefaults/>
+  <a:extraClrSchemeLst/>
+</a:theme>
+</file>
+
+<file path=ppt/theme/theme2.xml><?xml version="1.0" encoding="utf-8"?>
+<a:theme xmlns:a="http://schemas.openxmlformats.org/drawingml/2006/main">
   <a:themeElements>
     <a:clrScheme name="Default">
       <a:dk1>
@@ -7433,284 +7903,7 @@
       </a:bgFillStyleLst>
     </a:fmtScheme>
   </a:themeElements>
-</a:theme>
-</file>
-
-<file path=ppt/theme/theme2.xml><?xml version="1.0" encoding="utf-8"?>
-<a:theme xmlns:a="http://schemas.openxmlformats.org/drawingml/2006/main" xmlns:r="http://schemas.openxmlformats.org/officeDocument/2006/relationships" name="Simple Light">
-  <a:themeElements>
-    <a:clrScheme name="Simple Light">
-      <a:dk1>
-        <a:srgbClr val="000000"/>
-      </a:dk1>
-      <a:lt1>
-        <a:srgbClr val="FFFFFF"/>
-      </a:lt1>
-      <a:dk2>
-        <a:srgbClr val="595959"/>
-      </a:dk2>
-      <a:lt2>
-        <a:srgbClr val="EEEEEE"/>
-      </a:lt2>
-      <a:accent1>
-        <a:srgbClr val="4285F4"/>
-      </a:accent1>
-      <a:accent2>
-        <a:srgbClr val="212121"/>
-      </a:accent2>
-      <a:accent3>
-        <a:srgbClr val="78909C"/>
-      </a:accent3>
-      <a:accent4>
-        <a:srgbClr val="FFAB40"/>
-      </a:accent4>
-      <a:accent5>
-        <a:srgbClr val="0097A7"/>
-      </a:accent5>
-      <a:accent6>
-        <a:srgbClr val="EEFF41"/>
-      </a:accent6>
-      <a:hlink>
-        <a:srgbClr val="0097A7"/>
-      </a:hlink>
-      <a:folHlink>
-        <a:srgbClr val="0097A7"/>
-      </a:folHlink>
-    </a:clrScheme>
-    <a:fontScheme name="Office">
-      <a:majorFont>
-        <a:latin typeface="Arial"/>
-        <a:ea typeface=""/>
-        <a:cs typeface=""/>
-        <a:font script="Jpan" typeface="ＭＳ Ｐゴシック"/>
-        <a:font script="Hang" typeface="맑은 고딕"/>
-        <a:font script="Hans" typeface="宋体"/>
-        <a:font script="Hant" typeface="新細明體"/>
-        <a:font script="Arab" typeface="Times New Roman"/>
-        <a:font script="Hebr" typeface="Times New Roman"/>
-        <a:font script="Thai" typeface="Angsana New"/>
-        <a:font script="Ethi" typeface="Nyala"/>
-        <a:font script="Beng" typeface="Vrinda"/>
-        <a:font script="Gujr" typeface="Shruti"/>
-        <a:font script="Khmr" typeface="MoolBoran"/>
-        <a:font script="Knda" typeface="Tunga"/>
-        <a:font script="Guru" typeface="Raavi"/>
-        <a:font script="Cans" typeface="Euphemia"/>
-        <a:font script="Cher" typeface="Plantagenet Cherokee"/>
-        <a:font script="Yiii" typeface="Microsoft Yi Baiti"/>
-        <a:font script="Tibt" typeface="Microsoft Himalaya"/>
-        <a:font script="Thaa" typeface="MV Boli"/>
-        <a:font script="Deva" typeface="Mangal"/>
-        <a:font script="Telu" typeface="Gautami"/>
-        <a:font script="Taml" typeface="Latha"/>
-        <a:font script="Syrc" typeface="Estrangelo Edessa"/>
-        <a:font script="Orya" typeface="Kalinga"/>
-        <a:font script="Mlym" typeface="Kartika"/>
-        <a:font script="Laoo" typeface="DokChampa"/>
-        <a:font script="Sinh" typeface="Iskoola Pota"/>
-        <a:font script="Mong" typeface="Mongolian Baiti"/>
-        <a:font script="Viet" typeface="Times New Roman"/>
-        <a:font script="Uigh" typeface="Microsoft Uighur"/>
-        <a:font script="Geor" typeface="Sylfaen"/>
-      </a:majorFont>
-      <a:minorFont>
-        <a:latin typeface="Arial"/>
-        <a:ea typeface=""/>
-        <a:cs typeface=""/>
-        <a:font script="Jpan" typeface="ＭＳ Ｐゴシック"/>
-        <a:font script="Hang" typeface="맑은 고딕"/>
-        <a:font script="Hans" typeface="宋体"/>
-        <a:font script="Hant" typeface="新細明體"/>
-        <a:font script="Arab" typeface="Arial"/>
-        <a:font script="Hebr" typeface="Arial"/>
-        <a:font script="Thai" typeface="Cordia New"/>
-        <a:font script="Ethi" typeface="Nyala"/>
-        <a:font script="Beng" typeface="Vrinda"/>
-        <a:font script="Gujr" typeface="Shruti"/>
-        <a:font script="Khmr" typeface="DaunPenh"/>
-        <a:font script="Knda" typeface="Tunga"/>
-        <a:font script="Guru" typeface="Raavi"/>
-        <a:font script="Cans" typeface="Euphemia"/>
-        <a:font script="Cher" typeface="Plantagenet Cherokee"/>
-        <a:font script="Yiii" typeface="Microsoft Yi Baiti"/>
-        <a:font script="Tibt" typeface="Microsoft Himalaya"/>
-        <a:font script="Thaa" typeface="MV Boli"/>
-        <a:font script="Deva" typeface="Mangal"/>
-        <a:font script="Telu" typeface="Gautami"/>
-        <a:font script="Taml" typeface="Latha"/>
-        <a:font script="Syrc" typeface="Estrangelo Edessa"/>
-        <a:font script="Orya" typeface="Kalinga"/>
-        <a:font script="Mlym" typeface="Kartika"/>
-        <a:font script="Laoo" typeface="DokChampa"/>
-        <a:font script="Sinh" typeface="Iskoola Pota"/>
-        <a:font script="Mong" typeface="Mongolian Baiti"/>
-        <a:font script="Viet" typeface="Arial"/>
-        <a:font script="Uigh" typeface="Microsoft Uighur"/>
-        <a:font script="Geor" typeface="Sylfaen"/>
-      </a:minorFont>
-    </a:fontScheme>
-    <a:fmtScheme name="Office">
-      <a:fillStyleLst>
-        <a:solidFill>
-          <a:schemeClr val="phClr"/>
-        </a:solidFill>
-        <a:gradFill rotWithShape="1">
-          <a:gsLst>
-            <a:gs pos="0">
-              <a:schemeClr val="phClr">
-                <a:tint val="50000"/>
-                <a:satMod val="300000"/>
-              </a:schemeClr>
-            </a:gs>
-            <a:gs pos="35000">
-              <a:schemeClr val="phClr">
-                <a:tint val="37000"/>
-                <a:satMod val="300000"/>
-              </a:schemeClr>
-            </a:gs>
-            <a:gs pos="100000">
-              <a:schemeClr val="phClr">
-                <a:tint val="15000"/>
-                <a:satMod val="350000"/>
-              </a:schemeClr>
-            </a:gs>
-          </a:gsLst>
-          <a:lin ang="16200000" scaled="1"/>
-        </a:gradFill>
-        <a:gradFill rotWithShape="1">
-          <a:gsLst>
-            <a:gs pos="0">
-              <a:schemeClr val="phClr">
-                <a:tint val="100000"/>
-                <a:shade val="100000"/>
-                <a:satMod val="130000"/>
-              </a:schemeClr>
-            </a:gs>
-            <a:gs pos="100000">
-              <a:schemeClr val="phClr">
-                <a:tint val="50000"/>
-                <a:shade val="100000"/>
-                <a:satMod val="350000"/>
-              </a:schemeClr>
-            </a:gs>
-          </a:gsLst>
-          <a:lin ang="16200000" scaled="0"/>
-        </a:gradFill>
-      </a:fillStyleLst>
-      <a:lnStyleLst>
-        <a:ln w="9525" cap="flat" cmpd="sng" algn="ctr">
-          <a:solidFill>
-            <a:schemeClr val="phClr">
-              <a:shade val="95000"/>
-              <a:satMod val="105000"/>
-            </a:schemeClr>
-          </a:solidFill>
-          <a:prstDash val="solid"/>
-        </a:ln>
-        <a:ln w="25400" cap="flat" cmpd="sng" algn="ctr">
-          <a:solidFill>
-            <a:schemeClr val="phClr"/>
-          </a:solidFill>
-          <a:prstDash val="solid"/>
-        </a:ln>
-        <a:ln w="38100" cap="flat" cmpd="sng" algn="ctr">
-          <a:solidFill>
-            <a:schemeClr val="phClr"/>
-          </a:solidFill>
-          <a:prstDash val="solid"/>
-        </a:ln>
-      </a:lnStyleLst>
-      <a:effectStyleLst>
-        <a:effectStyle>
-          <a:effectLst>
-            <a:outerShdw blurRad="40000" dist="20000" dir="5400000" rotWithShape="0">
-              <a:srgbClr val="000000">
-                <a:alpha val="38000"/>
-              </a:srgbClr>
-            </a:outerShdw>
-          </a:effectLst>
-        </a:effectStyle>
-        <a:effectStyle>
-          <a:effectLst>
-            <a:outerShdw blurRad="40000" dist="23000" dir="5400000" rotWithShape="0">
-              <a:srgbClr val="000000">
-                <a:alpha val="35000"/>
-              </a:srgbClr>
-            </a:outerShdw>
-          </a:effectLst>
-        </a:effectStyle>
-        <a:effectStyle>
-          <a:effectLst>
-            <a:outerShdw blurRad="40000" dist="23000" dir="5400000" rotWithShape="0">
-              <a:srgbClr val="000000">
-                <a:alpha val="35000"/>
-              </a:srgbClr>
-            </a:outerShdw>
-          </a:effectLst>
-          <a:scene3d>
-            <a:camera prst="orthographicFront">
-              <a:rot lat="0" lon="0" rev="0"/>
-            </a:camera>
-            <a:lightRig rig="threePt" dir="t">
-              <a:rot lat="0" lon="0" rev="1200000"/>
-            </a:lightRig>
-          </a:scene3d>
-          <a:sp3d>
-            <a:bevelT w="63500" h="25400"/>
-          </a:sp3d>
-        </a:effectStyle>
-      </a:effectStyleLst>
-      <a:bgFillStyleLst>
-        <a:solidFill>
-          <a:schemeClr val="phClr"/>
-        </a:solidFill>
-        <a:gradFill rotWithShape="1">
-          <a:gsLst>
-            <a:gs pos="0">
-              <a:schemeClr val="phClr">
-                <a:tint val="40000"/>
-                <a:satMod val="350000"/>
-              </a:schemeClr>
-            </a:gs>
-            <a:gs pos="40000">
-              <a:schemeClr val="phClr">
-                <a:tint val="45000"/>
-                <a:shade val="99000"/>
-                <a:satMod val="350000"/>
-              </a:schemeClr>
-            </a:gs>
-            <a:gs pos="100000">
-              <a:schemeClr val="phClr">
-                <a:shade val="20000"/>
-                <a:satMod val="255000"/>
-              </a:schemeClr>
-            </a:gs>
-          </a:gsLst>
-          <a:path path="circle">
-            <a:fillToRect l="50000" t="-80000" r="50000" b="180000"/>
-          </a:path>
-        </a:gradFill>
-        <a:gradFill rotWithShape="1">
-          <a:gsLst>
-            <a:gs pos="0">
-              <a:schemeClr val="phClr">
-                <a:tint val="80000"/>
-                <a:satMod val="300000"/>
-              </a:schemeClr>
-            </a:gs>
-            <a:gs pos="100000">
-              <a:schemeClr val="phClr">
-                <a:shade val="30000"/>
-                <a:satMod val="200000"/>
-              </a:schemeClr>
-            </a:gs>
-          </a:gsLst>
-          <a:path path="circle">
-            <a:fillToRect l="50000" t="50000" r="50000" b="50000"/>
-          </a:path>
-        </a:gradFill>
-      </a:bgFillStyleLst>
-    </a:fmtScheme>
-  </a:themeElements>
+  <a:objectDefaults/>
+  <a:extraClrSchemeLst/>
 </a:theme>
 </file>
--- a/finpro data engineering batch 2 dibimbing.id.pptx
+++ b/finpro data engineering batch 2 dibimbing.id.pptx
@@ -6513,10 +6513,10 @@
               <a:buNone/>
             </a:pPr>
             <a:r>
-              <a:rPr lang="id"/>
+              <a:rPr lang="id" dirty="0"/>
               <a:t>Tema dari final project saya adalah melakukan analisis terhadap data kejahatan yang terjadi di kota los angeles dengan tujuan untuk menemukan pola - pola kejahatan seperti apa yang sering terjadi di los angeles dari tahun 2020 hingga 2023 sehingga dapat memunculkan insight mengenai kejahatan apa saja yang sering terjadi, di mana kejahatan tersebut terjadi, kapan saja terjadinya, dll. Sehingga expected output dari final project ini adalah menghasilkan sebuah dashboard yang menampilkan informasi - informasi tersebut melalui sebuah pipeline yang menggunakan arsitektur batch processing untuk memproses data secara terjadwal.</a:t>
             </a:r>
-            <a:endParaRPr/>
+            <a:endParaRPr dirty="0"/>
           </a:p>
         </p:txBody>
       </p:sp>
